--- a/Presentation/Con template.pptx
+++ b/Presentation/Con template.pptx
@@ -5,7 +5,7 @@
     <p:sldMasterId id="2147483678" r:id="rId4"/>
   </p:sldMasterIdLst>
   <p:notesMasterIdLst>
-    <p:notesMasterId r:id="rId22"/>
+    <p:notesMasterId r:id="rId23"/>
   </p:notesMasterIdLst>
   <p:sldIdLst>
     <p:sldId id="286" r:id="rId5"/>
@@ -19,12 +19,13 @@
     <p:sldId id="293" r:id="rId13"/>
     <p:sldId id="294" r:id="rId14"/>
     <p:sldId id="295" r:id="rId15"/>
-    <p:sldId id="271" r:id="rId16"/>
-    <p:sldId id="276" r:id="rId17"/>
-    <p:sldId id="272" r:id="rId18"/>
-    <p:sldId id="277" r:id="rId19"/>
-    <p:sldId id="273" r:id="rId20"/>
-    <p:sldId id="281" r:id="rId21"/>
+    <p:sldId id="297" r:id="rId16"/>
+    <p:sldId id="271" r:id="rId17"/>
+    <p:sldId id="276" r:id="rId18"/>
+    <p:sldId id="272" r:id="rId19"/>
+    <p:sldId id="277" r:id="rId20"/>
+    <p:sldId id="273" r:id="rId21"/>
+    <p:sldId id="281" r:id="rId22"/>
   </p:sldIdLst>
   <p:sldSz cx="12192000" cy="6858000"/>
   <p:notesSz cx="6858000" cy="9144000"/>
@@ -143,6 +144,7 @@
             <p14:sldId id="293"/>
             <p14:sldId id="294"/>
             <p14:sldId id="295"/>
+            <p14:sldId id="297"/>
           </p14:sldIdLst>
         </p14:section>
         <p14:section name="Solution strategy" id="{EA0E101F-C8C5-485D-8433-EA55D44A0377}">
@@ -3792,7 +3794,7 @@
           <a:p>
             <a:fld id="{F74EDA46-009C-AD4D-8F7A-604CA1CA1E1C}" type="datetimeFigureOut">
               <a:rPr lang="en-CO" smtClean="0"/>
-              <a:t>5/07/20</a:t>
+              <a:t>6/07/20</a:t>
             </a:fld>
             <a:endParaRPr lang="en-CO"/>
           </a:p>
@@ -4138,6 +4140,99 @@
     <p:extLst>
       <p:ext uri="{BB962C8B-B14F-4D97-AF65-F5344CB8AC3E}">
         <p14:creationId xmlns:p14="http://schemas.microsoft.com/office/powerpoint/2010/main" val="1753399363"/>
+      </p:ext>
+    </p:extLst>
+  </p:cSld>
+  <p:clrMapOvr>
+    <a:masterClrMapping/>
+  </p:clrMapOvr>
+</p:notes>
+</file>
+
+<file path=ppt/notesSlides/notesSlide10.xml><?xml version="1.0" encoding="utf-8"?>
+<p:notes xmlns:a="http://schemas.openxmlformats.org/drawingml/2006/main" xmlns:r="http://schemas.openxmlformats.org/officeDocument/2006/relationships" xmlns:p="http://schemas.openxmlformats.org/presentationml/2006/main">
+  <p:cSld>
+    <p:spTree>
+      <p:nvGrpSpPr>
+        <p:cNvPr id="1" name=""/>
+        <p:cNvGrpSpPr/>
+        <p:nvPr/>
+      </p:nvGrpSpPr>
+      <p:grpSpPr>
+        <a:xfrm>
+          <a:off x="0" y="0"/>
+          <a:ext cx="0" cy="0"/>
+          <a:chOff x="0" y="0"/>
+          <a:chExt cx="0" cy="0"/>
+        </a:xfrm>
+      </p:grpSpPr>
+      <p:sp>
+        <p:nvSpPr>
+          <p:cNvPr id="2" name="Slide Image Placeholder 1"/>
+          <p:cNvSpPr>
+            <a:spLocks noGrp="1" noRot="1" noChangeAspect="1"/>
+          </p:cNvSpPr>
+          <p:nvPr>
+            <p:ph type="sldImg"/>
+          </p:nvPr>
+        </p:nvSpPr>
+        <p:spPr/>
+      </p:sp>
+      <p:sp>
+        <p:nvSpPr>
+          <p:cNvPr id="3" name="Notes Placeholder 2"/>
+          <p:cNvSpPr>
+            <a:spLocks noGrp="1"/>
+          </p:cNvSpPr>
+          <p:nvPr>
+            <p:ph type="body" idx="1"/>
+          </p:nvPr>
+        </p:nvSpPr>
+        <p:spPr/>
+        <p:txBody>
+          <a:bodyPr/>
+          <a:lstStyle/>
+          <a:p>
+            <a:r>
+              <a:rPr lang="en-CO" dirty="0"/>
+              <a:t>That days demand is reveald and the vehicles need to be routed</a:t>
+            </a:r>
+          </a:p>
+          <a:p>
+            <a:endParaRPr lang="en-CO" dirty="0"/>
+          </a:p>
+          <a:p>
+            <a:endParaRPr lang="en-CO" dirty="0"/>
+          </a:p>
+        </p:txBody>
+      </p:sp>
+      <p:sp>
+        <p:nvSpPr>
+          <p:cNvPr id="4" name="Slide Number Placeholder 3"/>
+          <p:cNvSpPr>
+            <a:spLocks noGrp="1"/>
+          </p:cNvSpPr>
+          <p:nvPr>
+            <p:ph type="sldNum" sz="quarter" idx="5"/>
+          </p:nvPr>
+        </p:nvSpPr>
+        <p:spPr/>
+        <p:txBody>
+          <a:bodyPr/>
+          <a:lstStyle/>
+          <a:p>
+            <a:fld id="{106CB079-83B0-0C44-A943-BA1670BD9089}" type="slidenum">
+              <a:rPr lang="en-CO" smtClean="0"/>
+              <a:t>12</a:t>
+            </a:fld>
+            <a:endParaRPr lang="en-CO"/>
+          </a:p>
+        </p:txBody>
+      </p:sp>
+    </p:spTree>
+    <p:extLst>
+      <p:ext uri="{BB962C8B-B14F-4D97-AF65-F5344CB8AC3E}">
+        <p14:creationId xmlns:p14="http://schemas.microsoft.com/office/powerpoint/2010/main" val="1737876682"/>
       </p:ext>
     </p:extLst>
   </p:cSld>
@@ -8368,122 +8463,8 @@
           </a:p>
         </p:txBody>
       </p:sp>
-      <p:pic>
-        <p:nvPicPr>
-          <p:cNvPr id="10" name="Picture 9">
-            <a:extLst>
-              <a:ext uri="{FF2B5EF4-FFF2-40B4-BE49-F238E27FC236}">
-                <a16:creationId xmlns:a16="http://schemas.microsoft.com/office/drawing/2014/main" id="{18394571-7BDE-3C4A-830E-ACEBB3FDDCBB}"/>
-              </a:ext>
-            </a:extLst>
-          </p:cNvPr>
-          <p:cNvPicPr>
-            <a:picLocks noChangeAspect="1"/>
-          </p:cNvPicPr>
-          <p:nvPr/>
-        </p:nvPicPr>
-        <p:blipFill>
-          <a:blip r:embed="rId4">
-            <a:duotone>
-              <a:schemeClr val="accent5">
-                <a:shade val="45000"/>
-                <a:satMod val="135000"/>
-              </a:schemeClr>
-              <a:prstClr val="white"/>
-            </a:duotone>
-          </a:blip>
-          <a:stretch>
-            <a:fillRect/>
-          </a:stretch>
-        </p:blipFill>
-        <p:spPr>
-          <a:xfrm>
-            <a:off x="7504948" y="1424897"/>
-            <a:ext cx="330515" cy="330515"/>
-          </a:xfrm>
-          <a:prstGeom prst="rect">
-            <a:avLst/>
-          </a:prstGeom>
-        </p:spPr>
-      </p:pic>
-      <p:pic>
-        <p:nvPicPr>
-          <p:cNvPr id="11" name="Picture 10">
-            <a:extLst>
-              <a:ext uri="{FF2B5EF4-FFF2-40B4-BE49-F238E27FC236}">
-                <a16:creationId xmlns:a16="http://schemas.microsoft.com/office/drawing/2014/main" id="{5A025A28-7FF6-CF4C-B8E8-6D4C90CC81D4}"/>
-              </a:ext>
-            </a:extLst>
-          </p:cNvPr>
-          <p:cNvPicPr>
-            <a:picLocks noChangeAspect="1"/>
-          </p:cNvPicPr>
-          <p:nvPr/>
-        </p:nvPicPr>
-        <p:blipFill>
-          <a:blip r:embed="rId4">
-            <a:duotone>
-              <a:schemeClr val="accent5">
-                <a:shade val="45000"/>
-                <a:satMod val="135000"/>
-              </a:schemeClr>
-              <a:prstClr val="white"/>
-            </a:duotone>
-          </a:blip>
-          <a:stretch>
-            <a:fillRect/>
-          </a:stretch>
-        </p:blipFill>
-        <p:spPr>
-          <a:xfrm flipH="1">
-            <a:off x="8587540" y="3791731"/>
-            <a:ext cx="330515" cy="330515"/>
-          </a:xfrm>
-          <a:prstGeom prst="rect">
-            <a:avLst/>
-          </a:prstGeom>
-        </p:spPr>
-      </p:pic>
-      <p:pic>
-        <p:nvPicPr>
-          <p:cNvPr id="12" name="Picture 11">
-            <a:extLst>
-              <a:ext uri="{FF2B5EF4-FFF2-40B4-BE49-F238E27FC236}">
-                <a16:creationId xmlns:a16="http://schemas.microsoft.com/office/drawing/2014/main" id="{3050A6A0-62C4-8845-8B8D-B6406FBB7040}"/>
-              </a:ext>
-            </a:extLst>
-          </p:cNvPr>
-          <p:cNvPicPr>
-            <a:picLocks noChangeAspect="1"/>
-          </p:cNvPicPr>
-          <p:nvPr/>
-        </p:nvPicPr>
-        <p:blipFill>
-          <a:blip r:embed="rId4">
-            <a:duotone>
-              <a:schemeClr val="accent5">
-                <a:shade val="45000"/>
-                <a:satMod val="135000"/>
-              </a:schemeClr>
-              <a:prstClr val="white"/>
-            </a:duotone>
-          </a:blip>
-          <a:stretch>
-            <a:fillRect/>
-          </a:stretch>
-        </p:blipFill>
-        <p:spPr>
-          <a:xfrm>
-            <a:off x="9019086" y="3791731"/>
-            <a:ext cx="330515" cy="330515"/>
-          </a:xfrm>
-          <a:prstGeom prst="rect">
-            <a:avLst/>
-          </a:prstGeom>
-        </p:spPr>
-      </p:pic>
-      <mc:AlternateContent xmlns:mc="http://schemas.openxmlformats.org/markup-compatibility/2006">
-        <mc:Choice xmlns:a14="http://schemas.microsoft.com/office/drawing/2010/main" Requires="a14">
+      <mc:AlternateContent xmlns:mc="http://schemas.openxmlformats.org/markup-compatibility/2006" xmlns:a14="http://schemas.microsoft.com/office/drawing/2010/main">
+        <mc:Choice Requires="a14">
           <p:sp>
             <p:nvSpPr>
               <p:cNvPr id="13" name="TextBox 12">
@@ -8512,7 +8493,6 @@
               </a:bodyPr>
               <a:lstStyle/>
               <a:p>
-                <a:pPr/>
                 <a:r>
                   <a:rPr lang="en-US" b="1" dirty="0"/>
                   <a:t>Day</a:t>
@@ -8538,7 +8518,7 @@
             </p:txBody>
           </p:sp>
         </mc:Choice>
-        <mc:Fallback>
+        <mc:Fallback xmlns="">
           <p:sp>
             <p:nvSpPr>
               <p:cNvPr id="13" name="TextBox 12">
@@ -9287,8 +9267,8 @@
           </a:fontRef>
         </p:style>
       </p:cxnSp>
-      <mc:AlternateContent xmlns:mc="http://schemas.openxmlformats.org/markup-compatibility/2006">
-        <mc:Choice xmlns:a14="http://schemas.microsoft.com/office/drawing/2010/main" Requires="a14">
+      <mc:AlternateContent xmlns:mc="http://schemas.openxmlformats.org/markup-compatibility/2006" xmlns:a14="http://schemas.microsoft.com/office/drawing/2010/main">
+        <mc:Choice Requires="a14">
           <p:sp>
             <p:nvSpPr>
               <p:cNvPr id="52" name="TextBox 51">
@@ -9469,7 +9449,7 @@
             </p:txBody>
           </p:sp>
         </mc:Choice>
-        <mc:Fallback>
+        <mc:Fallback xmlns="">
           <p:sp>
             <p:nvSpPr>
               <p:cNvPr id="52" name="TextBox 51">
@@ -9514,6 +9494,82 @@
           </p:sp>
         </mc:Fallback>
       </mc:AlternateContent>
+      <p:pic>
+        <p:nvPicPr>
+          <p:cNvPr id="28" name="Picture 27">
+            <a:extLst>
+              <a:ext uri="{FF2B5EF4-FFF2-40B4-BE49-F238E27FC236}">
+                <a16:creationId xmlns:a16="http://schemas.microsoft.com/office/drawing/2014/main" id="{076A3CDA-CCA5-FF4C-A35D-ED43F5483C7A}"/>
+              </a:ext>
+            </a:extLst>
+          </p:cNvPr>
+          <p:cNvPicPr>
+            <a:picLocks noChangeAspect="1"/>
+          </p:cNvPicPr>
+          <p:nvPr/>
+        </p:nvPicPr>
+        <p:blipFill>
+          <a:blip r:embed="rId7">
+            <a:duotone>
+              <a:schemeClr val="accent5">
+                <a:shade val="45000"/>
+                <a:satMod val="135000"/>
+              </a:schemeClr>
+              <a:prstClr val="white"/>
+            </a:duotone>
+          </a:blip>
+          <a:stretch>
+            <a:fillRect/>
+          </a:stretch>
+        </p:blipFill>
+        <p:spPr>
+          <a:xfrm flipH="1">
+            <a:off x="7465670" y="1418749"/>
+            <a:ext cx="338760" cy="330515"/>
+          </a:xfrm>
+          <a:prstGeom prst="rect">
+            <a:avLst/>
+          </a:prstGeom>
+        </p:spPr>
+      </p:pic>
+      <p:pic>
+        <p:nvPicPr>
+          <p:cNvPr id="30" name="Picture 29">
+            <a:extLst>
+              <a:ext uri="{FF2B5EF4-FFF2-40B4-BE49-F238E27FC236}">
+                <a16:creationId xmlns:a16="http://schemas.microsoft.com/office/drawing/2014/main" id="{0A0A20CD-DABD-0642-9A21-EB184FB70949}"/>
+              </a:ext>
+            </a:extLst>
+          </p:cNvPr>
+          <p:cNvPicPr>
+            <a:picLocks noChangeAspect="1"/>
+          </p:cNvPicPr>
+          <p:nvPr/>
+        </p:nvPicPr>
+        <p:blipFill>
+          <a:blip r:embed="rId7">
+            <a:duotone>
+              <a:schemeClr val="accent5">
+                <a:shade val="45000"/>
+                <a:satMod val="135000"/>
+              </a:schemeClr>
+              <a:prstClr val="white"/>
+            </a:duotone>
+          </a:blip>
+          <a:stretch>
+            <a:fillRect/>
+          </a:stretch>
+        </p:blipFill>
+        <p:spPr>
+          <a:xfrm flipH="1">
+            <a:off x="8806996" y="3791731"/>
+            <a:ext cx="330515" cy="330515"/>
+          </a:xfrm>
+          <a:prstGeom prst="rect">
+            <a:avLst/>
+          </a:prstGeom>
+        </p:spPr>
+      </p:pic>
     </p:spTree>
     <p:extLst>
       <p:ext uri="{BB962C8B-B14F-4D97-AF65-F5344CB8AC3E}">
@@ -9820,9 +9876,9 @@
           </a:stretch>
         </p:blipFill>
         <p:spPr>
-          <a:xfrm>
-            <a:off x="7504948" y="1424897"/>
-            <a:ext cx="330515" cy="330515"/>
+          <a:xfrm flipH="1">
+            <a:off x="7465670" y="1418749"/>
+            <a:ext cx="338760" cy="330515"/>
           </a:xfrm>
           <a:prstGeom prst="rect">
             <a:avLst/>
@@ -9859,7 +9915,7 @@
         </p:blipFill>
         <p:spPr>
           <a:xfrm flipH="1">
-            <a:off x="8587540" y="3791731"/>
+            <a:off x="8806996" y="3791731"/>
             <a:ext cx="330515" cy="330515"/>
           </a:xfrm>
           <a:prstGeom prst="rect">
@@ -9867,46 +9923,8 @@
           </a:prstGeom>
         </p:spPr>
       </p:pic>
-      <p:pic>
-        <p:nvPicPr>
-          <p:cNvPr id="12" name="Picture 11">
-            <a:extLst>
-              <a:ext uri="{FF2B5EF4-FFF2-40B4-BE49-F238E27FC236}">
-                <a16:creationId xmlns:a16="http://schemas.microsoft.com/office/drawing/2014/main" id="{3050A6A0-62C4-8845-8B8D-B6406FBB7040}"/>
-              </a:ext>
-            </a:extLst>
-          </p:cNvPr>
-          <p:cNvPicPr>
-            <a:picLocks noChangeAspect="1"/>
-          </p:cNvPicPr>
-          <p:nvPr/>
-        </p:nvPicPr>
-        <p:blipFill>
-          <a:blip r:embed="rId4">
-            <a:duotone>
-              <a:schemeClr val="accent5">
-                <a:shade val="45000"/>
-                <a:satMod val="135000"/>
-              </a:schemeClr>
-              <a:prstClr val="white"/>
-            </a:duotone>
-          </a:blip>
-          <a:stretch>
-            <a:fillRect/>
-          </a:stretch>
-        </p:blipFill>
-        <p:spPr>
-          <a:xfrm>
-            <a:off x="9019086" y="3791731"/>
-            <a:ext cx="330515" cy="330515"/>
-          </a:xfrm>
-          <a:prstGeom prst="rect">
-            <a:avLst/>
-          </a:prstGeom>
-        </p:spPr>
-      </p:pic>
-      <mc:AlternateContent xmlns:mc="http://schemas.openxmlformats.org/markup-compatibility/2006">
-        <mc:Choice xmlns:a14="http://schemas.microsoft.com/office/drawing/2010/main" Requires="a14">
+      <mc:AlternateContent xmlns:mc="http://schemas.openxmlformats.org/markup-compatibility/2006" xmlns:a14="http://schemas.microsoft.com/office/drawing/2010/main">
+        <mc:Choice Requires="a14">
           <p:sp>
             <p:nvSpPr>
               <p:cNvPr id="13" name="TextBox 12">
@@ -9935,7 +9953,6 @@
               </a:bodyPr>
               <a:lstStyle/>
               <a:p>
-                <a:pPr/>
                 <a:r>
                   <a:rPr lang="en-US" b="1" dirty="0"/>
                   <a:t>Day</a:t>
@@ -9961,7 +9978,7 @@
             </p:txBody>
           </p:sp>
         </mc:Choice>
-        <mc:Fallback>
+        <mc:Fallback xmlns="">
           <p:sp>
             <p:nvSpPr>
               <p:cNvPr id="13" name="TextBox 12">
@@ -10886,8 +10903,8 @@
           </a:fontRef>
         </p:style>
       </p:cxnSp>
-      <mc:AlternateContent xmlns:mc="http://schemas.openxmlformats.org/markup-compatibility/2006">
-        <mc:Choice xmlns:a14="http://schemas.microsoft.com/office/drawing/2010/main" Requires="a14">
+      <mc:AlternateContent xmlns:mc="http://schemas.openxmlformats.org/markup-compatibility/2006" xmlns:a14="http://schemas.microsoft.com/office/drawing/2010/main">
+        <mc:Choice Requires="a14">
           <p:sp>
             <p:nvSpPr>
               <p:cNvPr id="38" name="TextBox 37">
@@ -11094,7 +11111,7 @@
             </p:txBody>
           </p:sp>
         </mc:Choice>
-        <mc:Fallback>
+        <mc:Fallback xmlns="">
           <p:sp>
             <p:nvSpPr>
               <p:cNvPr id="38" name="TextBox 37">
@@ -11247,6 +11264,4188 @@
           <a:chExt cx="0" cy="0"/>
         </a:xfrm>
       </p:grpSpPr>
+      <p:grpSp>
+        <p:nvGrpSpPr>
+          <p:cNvPr id="2" name="Group 1">
+            <a:extLst>
+              <a:ext uri="{FF2B5EF4-FFF2-40B4-BE49-F238E27FC236}">
+                <a16:creationId xmlns:a16="http://schemas.microsoft.com/office/drawing/2014/main" id="{0A4D9B62-1136-E446-9529-325A2B493AE4}"/>
+              </a:ext>
+            </a:extLst>
+          </p:cNvPr>
+          <p:cNvGrpSpPr/>
+          <p:nvPr/>
+        </p:nvGrpSpPr>
+        <p:grpSpPr>
+          <a:xfrm>
+            <a:off x="4104204" y="2915992"/>
+            <a:ext cx="4492938" cy="2900343"/>
+            <a:chOff x="6216984" y="2804937"/>
+            <a:chExt cx="4492938" cy="2900343"/>
+          </a:xfrm>
+        </p:grpSpPr>
+        <p:pic>
+          <p:nvPicPr>
+            <p:cNvPr id="14" name="Picture 13" descr="A traffic light&#10;&#10;Description automatically generated">
+              <a:extLst>
+                <a:ext uri="{FF2B5EF4-FFF2-40B4-BE49-F238E27FC236}">
+                  <a16:creationId xmlns:a16="http://schemas.microsoft.com/office/drawing/2014/main" id="{C336C1FB-C2A1-FC4C-AAF1-6060DC4B6160}"/>
+                </a:ext>
+              </a:extLst>
+            </p:cNvPr>
+            <p:cNvPicPr>
+              <a:picLocks noChangeAspect="1"/>
+            </p:cNvPicPr>
+            <p:nvPr/>
+          </p:nvPicPr>
+          <p:blipFill rotWithShape="1">
+            <a:blip r:embed="rId3">
+              <a:extLst>
+                <a:ext uri="{28A0092B-C50C-407E-A947-70E740481C1C}">
+                  <a14:useLocalDpi xmlns:a14="http://schemas.microsoft.com/office/drawing/2010/main" val="0"/>
+                </a:ext>
+              </a:extLst>
+            </a:blip>
+            <a:srcRect l="16594" t="42794" r="31911" b="15436"/>
+            <a:stretch/>
+          </p:blipFill>
+          <p:spPr>
+            <a:xfrm>
+              <a:off x="6216984" y="2840737"/>
+              <a:ext cx="4414440" cy="2864543"/>
+            </a:xfrm>
+            <a:prstGeom prst="rect">
+              <a:avLst/>
+            </a:prstGeom>
+          </p:spPr>
+        </p:pic>
+        <p:sp>
+          <p:nvSpPr>
+            <p:cNvPr id="9" name="Rectangle 8">
+              <a:extLst>
+                <a:ext uri="{FF2B5EF4-FFF2-40B4-BE49-F238E27FC236}">
+                  <a16:creationId xmlns:a16="http://schemas.microsoft.com/office/drawing/2014/main" id="{017BEEC7-81B4-D441-AF34-A5ABB7571D80}"/>
+                </a:ext>
+              </a:extLst>
+            </p:cNvPr>
+            <p:cNvSpPr/>
+            <p:nvPr/>
+          </p:nvSpPr>
+          <p:spPr>
+            <a:xfrm>
+              <a:off x="8842123" y="4078268"/>
+              <a:ext cx="235896" cy="224817"/>
+            </a:xfrm>
+            <a:prstGeom prst="rect">
+              <a:avLst/>
+            </a:prstGeom>
+            <a:solidFill>
+              <a:srgbClr val="00B050"/>
+            </a:solidFill>
+          </p:spPr>
+          <p:style>
+            <a:lnRef idx="2">
+              <a:schemeClr val="accent1">
+                <a:shade val="50000"/>
+              </a:schemeClr>
+            </a:lnRef>
+            <a:fillRef idx="1">
+              <a:schemeClr val="accent1"/>
+            </a:fillRef>
+            <a:effectRef idx="0">
+              <a:schemeClr val="accent1"/>
+            </a:effectRef>
+            <a:fontRef idx="minor">
+              <a:schemeClr val="lt1"/>
+            </a:fontRef>
+          </p:style>
+          <p:txBody>
+            <a:bodyPr rtlCol="0" anchor="ctr"/>
+            <a:lstStyle/>
+            <a:p>
+              <a:pPr algn="ctr"/>
+              <a:endParaRPr lang="en-CO"/>
+            </a:p>
+          </p:txBody>
+        </p:sp>
+        <p:cxnSp>
+          <p:nvCxnSpPr>
+            <p:cNvPr id="19" name="Straight Arrow Connector 18">
+              <a:extLst>
+                <a:ext uri="{FF2B5EF4-FFF2-40B4-BE49-F238E27FC236}">
+                  <a16:creationId xmlns:a16="http://schemas.microsoft.com/office/drawing/2014/main" id="{E33A1D4F-8475-824F-B733-625141B819F3}"/>
+                </a:ext>
+              </a:extLst>
+            </p:cNvPr>
+            <p:cNvCxnSpPr>
+              <a:cxnSpLocks/>
+            </p:cNvCxnSpPr>
+            <p:nvPr/>
+          </p:nvCxnSpPr>
+          <p:spPr>
+            <a:xfrm flipH="1">
+              <a:off x="7733696" y="4220788"/>
+              <a:ext cx="1091066" cy="0"/>
+            </a:xfrm>
+            <a:prstGeom prst="straightConnector1">
+              <a:avLst/>
+            </a:prstGeom>
+            <a:ln w="38100">
+              <a:solidFill>
+                <a:srgbClr val="FFC000"/>
+              </a:solidFill>
+              <a:tailEnd type="triangle"/>
+            </a:ln>
+          </p:spPr>
+          <p:style>
+            <a:lnRef idx="1">
+              <a:schemeClr val="accent1"/>
+            </a:lnRef>
+            <a:fillRef idx="0">
+              <a:schemeClr val="accent1"/>
+            </a:fillRef>
+            <a:effectRef idx="0">
+              <a:schemeClr val="accent1"/>
+            </a:effectRef>
+            <a:fontRef idx="minor">
+              <a:schemeClr val="tx1"/>
+            </a:fontRef>
+          </p:style>
+        </p:cxnSp>
+        <p:cxnSp>
+          <p:nvCxnSpPr>
+            <p:cNvPr id="23" name="Straight Arrow Connector 22">
+              <a:extLst>
+                <a:ext uri="{FF2B5EF4-FFF2-40B4-BE49-F238E27FC236}">
+                  <a16:creationId xmlns:a16="http://schemas.microsoft.com/office/drawing/2014/main" id="{821C52E1-AE8C-B648-9E5A-720D1722740D}"/>
+                </a:ext>
+              </a:extLst>
+            </p:cNvPr>
+            <p:cNvCxnSpPr>
+              <a:cxnSpLocks/>
+            </p:cNvCxnSpPr>
+            <p:nvPr/>
+          </p:nvCxnSpPr>
+          <p:spPr>
+            <a:xfrm flipV="1">
+              <a:off x="7627322" y="3084653"/>
+              <a:ext cx="0" cy="999402"/>
+            </a:xfrm>
+            <a:prstGeom prst="straightConnector1">
+              <a:avLst/>
+            </a:prstGeom>
+            <a:ln w="38100">
+              <a:solidFill>
+                <a:srgbClr val="FFC000"/>
+              </a:solidFill>
+              <a:tailEnd type="triangle"/>
+            </a:ln>
+          </p:spPr>
+          <p:style>
+            <a:lnRef idx="1">
+              <a:schemeClr val="accent1"/>
+            </a:lnRef>
+            <a:fillRef idx="0">
+              <a:schemeClr val="accent1"/>
+            </a:fillRef>
+            <a:effectRef idx="0">
+              <a:schemeClr val="accent1"/>
+            </a:effectRef>
+            <a:fontRef idx="minor">
+              <a:schemeClr val="tx1"/>
+            </a:fontRef>
+          </p:style>
+        </p:cxnSp>
+        <p:cxnSp>
+          <p:nvCxnSpPr>
+            <p:cNvPr id="27" name="Straight Arrow Connector 26">
+              <a:extLst>
+                <a:ext uri="{FF2B5EF4-FFF2-40B4-BE49-F238E27FC236}">
+                  <a16:creationId xmlns:a16="http://schemas.microsoft.com/office/drawing/2014/main" id="{D92078F7-D547-304E-9804-CB4CE6665E08}"/>
+                </a:ext>
+              </a:extLst>
+            </p:cNvPr>
+            <p:cNvCxnSpPr>
+              <a:cxnSpLocks/>
+            </p:cNvCxnSpPr>
+            <p:nvPr/>
+          </p:nvCxnSpPr>
+          <p:spPr>
+            <a:xfrm flipH="1">
+              <a:off x="6516547" y="2985304"/>
+              <a:ext cx="949123" cy="0"/>
+            </a:xfrm>
+            <a:prstGeom prst="straightConnector1">
+              <a:avLst/>
+            </a:prstGeom>
+            <a:ln w="38100">
+              <a:solidFill>
+                <a:srgbClr val="FFC000"/>
+              </a:solidFill>
+              <a:tailEnd type="triangle"/>
+            </a:ln>
+          </p:spPr>
+          <p:style>
+            <a:lnRef idx="1">
+              <a:schemeClr val="accent1"/>
+            </a:lnRef>
+            <a:fillRef idx="0">
+              <a:schemeClr val="accent1"/>
+            </a:fillRef>
+            <a:effectRef idx="0">
+              <a:schemeClr val="accent1"/>
+            </a:effectRef>
+            <a:fontRef idx="minor">
+              <a:schemeClr val="tx1"/>
+            </a:fontRef>
+          </p:style>
+        </p:cxnSp>
+        <p:cxnSp>
+          <p:nvCxnSpPr>
+            <p:cNvPr id="32" name="Straight Arrow Connector 31">
+              <a:extLst>
+                <a:ext uri="{FF2B5EF4-FFF2-40B4-BE49-F238E27FC236}">
+                  <a16:creationId xmlns:a16="http://schemas.microsoft.com/office/drawing/2014/main" id="{75F6106B-DE1E-4947-8B7D-5CF8891D138E}"/>
+                </a:ext>
+              </a:extLst>
+            </p:cNvPr>
+            <p:cNvCxnSpPr>
+              <a:cxnSpLocks/>
+            </p:cNvCxnSpPr>
+            <p:nvPr/>
+          </p:nvCxnSpPr>
+          <p:spPr>
+            <a:xfrm>
+              <a:off x="6437653" y="3049125"/>
+              <a:ext cx="1" cy="2414127"/>
+            </a:xfrm>
+            <a:prstGeom prst="straightConnector1">
+              <a:avLst/>
+            </a:prstGeom>
+            <a:ln w="38100">
+              <a:solidFill>
+                <a:srgbClr val="FFC000"/>
+              </a:solidFill>
+              <a:tailEnd type="triangle"/>
+            </a:ln>
+          </p:spPr>
+          <p:style>
+            <a:lnRef idx="1">
+              <a:schemeClr val="accent1"/>
+            </a:lnRef>
+            <a:fillRef idx="0">
+              <a:schemeClr val="accent1"/>
+            </a:fillRef>
+            <a:effectRef idx="0">
+              <a:schemeClr val="accent1"/>
+            </a:effectRef>
+            <a:fontRef idx="minor">
+              <a:schemeClr val="tx1"/>
+            </a:fontRef>
+          </p:style>
+        </p:cxnSp>
+        <p:cxnSp>
+          <p:nvCxnSpPr>
+            <p:cNvPr id="34" name="Straight Arrow Connector 33">
+              <a:extLst>
+                <a:ext uri="{FF2B5EF4-FFF2-40B4-BE49-F238E27FC236}">
+                  <a16:creationId xmlns:a16="http://schemas.microsoft.com/office/drawing/2014/main" id="{2E3C7C18-C3E8-E54B-A1B5-9970F8E54246}"/>
+                </a:ext>
+              </a:extLst>
+            </p:cNvPr>
+            <p:cNvCxnSpPr>
+              <a:cxnSpLocks/>
+            </p:cNvCxnSpPr>
+            <p:nvPr/>
+          </p:nvCxnSpPr>
+          <p:spPr>
+            <a:xfrm>
+              <a:off x="6574421" y="5553806"/>
+              <a:ext cx="954667" cy="0"/>
+            </a:xfrm>
+            <a:prstGeom prst="straightConnector1">
+              <a:avLst/>
+            </a:prstGeom>
+            <a:ln w="38100">
+              <a:solidFill>
+                <a:srgbClr val="FFC000"/>
+              </a:solidFill>
+              <a:tailEnd type="triangle"/>
+            </a:ln>
+          </p:spPr>
+          <p:style>
+            <a:lnRef idx="1">
+              <a:schemeClr val="accent1"/>
+            </a:lnRef>
+            <a:fillRef idx="0">
+              <a:schemeClr val="accent1"/>
+            </a:fillRef>
+            <a:effectRef idx="0">
+              <a:schemeClr val="accent1"/>
+            </a:effectRef>
+            <a:fontRef idx="minor">
+              <a:schemeClr val="tx1"/>
+            </a:fontRef>
+          </p:style>
+        </p:cxnSp>
+        <p:cxnSp>
+          <p:nvCxnSpPr>
+            <p:cNvPr id="36" name="Straight Arrow Connector 35">
+              <a:extLst>
+                <a:ext uri="{FF2B5EF4-FFF2-40B4-BE49-F238E27FC236}">
+                  <a16:creationId xmlns:a16="http://schemas.microsoft.com/office/drawing/2014/main" id="{B7BB3822-C0EB-634F-894F-C3575C4925D2}"/>
+                </a:ext>
+              </a:extLst>
+            </p:cNvPr>
+            <p:cNvCxnSpPr>
+              <a:cxnSpLocks/>
+            </p:cNvCxnSpPr>
+            <p:nvPr/>
+          </p:nvCxnSpPr>
+          <p:spPr>
+            <a:xfrm flipH="1" flipV="1">
+              <a:off x="7627322" y="4855580"/>
+              <a:ext cx="2321" cy="590197"/>
+            </a:xfrm>
+            <a:prstGeom prst="straightConnector1">
+              <a:avLst/>
+            </a:prstGeom>
+            <a:ln w="38100">
+              <a:solidFill>
+                <a:srgbClr val="FFC000"/>
+              </a:solidFill>
+              <a:tailEnd type="triangle"/>
+            </a:ln>
+          </p:spPr>
+          <p:style>
+            <a:lnRef idx="1">
+              <a:schemeClr val="accent1"/>
+            </a:lnRef>
+            <a:fillRef idx="0">
+              <a:schemeClr val="accent1"/>
+            </a:fillRef>
+            <a:effectRef idx="0">
+              <a:schemeClr val="accent1"/>
+            </a:effectRef>
+            <a:fontRef idx="minor">
+              <a:schemeClr val="tx1"/>
+            </a:fontRef>
+          </p:style>
+        </p:cxnSp>
+        <p:cxnSp>
+          <p:nvCxnSpPr>
+            <p:cNvPr id="37" name="Straight Arrow Connector 36">
+              <a:extLst>
+                <a:ext uri="{FF2B5EF4-FFF2-40B4-BE49-F238E27FC236}">
+                  <a16:creationId xmlns:a16="http://schemas.microsoft.com/office/drawing/2014/main" id="{C64A1F4B-4FB5-E943-AEAD-40BC2A95BD79}"/>
+                </a:ext>
+              </a:extLst>
+            </p:cNvPr>
+            <p:cNvCxnSpPr>
+              <a:cxnSpLocks/>
+            </p:cNvCxnSpPr>
+            <p:nvPr/>
+          </p:nvCxnSpPr>
+          <p:spPr>
+            <a:xfrm>
+              <a:off x="7733696" y="4793736"/>
+              <a:ext cx="1184359" cy="0"/>
+            </a:xfrm>
+            <a:prstGeom prst="straightConnector1">
+              <a:avLst/>
+            </a:prstGeom>
+            <a:ln w="38100">
+              <a:solidFill>
+                <a:srgbClr val="FFC000"/>
+              </a:solidFill>
+              <a:tailEnd type="triangle"/>
+            </a:ln>
+          </p:spPr>
+          <p:style>
+            <a:lnRef idx="1">
+              <a:schemeClr val="accent1"/>
+            </a:lnRef>
+            <a:fillRef idx="0">
+              <a:schemeClr val="accent1"/>
+            </a:fillRef>
+            <a:effectRef idx="0">
+              <a:schemeClr val="accent1"/>
+            </a:effectRef>
+            <a:fontRef idx="minor">
+              <a:schemeClr val="tx1"/>
+            </a:fontRef>
+          </p:style>
+        </p:cxnSp>
+        <p:cxnSp>
+          <p:nvCxnSpPr>
+            <p:cNvPr id="40" name="Straight Arrow Connector 39">
+              <a:extLst>
+                <a:ext uri="{FF2B5EF4-FFF2-40B4-BE49-F238E27FC236}">
+                  <a16:creationId xmlns:a16="http://schemas.microsoft.com/office/drawing/2014/main" id="{C4B45812-EAF9-8D4E-83DF-95A931AE69F9}"/>
+                </a:ext>
+              </a:extLst>
+            </p:cNvPr>
+            <p:cNvCxnSpPr>
+              <a:cxnSpLocks/>
+            </p:cNvCxnSpPr>
+            <p:nvPr/>
+          </p:nvCxnSpPr>
+          <p:spPr>
+            <a:xfrm flipV="1">
+              <a:off x="8958943" y="4303086"/>
+              <a:ext cx="0" cy="423577"/>
+            </a:xfrm>
+            <a:prstGeom prst="straightConnector1">
+              <a:avLst/>
+            </a:prstGeom>
+            <a:ln w="38100">
+              <a:solidFill>
+                <a:srgbClr val="FFC000"/>
+              </a:solidFill>
+              <a:tailEnd type="triangle"/>
+            </a:ln>
+          </p:spPr>
+          <p:style>
+            <a:lnRef idx="1">
+              <a:schemeClr val="accent1"/>
+            </a:lnRef>
+            <a:fillRef idx="0">
+              <a:schemeClr val="accent1"/>
+            </a:fillRef>
+            <a:effectRef idx="0">
+              <a:schemeClr val="accent1"/>
+            </a:effectRef>
+            <a:fontRef idx="minor">
+              <a:schemeClr val="tx1"/>
+            </a:fontRef>
+          </p:style>
+        </p:cxnSp>
+        <p:cxnSp>
+          <p:nvCxnSpPr>
+            <p:cNvPr id="43" name="Straight Arrow Connector 42">
+              <a:extLst>
+                <a:ext uri="{FF2B5EF4-FFF2-40B4-BE49-F238E27FC236}">
+                  <a16:creationId xmlns:a16="http://schemas.microsoft.com/office/drawing/2014/main" id="{D5A03B6F-392F-E24A-8663-54EFCAA5B244}"/>
+                </a:ext>
+              </a:extLst>
+            </p:cNvPr>
+            <p:cNvCxnSpPr>
+              <a:cxnSpLocks/>
+            </p:cNvCxnSpPr>
+            <p:nvPr/>
+          </p:nvCxnSpPr>
+          <p:spPr>
+            <a:xfrm flipV="1">
+              <a:off x="8958943" y="4876591"/>
+              <a:ext cx="7454" cy="506114"/>
+            </a:xfrm>
+            <a:prstGeom prst="straightConnector1">
+              <a:avLst/>
+            </a:prstGeom>
+            <a:ln w="38100">
+              <a:solidFill>
+                <a:srgbClr val="FFC000"/>
+              </a:solidFill>
+              <a:tailEnd type="triangle"/>
+            </a:ln>
+          </p:spPr>
+          <p:style>
+            <a:lnRef idx="1">
+              <a:schemeClr val="accent1"/>
+            </a:lnRef>
+            <a:fillRef idx="0">
+              <a:schemeClr val="accent1"/>
+            </a:fillRef>
+            <a:effectRef idx="0">
+              <a:schemeClr val="accent1"/>
+            </a:effectRef>
+            <a:fontRef idx="minor">
+              <a:schemeClr val="tx1"/>
+            </a:fontRef>
+          </p:style>
+        </p:cxnSp>
+        <p:cxnSp>
+          <p:nvCxnSpPr>
+            <p:cNvPr id="45" name="Straight Arrow Connector 44">
+              <a:extLst>
+                <a:ext uri="{FF2B5EF4-FFF2-40B4-BE49-F238E27FC236}">
+                  <a16:creationId xmlns:a16="http://schemas.microsoft.com/office/drawing/2014/main" id="{EFF6AA11-C1F1-614D-8EA5-FBA49573EBB0}"/>
+                </a:ext>
+              </a:extLst>
+            </p:cNvPr>
+            <p:cNvCxnSpPr>
+              <a:cxnSpLocks/>
+            </p:cNvCxnSpPr>
+            <p:nvPr/>
+          </p:nvCxnSpPr>
+          <p:spPr>
+            <a:xfrm>
+              <a:off x="9133084" y="4220549"/>
+              <a:ext cx="1210647" cy="0"/>
+            </a:xfrm>
+            <a:prstGeom prst="straightConnector1">
+              <a:avLst/>
+            </a:prstGeom>
+            <a:ln w="38100">
+              <a:solidFill>
+                <a:srgbClr val="FFC000"/>
+              </a:solidFill>
+              <a:tailEnd type="triangle"/>
+            </a:ln>
+          </p:spPr>
+          <p:style>
+            <a:lnRef idx="1">
+              <a:schemeClr val="accent1"/>
+            </a:lnRef>
+            <a:fillRef idx="0">
+              <a:schemeClr val="accent1"/>
+            </a:fillRef>
+            <a:effectRef idx="0">
+              <a:schemeClr val="accent1"/>
+            </a:effectRef>
+            <a:fontRef idx="minor">
+              <a:schemeClr val="tx1"/>
+            </a:fontRef>
+          </p:style>
+        </p:cxnSp>
+        <p:cxnSp>
+          <p:nvCxnSpPr>
+            <p:cNvPr id="47" name="Straight Arrow Connector 46">
+              <a:extLst>
+                <a:ext uri="{FF2B5EF4-FFF2-40B4-BE49-F238E27FC236}">
+                  <a16:creationId xmlns:a16="http://schemas.microsoft.com/office/drawing/2014/main" id="{BDCDEA6F-3946-404E-8B4C-C096AFDE0E9F}"/>
+                </a:ext>
+              </a:extLst>
+            </p:cNvPr>
+            <p:cNvCxnSpPr>
+              <a:cxnSpLocks/>
+            </p:cNvCxnSpPr>
+            <p:nvPr/>
+          </p:nvCxnSpPr>
+          <p:spPr>
+            <a:xfrm>
+              <a:off x="10453509" y="4363522"/>
+              <a:ext cx="0" cy="1099730"/>
+            </a:xfrm>
+            <a:prstGeom prst="straightConnector1">
+              <a:avLst/>
+            </a:prstGeom>
+            <a:ln w="38100">
+              <a:solidFill>
+                <a:srgbClr val="FFC000"/>
+              </a:solidFill>
+              <a:tailEnd type="triangle"/>
+            </a:ln>
+          </p:spPr>
+          <p:style>
+            <a:lnRef idx="1">
+              <a:schemeClr val="accent1"/>
+            </a:lnRef>
+            <a:fillRef idx="0">
+              <a:schemeClr val="accent1"/>
+            </a:fillRef>
+            <a:effectRef idx="0">
+              <a:schemeClr val="accent1"/>
+            </a:effectRef>
+            <a:fontRef idx="minor">
+              <a:schemeClr val="tx1"/>
+            </a:fontRef>
+          </p:style>
+        </p:cxnSp>
+        <p:cxnSp>
+          <p:nvCxnSpPr>
+            <p:cNvPr id="49" name="Straight Arrow Connector 48">
+              <a:extLst>
+                <a:ext uri="{FF2B5EF4-FFF2-40B4-BE49-F238E27FC236}">
+                  <a16:creationId xmlns:a16="http://schemas.microsoft.com/office/drawing/2014/main" id="{320E46C7-C19F-194A-AB53-F52B7F386CE2}"/>
+                </a:ext>
+              </a:extLst>
+            </p:cNvPr>
+            <p:cNvCxnSpPr>
+              <a:cxnSpLocks/>
+            </p:cNvCxnSpPr>
+            <p:nvPr/>
+          </p:nvCxnSpPr>
+          <p:spPr>
+            <a:xfrm flipH="1">
+              <a:off x="9068593" y="5549093"/>
+              <a:ext cx="1289278" cy="0"/>
+            </a:xfrm>
+            <a:prstGeom prst="straightConnector1">
+              <a:avLst/>
+            </a:prstGeom>
+            <a:ln w="38100">
+              <a:solidFill>
+                <a:srgbClr val="FFC000"/>
+              </a:solidFill>
+              <a:tailEnd type="triangle"/>
+            </a:ln>
+          </p:spPr>
+          <p:style>
+            <a:lnRef idx="1">
+              <a:schemeClr val="accent1"/>
+            </a:lnRef>
+            <a:fillRef idx="0">
+              <a:schemeClr val="accent1"/>
+            </a:fillRef>
+            <a:effectRef idx="0">
+              <a:schemeClr val="accent1"/>
+            </a:effectRef>
+            <a:fontRef idx="minor">
+              <a:schemeClr val="tx1"/>
+            </a:fontRef>
+          </p:style>
+        </p:cxnSp>
+        <p:sp>
+          <p:nvSpPr>
+            <p:cNvPr id="30" name="Rectangle 29">
+              <a:extLst>
+                <a:ext uri="{FF2B5EF4-FFF2-40B4-BE49-F238E27FC236}">
+                  <a16:creationId xmlns:a16="http://schemas.microsoft.com/office/drawing/2014/main" id="{4C7C8459-0BA5-454F-AFFA-61DAA0661F96}"/>
+                </a:ext>
+              </a:extLst>
+            </p:cNvPr>
+            <p:cNvSpPr/>
+            <p:nvPr/>
+          </p:nvSpPr>
+          <p:spPr>
+            <a:xfrm>
+              <a:off x="7804256" y="2804937"/>
+              <a:ext cx="2882498" cy="1230152"/>
+            </a:xfrm>
+            <a:prstGeom prst="rect">
+              <a:avLst/>
+            </a:prstGeom>
+            <a:ln>
+              <a:noFill/>
+            </a:ln>
+          </p:spPr>
+          <p:style>
+            <a:lnRef idx="2">
+              <a:schemeClr val="accent6"/>
+            </a:lnRef>
+            <a:fillRef idx="1">
+              <a:schemeClr val="lt1"/>
+            </a:fillRef>
+            <a:effectRef idx="0">
+              <a:schemeClr val="accent6"/>
+            </a:effectRef>
+            <a:fontRef idx="minor">
+              <a:schemeClr val="dk1"/>
+            </a:fontRef>
+          </p:style>
+          <p:txBody>
+            <a:bodyPr rtlCol="0" anchor="ctr"/>
+            <a:lstStyle/>
+            <a:p>
+              <a:pPr algn="ctr"/>
+              <a:endParaRPr lang="en-CO" dirty="0"/>
+            </a:p>
+          </p:txBody>
+        </p:sp>
+        <p:sp>
+          <p:nvSpPr>
+            <p:cNvPr id="39" name="Rectangle 38">
+              <a:extLst>
+                <a:ext uri="{FF2B5EF4-FFF2-40B4-BE49-F238E27FC236}">
+                  <a16:creationId xmlns:a16="http://schemas.microsoft.com/office/drawing/2014/main" id="{FF5C37F0-B786-694B-8F0F-3A0140159107}"/>
+                </a:ext>
+              </a:extLst>
+            </p:cNvPr>
+            <p:cNvSpPr/>
+            <p:nvPr/>
+          </p:nvSpPr>
+          <p:spPr>
+            <a:xfrm>
+              <a:off x="7455157" y="4398854"/>
+              <a:ext cx="391039" cy="351703"/>
+            </a:xfrm>
+            <a:prstGeom prst="rect">
+              <a:avLst/>
+            </a:prstGeom>
+            <a:ln>
+              <a:noFill/>
+            </a:ln>
+          </p:spPr>
+          <p:style>
+            <a:lnRef idx="2">
+              <a:schemeClr val="accent6"/>
+            </a:lnRef>
+            <a:fillRef idx="1">
+              <a:schemeClr val="lt1"/>
+            </a:fillRef>
+            <a:effectRef idx="0">
+              <a:schemeClr val="accent6"/>
+            </a:effectRef>
+            <a:fontRef idx="minor">
+              <a:schemeClr val="dk1"/>
+            </a:fontRef>
+          </p:style>
+          <p:txBody>
+            <a:bodyPr rtlCol="0" anchor="ctr"/>
+            <a:lstStyle/>
+            <a:p>
+              <a:pPr algn="ctr"/>
+              <a:endParaRPr lang="en-CO" dirty="0"/>
+            </a:p>
+          </p:txBody>
+        </p:sp>
+        <p:sp>
+          <p:nvSpPr>
+            <p:cNvPr id="41" name="Rectangle 40">
+              <a:extLst>
+                <a:ext uri="{FF2B5EF4-FFF2-40B4-BE49-F238E27FC236}">
+                  <a16:creationId xmlns:a16="http://schemas.microsoft.com/office/drawing/2014/main" id="{D245BFDD-A899-8644-987B-5C61CCDF72C4}"/>
+                </a:ext>
+              </a:extLst>
+            </p:cNvPr>
+            <p:cNvSpPr/>
+            <p:nvPr/>
+          </p:nvSpPr>
+          <p:spPr>
+            <a:xfrm>
+              <a:off x="9075052" y="4750237"/>
+              <a:ext cx="1210647" cy="695533"/>
+            </a:xfrm>
+            <a:prstGeom prst="rect">
+              <a:avLst/>
+            </a:prstGeom>
+            <a:ln>
+              <a:noFill/>
+            </a:ln>
+          </p:spPr>
+          <p:style>
+            <a:lnRef idx="2">
+              <a:schemeClr val="accent6"/>
+            </a:lnRef>
+            <a:fillRef idx="1">
+              <a:schemeClr val="lt1"/>
+            </a:fillRef>
+            <a:effectRef idx="0">
+              <a:schemeClr val="accent6"/>
+            </a:effectRef>
+            <a:fontRef idx="minor">
+              <a:schemeClr val="dk1"/>
+            </a:fontRef>
+          </p:style>
+          <p:txBody>
+            <a:bodyPr rtlCol="0" anchor="ctr"/>
+            <a:lstStyle/>
+            <a:p>
+              <a:pPr algn="ctr"/>
+              <a:endParaRPr lang="en-CO" dirty="0"/>
+            </a:p>
+          </p:txBody>
+        </p:sp>
+        <p:sp>
+          <p:nvSpPr>
+            <p:cNvPr id="42" name="Rectangle 41">
+              <a:extLst>
+                <a:ext uri="{FF2B5EF4-FFF2-40B4-BE49-F238E27FC236}">
+                  <a16:creationId xmlns:a16="http://schemas.microsoft.com/office/drawing/2014/main" id="{EBDE43CF-82CB-F944-BB8E-66EF1255F438}"/>
+                </a:ext>
+              </a:extLst>
+            </p:cNvPr>
+            <p:cNvSpPr/>
+            <p:nvPr/>
+          </p:nvSpPr>
+          <p:spPr>
+            <a:xfrm>
+              <a:off x="10504695" y="4802911"/>
+              <a:ext cx="205227" cy="695533"/>
+            </a:xfrm>
+            <a:prstGeom prst="rect">
+              <a:avLst/>
+            </a:prstGeom>
+            <a:ln>
+              <a:noFill/>
+            </a:ln>
+          </p:spPr>
+          <p:style>
+            <a:lnRef idx="2">
+              <a:schemeClr val="accent6"/>
+            </a:lnRef>
+            <a:fillRef idx="1">
+              <a:schemeClr val="lt1"/>
+            </a:fillRef>
+            <a:effectRef idx="0">
+              <a:schemeClr val="accent6"/>
+            </a:effectRef>
+            <a:fontRef idx="minor">
+              <a:schemeClr val="dk1"/>
+            </a:fontRef>
+          </p:style>
+          <p:txBody>
+            <a:bodyPr rtlCol="0" anchor="ctr"/>
+            <a:lstStyle/>
+            <a:p>
+              <a:pPr algn="ctr"/>
+              <a:endParaRPr lang="en-CO" dirty="0"/>
+            </a:p>
+          </p:txBody>
+        </p:sp>
+        <p:sp>
+          <p:nvSpPr>
+            <p:cNvPr id="44" name="Rectangle 43">
+              <a:extLst>
+                <a:ext uri="{FF2B5EF4-FFF2-40B4-BE49-F238E27FC236}">
+                  <a16:creationId xmlns:a16="http://schemas.microsoft.com/office/drawing/2014/main" id="{658E5507-288F-9644-BD58-98C7078A5922}"/>
+                </a:ext>
+              </a:extLst>
+            </p:cNvPr>
+            <p:cNvSpPr/>
+            <p:nvPr/>
+          </p:nvSpPr>
+          <p:spPr>
+            <a:xfrm>
+              <a:off x="10371625" y="3382735"/>
+              <a:ext cx="163768" cy="695533"/>
+            </a:xfrm>
+            <a:prstGeom prst="rect">
+              <a:avLst/>
+            </a:prstGeom>
+            <a:ln>
+              <a:noFill/>
+            </a:ln>
+          </p:spPr>
+          <p:style>
+            <a:lnRef idx="2">
+              <a:schemeClr val="accent6"/>
+            </a:lnRef>
+            <a:fillRef idx="1">
+              <a:schemeClr val="lt1"/>
+            </a:fillRef>
+            <a:effectRef idx="0">
+              <a:schemeClr val="accent6"/>
+            </a:effectRef>
+            <a:fontRef idx="minor">
+              <a:schemeClr val="dk1"/>
+            </a:fontRef>
+          </p:style>
+          <p:txBody>
+            <a:bodyPr rtlCol="0" anchor="ctr"/>
+            <a:lstStyle/>
+            <a:p>
+              <a:pPr algn="ctr"/>
+              <a:endParaRPr lang="en-CO" dirty="0"/>
+            </a:p>
+          </p:txBody>
+        </p:sp>
+        <p:sp>
+          <p:nvSpPr>
+            <p:cNvPr id="46" name="Rectangle 45">
+              <a:extLst>
+                <a:ext uri="{FF2B5EF4-FFF2-40B4-BE49-F238E27FC236}">
+                  <a16:creationId xmlns:a16="http://schemas.microsoft.com/office/drawing/2014/main" id="{C0001108-8F16-3343-9D39-26C589697135}"/>
+                </a:ext>
+              </a:extLst>
+            </p:cNvPr>
+            <p:cNvSpPr/>
+            <p:nvPr/>
+          </p:nvSpPr>
+          <p:spPr>
+            <a:xfrm>
+              <a:off x="7772940" y="5498444"/>
+              <a:ext cx="1012578" cy="178794"/>
+            </a:xfrm>
+            <a:prstGeom prst="rect">
+              <a:avLst/>
+            </a:prstGeom>
+            <a:ln>
+              <a:noFill/>
+            </a:ln>
+          </p:spPr>
+          <p:style>
+            <a:lnRef idx="2">
+              <a:schemeClr val="accent6"/>
+            </a:lnRef>
+            <a:fillRef idx="1">
+              <a:schemeClr val="lt1"/>
+            </a:fillRef>
+            <a:effectRef idx="0">
+              <a:schemeClr val="accent6"/>
+            </a:effectRef>
+            <a:fontRef idx="minor">
+              <a:schemeClr val="dk1"/>
+            </a:fontRef>
+          </p:style>
+          <p:txBody>
+            <a:bodyPr rtlCol="0" anchor="ctr"/>
+            <a:lstStyle/>
+            <a:p>
+              <a:pPr algn="ctr"/>
+              <a:endParaRPr lang="en-CO" dirty="0"/>
+            </a:p>
+          </p:txBody>
+        </p:sp>
+        <p:pic>
+          <p:nvPicPr>
+            <p:cNvPr id="11" name="Picture 10">
+              <a:extLst>
+                <a:ext uri="{FF2B5EF4-FFF2-40B4-BE49-F238E27FC236}">
+                  <a16:creationId xmlns:a16="http://schemas.microsoft.com/office/drawing/2014/main" id="{5A025A28-7FF6-CF4C-B8E8-6D4C90CC81D4}"/>
+                </a:ext>
+              </a:extLst>
+            </p:cNvPr>
+            <p:cNvPicPr>
+              <a:picLocks noChangeAspect="1"/>
+            </p:cNvPicPr>
+            <p:nvPr/>
+          </p:nvPicPr>
+          <p:blipFill>
+            <a:blip r:embed="rId4">
+              <a:duotone>
+                <a:schemeClr val="accent5">
+                  <a:shade val="45000"/>
+                  <a:satMod val="135000"/>
+                </a:schemeClr>
+                <a:prstClr val="white"/>
+              </a:duotone>
+            </a:blip>
+            <a:stretch>
+              <a:fillRect/>
+            </a:stretch>
+          </p:blipFill>
+          <p:spPr>
+            <a:xfrm flipH="1">
+              <a:off x="8785518" y="3767077"/>
+              <a:ext cx="330515" cy="330515"/>
+            </a:xfrm>
+            <a:prstGeom prst="rect">
+              <a:avLst/>
+            </a:prstGeom>
+          </p:spPr>
+        </p:pic>
+      </p:grpSp>
+      <p:sp>
+        <p:nvSpPr>
+          <p:cNvPr id="48" name="Rectangle 47">
+            <a:extLst>
+              <a:ext uri="{FF2B5EF4-FFF2-40B4-BE49-F238E27FC236}">
+                <a16:creationId xmlns:a16="http://schemas.microsoft.com/office/drawing/2014/main" id="{0EA971E6-2D88-1046-BC8A-F5E1678B452F}"/>
+              </a:ext>
+            </a:extLst>
+          </p:cNvPr>
+          <p:cNvSpPr/>
+          <p:nvPr/>
+        </p:nvSpPr>
+        <p:spPr>
+          <a:xfrm>
+            <a:off x="3059626" y="948018"/>
+            <a:ext cx="235896" cy="224817"/>
+          </a:xfrm>
+          <a:prstGeom prst="rect">
+            <a:avLst/>
+          </a:prstGeom>
+          <a:solidFill>
+            <a:srgbClr val="00B050"/>
+          </a:solidFill>
+        </p:spPr>
+        <p:style>
+          <a:lnRef idx="2">
+            <a:schemeClr val="accent1">
+              <a:shade val="50000"/>
+            </a:schemeClr>
+          </a:lnRef>
+          <a:fillRef idx="1">
+            <a:schemeClr val="accent1"/>
+          </a:fillRef>
+          <a:effectRef idx="0">
+            <a:schemeClr val="accent1"/>
+          </a:effectRef>
+          <a:fontRef idx="minor">
+            <a:schemeClr val="lt1"/>
+          </a:fontRef>
+        </p:style>
+        <p:txBody>
+          <a:bodyPr rtlCol="0" anchor="ctr"/>
+          <a:lstStyle/>
+          <a:p>
+            <a:pPr algn="ctr"/>
+            <a:endParaRPr lang="en-CO"/>
+          </a:p>
+        </p:txBody>
+      </p:sp>
+      <p:grpSp>
+        <p:nvGrpSpPr>
+          <p:cNvPr id="50" name="Group 49">
+            <a:extLst>
+              <a:ext uri="{FF2B5EF4-FFF2-40B4-BE49-F238E27FC236}">
+                <a16:creationId xmlns:a16="http://schemas.microsoft.com/office/drawing/2014/main" id="{531A6CB5-3A73-0C44-BB38-AEDECD8E3EEA}"/>
+              </a:ext>
+            </a:extLst>
+          </p:cNvPr>
+          <p:cNvGrpSpPr/>
+          <p:nvPr/>
+        </p:nvGrpSpPr>
+        <p:grpSpPr>
+          <a:xfrm>
+            <a:off x="3805518" y="934426"/>
+            <a:ext cx="252000" cy="252000"/>
+            <a:chOff x="6350999" y="4440714"/>
+            <a:chExt cx="252000" cy="252000"/>
+          </a:xfrm>
+        </p:grpSpPr>
+        <p:sp>
+          <p:nvSpPr>
+            <p:cNvPr id="51" name="Oval 50">
+              <a:extLst>
+                <a:ext uri="{FF2B5EF4-FFF2-40B4-BE49-F238E27FC236}">
+                  <a16:creationId xmlns:a16="http://schemas.microsoft.com/office/drawing/2014/main" id="{BBEF2D24-3073-7241-AA90-687A3C6992D4}"/>
+                </a:ext>
+              </a:extLst>
+            </p:cNvPr>
+            <p:cNvSpPr>
+              <a:spLocks/>
+            </p:cNvSpPr>
+            <p:nvPr/>
+          </p:nvSpPr>
+          <p:spPr>
+            <a:xfrm>
+              <a:off x="6350999" y="4440714"/>
+              <a:ext cx="252000" cy="252000"/>
+            </a:xfrm>
+            <a:prstGeom prst="ellipse">
+              <a:avLst/>
+            </a:prstGeom>
+            <a:solidFill>
+              <a:srgbClr val="FF0000">
+                <a:alpha val="61000"/>
+              </a:srgbClr>
+            </a:solidFill>
+            <a:ln>
+              <a:solidFill>
+                <a:srgbClr val="C00000"/>
+              </a:solidFill>
+            </a:ln>
+          </p:spPr>
+          <p:style>
+            <a:lnRef idx="2">
+              <a:schemeClr val="accent1">
+                <a:shade val="50000"/>
+              </a:schemeClr>
+            </a:lnRef>
+            <a:fillRef idx="1">
+              <a:schemeClr val="accent1"/>
+            </a:fillRef>
+            <a:effectRef idx="0">
+              <a:schemeClr val="accent1"/>
+            </a:effectRef>
+            <a:fontRef idx="minor">
+              <a:schemeClr val="lt1"/>
+            </a:fontRef>
+          </p:style>
+          <p:txBody>
+            <a:bodyPr rtlCol="0" anchor="ctr"/>
+            <a:lstStyle/>
+            <a:p>
+              <a:pPr algn="ctr"/>
+              <a:endParaRPr lang="en-CO"/>
+            </a:p>
+          </p:txBody>
+        </p:sp>
+        <p:sp>
+          <p:nvSpPr>
+            <p:cNvPr id="52" name="Oval 51">
+              <a:extLst>
+                <a:ext uri="{FF2B5EF4-FFF2-40B4-BE49-F238E27FC236}">
+                  <a16:creationId xmlns:a16="http://schemas.microsoft.com/office/drawing/2014/main" id="{CBDDC584-6E92-884E-800C-3B3B91D74173}"/>
+                </a:ext>
+              </a:extLst>
+            </p:cNvPr>
+            <p:cNvSpPr>
+              <a:spLocks/>
+            </p:cNvSpPr>
+            <p:nvPr/>
+          </p:nvSpPr>
+          <p:spPr>
+            <a:xfrm>
+              <a:off x="6443440" y="4530714"/>
+              <a:ext cx="72000" cy="72000"/>
+            </a:xfrm>
+            <a:prstGeom prst="ellipse">
+              <a:avLst/>
+            </a:prstGeom>
+            <a:solidFill>
+              <a:schemeClr val="tx1"/>
+            </a:solidFill>
+            <a:ln>
+              <a:solidFill>
+                <a:schemeClr val="tx1">
+                  <a:lumMod val="95000"/>
+                  <a:lumOff val="5000"/>
+                </a:schemeClr>
+              </a:solidFill>
+            </a:ln>
+          </p:spPr>
+          <p:style>
+            <a:lnRef idx="2">
+              <a:schemeClr val="accent1">
+                <a:shade val="50000"/>
+              </a:schemeClr>
+            </a:lnRef>
+            <a:fillRef idx="1">
+              <a:schemeClr val="accent1"/>
+            </a:fillRef>
+            <a:effectRef idx="0">
+              <a:schemeClr val="accent1"/>
+            </a:effectRef>
+            <a:fontRef idx="minor">
+              <a:schemeClr val="lt1"/>
+            </a:fontRef>
+          </p:style>
+          <p:txBody>
+            <a:bodyPr rtlCol="0" anchor="ctr"/>
+            <a:lstStyle/>
+            <a:p>
+              <a:pPr algn="ctr"/>
+              <a:endParaRPr lang="en-CO"/>
+            </a:p>
+          </p:txBody>
+        </p:sp>
+      </p:grpSp>
+      <p:grpSp>
+        <p:nvGrpSpPr>
+          <p:cNvPr id="53" name="Group 52">
+            <a:extLst>
+              <a:ext uri="{FF2B5EF4-FFF2-40B4-BE49-F238E27FC236}">
+                <a16:creationId xmlns:a16="http://schemas.microsoft.com/office/drawing/2014/main" id="{975F46D7-87CD-5047-A1FE-D05807B8AA9F}"/>
+              </a:ext>
+            </a:extLst>
+          </p:cNvPr>
+          <p:cNvGrpSpPr/>
+          <p:nvPr/>
+        </p:nvGrpSpPr>
+        <p:grpSpPr>
+          <a:xfrm>
+            <a:off x="4624799" y="934426"/>
+            <a:ext cx="252000" cy="252000"/>
+            <a:chOff x="6350999" y="4440714"/>
+            <a:chExt cx="252000" cy="252000"/>
+          </a:xfrm>
+        </p:grpSpPr>
+        <p:sp>
+          <p:nvSpPr>
+            <p:cNvPr id="54" name="Oval 53">
+              <a:extLst>
+                <a:ext uri="{FF2B5EF4-FFF2-40B4-BE49-F238E27FC236}">
+                  <a16:creationId xmlns:a16="http://schemas.microsoft.com/office/drawing/2014/main" id="{8CBBB619-F962-F34E-A1CA-A9B3DEFFCBF2}"/>
+                </a:ext>
+              </a:extLst>
+            </p:cNvPr>
+            <p:cNvSpPr>
+              <a:spLocks/>
+            </p:cNvSpPr>
+            <p:nvPr/>
+          </p:nvSpPr>
+          <p:spPr>
+            <a:xfrm>
+              <a:off x="6350999" y="4440714"/>
+              <a:ext cx="252000" cy="252000"/>
+            </a:xfrm>
+            <a:prstGeom prst="ellipse">
+              <a:avLst/>
+            </a:prstGeom>
+            <a:solidFill>
+              <a:srgbClr val="FF0000">
+                <a:alpha val="60000"/>
+              </a:srgbClr>
+            </a:solidFill>
+            <a:ln>
+              <a:solidFill>
+                <a:srgbClr val="C00000"/>
+              </a:solidFill>
+            </a:ln>
+          </p:spPr>
+          <p:style>
+            <a:lnRef idx="2">
+              <a:schemeClr val="accent1">
+                <a:shade val="50000"/>
+              </a:schemeClr>
+            </a:lnRef>
+            <a:fillRef idx="1">
+              <a:schemeClr val="accent1"/>
+            </a:fillRef>
+            <a:effectRef idx="0">
+              <a:schemeClr val="accent1"/>
+            </a:effectRef>
+            <a:fontRef idx="minor">
+              <a:schemeClr val="lt1"/>
+            </a:fontRef>
+          </p:style>
+          <p:txBody>
+            <a:bodyPr rtlCol="0" anchor="ctr"/>
+            <a:lstStyle/>
+            <a:p>
+              <a:pPr algn="ctr"/>
+              <a:endParaRPr lang="en-CO"/>
+            </a:p>
+          </p:txBody>
+        </p:sp>
+        <p:sp>
+          <p:nvSpPr>
+            <p:cNvPr id="55" name="Oval 54">
+              <a:extLst>
+                <a:ext uri="{FF2B5EF4-FFF2-40B4-BE49-F238E27FC236}">
+                  <a16:creationId xmlns:a16="http://schemas.microsoft.com/office/drawing/2014/main" id="{46B702DF-261D-A24B-91FB-45196FB86AE5}"/>
+                </a:ext>
+              </a:extLst>
+            </p:cNvPr>
+            <p:cNvSpPr>
+              <a:spLocks/>
+            </p:cNvSpPr>
+            <p:nvPr/>
+          </p:nvSpPr>
+          <p:spPr>
+            <a:xfrm>
+              <a:off x="6443440" y="4530714"/>
+              <a:ext cx="72000" cy="72000"/>
+            </a:xfrm>
+            <a:prstGeom prst="ellipse">
+              <a:avLst/>
+            </a:prstGeom>
+            <a:solidFill>
+              <a:schemeClr val="tx1"/>
+            </a:solidFill>
+            <a:ln>
+              <a:solidFill>
+                <a:schemeClr val="tx1">
+                  <a:lumMod val="95000"/>
+                  <a:lumOff val="5000"/>
+                </a:schemeClr>
+              </a:solidFill>
+            </a:ln>
+          </p:spPr>
+          <p:style>
+            <a:lnRef idx="2">
+              <a:schemeClr val="accent1">
+                <a:shade val="50000"/>
+              </a:schemeClr>
+            </a:lnRef>
+            <a:fillRef idx="1">
+              <a:schemeClr val="accent1"/>
+            </a:fillRef>
+            <a:effectRef idx="0">
+              <a:schemeClr val="accent1"/>
+            </a:effectRef>
+            <a:fontRef idx="minor">
+              <a:schemeClr val="lt1"/>
+            </a:fontRef>
+          </p:style>
+          <p:txBody>
+            <a:bodyPr rtlCol="0" anchor="ctr"/>
+            <a:lstStyle/>
+            <a:p>
+              <a:pPr algn="ctr"/>
+              <a:endParaRPr lang="en-CO"/>
+            </a:p>
+          </p:txBody>
+        </p:sp>
+      </p:grpSp>
+      <p:grpSp>
+        <p:nvGrpSpPr>
+          <p:cNvPr id="56" name="Group 55">
+            <a:extLst>
+              <a:ext uri="{FF2B5EF4-FFF2-40B4-BE49-F238E27FC236}">
+                <a16:creationId xmlns:a16="http://schemas.microsoft.com/office/drawing/2014/main" id="{E1BC68B3-4E60-F643-BF4D-A22FB2F0A07D}"/>
+              </a:ext>
+            </a:extLst>
+          </p:cNvPr>
+          <p:cNvGrpSpPr/>
+          <p:nvPr/>
+        </p:nvGrpSpPr>
+        <p:grpSpPr>
+          <a:xfrm>
+            <a:off x="5765823" y="938773"/>
+            <a:ext cx="252000" cy="252000"/>
+            <a:chOff x="6350999" y="4440714"/>
+            <a:chExt cx="252000" cy="252000"/>
+          </a:xfrm>
+        </p:grpSpPr>
+        <p:sp>
+          <p:nvSpPr>
+            <p:cNvPr id="57" name="Oval 56">
+              <a:extLst>
+                <a:ext uri="{FF2B5EF4-FFF2-40B4-BE49-F238E27FC236}">
+                  <a16:creationId xmlns:a16="http://schemas.microsoft.com/office/drawing/2014/main" id="{BCB04417-9C71-8442-83C1-97D729802CA0}"/>
+                </a:ext>
+              </a:extLst>
+            </p:cNvPr>
+            <p:cNvSpPr>
+              <a:spLocks/>
+            </p:cNvSpPr>
+            <p:nvPr/>
+          </p:nvSpPr>
+          <p:spPr>
+            <a:xfrm>
+              <a:off x="6350999" y="4440714"/>
+              <a:ext cx="252000" cy="252000"/>
+            </a:xfrm>
+            <a:prstGeom prst="ellipse">
+              <a:avLst/>
+            </a:prstGeom>
+            <a:solidFill>
+              <a:srgbClr val="FF0000">
+                <a:alpha val="59000"/>
+              </a:srgbClr>
+            </a:solidFill>
+            <a:ln>
+              <a:solidFill>
+                <a:srgbClr val="C00000"/>
+              </a:solidFill>
+            </a:ln>
+          </p:spPr>
+          <p:style>
+            <a:lnRef idx="2">
+              <a:schemeClr val="accent1">
+                <a:shade val="50000"/>
+              </a:schemeClr>
+            </a:lnRef>
+            <a:fillRef idx="1">
+              <a:schemeClr val="accent1"/>
+            </a:fillRef>
+            <a:effectRef idx="0">
+              <a:schemeClr val="accent1"/>
+            </a:effectRef>
+            <a:fontRef idx="minor">
+              <a:schemeClr val="lt1"/>
+            </a:fontRef>
+          </p:style>
+          <p:txBody>
+            <a:bodyPr rtlCol="0" anchor="ctr"/>
+            <a:lstStyle/>
+            <a:p>
+              <a:pPr algn="ctr"/>
+              <a:endParaRPr lang="en-CO"/>
+            </a:p>
+          </p:txBody>
+        </p:sp>
+        <p:sp>
+          <p:nvSpPr>
+            <p:cNvPr id="58" name="Oval 57">
+              <a:extLst>
+                <a:ext uri="{FF2B5EF4-FFF2-40B4-BE49-F238E27FC236}">
+                  <a16:creationId xmlns:a16="http://schemas.microsoft.com/office/drawing/2014/main" id="{6DA73883-9264-194D-AB80-ECA8D15120BA}"/>
+                </a:ext>
+              </a:extLst>
+            </p:cNvPr>
+            <p:cNvSpPr>
+              <a:spLocks/>
+            </p:cNvSpPr>
+            <p:nvPr/>
+          </p:nvSpPr>
+          <p:spPr>
+            <a:xfrm>
+              <a:off x="6443440" y="4530714"/>
+              <a:ext cx="72000" cy="72000"/>
+            </a:xfrm>
+            <a:prstGeom prst="ellipse">
+              <a:avLst/>
+            </a:prstGeom>
+            <a:solidFill>
+              <a:schemeClr val="tx1"/>
+            </a:solidFill>
+            <a:ln>
+              <a:solidFill>
+                <a:schemeClr val="tx1">
+                  <a:lumMod val="95000"/>
+                  <a:lumOff val="5000"/>
+                </a:schemeClr>
+              </a:solidFill>
+            </a:ln>
+          </p:spPr>
+          <p:style>
+            <a:lnRef idx="2">
+              <a:schemeClr val="accent1">
+                <a:shade val="50000"/>
+              </a:schemeClr>
+            </a:lnRef>
+            <a:fillRef idx="1">
+              <a:schemeClr val="accent1"/>
+            </a:fillRef>
+            <a:effectRef idx="0">
+              <a:schemeClr val="accent1"/>
+            </a:effectRef>
+            <a:fontRef idx="minor">
+              <a:schemeClr val="lt1"/>
+            </a:fontRef>
+          </p:style>
+          <p:txBody>
+            <a:bodyPr rtlCol="0" anchor="ctr"/>
+            <a:lstStyle/>
+            <a:p>
+              <a:pPr algn="ctr"/>
+              <a:endParaRPr lang="en-CO"/>
+            </a:p>
+          </p:txBody>
+        </p:sp>
+      </p:grpSp>
+      <p:grpSp>
+        <p:nvGrpSpPr>
+          <p:cNvPr id="59" name="Group 58">
+            <a:extLst>
+              <a:ext uri="{FF2B5EF4-FFF2-40B4-BE49-F238E27FC236}">
+                <a16:creationId xmlns:a16="http://schemas.microsoft.com/office/drawing/2014/main" id="{937534CA-1376-5945-8364-433BE2DA89FB}"/>
+              </a:ext>
+            </a:extLst>
+          </p:cNvPr>
+          <p:cNvGrpSpPr/>
+          <p:nvPr/>
+        </p:nvGrpSpPr>
+        <p:grpSpPr>
+          <a:xfrm>
+            <a:off x="6287462" y="934426"/>
+            <a:ext cx="252000" cy="252000"/>
+            <a:chOff x="6350999" y="4440714"/>
+            <a:chExt cx="252000" cy="252000"/>
+          </a:xfrm>
+        </p:grpSpPr>
+        <p:sp>
+          <p:nvSpPr>
+            <p:cNvPr id="60" name="Oval 59">
+              <a:extLst>
+                <a:ext uri="{FF2B5EF4-FFF2-40B4-BE49-F238E27FC236}">
+                  <a16:creationId xmlns:a16="http://schemas.microsoft.com/office/drawing/2014/main" id="{ACAE295D-BFA9-214E-A86E-971F6FD22100}"/>
+                </a:ext>
+              </a:extLst>
+            </p:cNvPr>
+            <p:cNvSpPr>
+              <a:spLocks/>
+            </p:cNvSpPr>
+            <p:nvPr/>
+          </p:nvSpPr>
+          <p:spPr>
+            <a:xfrm>
+              <a:off x="6350999" y="4440714"/>
+              <a:ext cx="252000" cy="252000"/>
+            </a:xfrm>
+            <a:prstGeom prst="ellipse">
+              <a:avLst/>
+            </a:prstGeom>
+            <a:solidFill>
+              <a:srgbClr val="FF0000">
+                <a:alpha val="60000"/>
+              </a:srgbClr>
+            </a:solidFill>
+            <a:ln>
+              <a:solidFill>
+                <a:srgbClr val="C00000"/>
+              </a:solidFill>
+            </a:ln>
+          </p:spPr>
+          <p:style>
+            <a:lnRef idx="2">
+              <a:schemeClr val="accent1">
+                <a:shade val="50000"/>
+              </a:schemeClr>
+            </a:lnRef>
+            <a:fillRef idx="1">
+              <a:schemeClr val="accent1"/>
+            </a:fillRef>
+            <a:effectRef idx="0">
+              <a:schemeClr val="accent1"/>
+            </a:effectRef>
+            <a:fontRef idx="minor">
+              <a:schemeClr val="lt1"/>
+            </a:fontRef>
+          </p:style>
+          <p:txBody>
+            <a:bodyPr rtlCol="0" anchor="ctr"/>
+            <a:lstStyle/>
+            <a:p>
+              <a:pPr algn="ctr"/>
+              <a:endParaRPr lang="en-CO"/>
+            </a:p>
+          </p:txBody>
+        </p:sp>
+        <p:sp>
+          <p:nvSpPr>
+            <p:cNvPr id="61" name="Oval 60">
+              <a:extLst>
+                <a:ext uri="{FF2B5EF4-FFF2-40B4-BE49-F238E27FC236}">
+                  <a16:creationId xmlns:a16="http://schemas.microsoft.com/office/drawing/2014/main" id="{25C45FA7-1DCA-0C46-A254-F06948F7920A}"/>
+                </a:ext>
+              </a:extLst>
+            </p:cNvPr>
+            <p:cNvSpPr>
+              <a:spLocks/>
+            </p:cNvSpPr>
+            <p:nvPr/>
+          </p:nvSpPr>
+          <p:spPr>
+            <a:xfrm>
+              <a:off x="6443440" y="4530714"/>
+              <a:ext cx="72000" cy="72000"/>
+            </a:xfrm>
+            <a:prstGeom prst="ellipse">
+              <a:avLst/>
+            </a:prstGeom>
+            <a:solidFill>
+              <a:schemeClr val="tx1"/>
+            </a:solidFill>
+            <a:ln>
+              <a:solidFill>
+                <a:schemeClr val="tx1">
+                  <a:lumMod val="95000"/>
+                  <a:lumOff val="5000"/>
+                </a:schemeClr>
+              </a:solidFill>
+            </a:ln>
+          </p:spPr>
+          <p:style>
+            <a:lnRef idx="2">
+              <a:schemeClr val="accent1">
+                <a:shade val="50000"/>
+              </a:schemeClr>
+            </a:lnRef>
+            <a:fillRef idx="1">
+              <a:schemeClr val="accent1"/>
+            </a:fillRef>
+            <a:effectRef idx="0">
+              <a:schemeClr val="accent1"/>
+            </a:effectRef>
+            <a:fontRef idx="minor">
+              <a:schemeClr val="lt1"/>
+            </a:fontRef>
+          </p:style>
+          <p:txBody>
+            <a:bodyPr rtlCol="0" anchor="ctr"/>
+            <a:lstStyle/>
+            <a:p>
+              <a:pPr algn="ctr"/>
+              <a:endParaRPr lang="en-CO"/>
+            </a:p>
+          </p:txBody>
+        </p:sp>
+      </p:grpSp>
+      <p:sp>
+        <p:nvSpPr>
+          <p:cNvPr id="62" name="Rectangle 61">
+            <a:extLst>
+              <a:ext uri="{FF2B5EF4-FFF2-40B4-BE49-F238E27FC236}">
+                <a16:creationId xmlns:a16="http://schemas.microsoft.com/office/drawing/2014/main" id="{E152503A-D983-024A-8D0D-C61179FFD03C}"/>
+              </a:ext>
+            </a:extLst>
+          </p:cNvPr>
+          <p:cNvSpPr/>
+          <p:nvPr/>
+        </p:nvSpPr>
+        <p:spPr>
+          <a:xfrm>
+            <a:off x="7125242" y="945945"/>
+            <a:ext cx="235896" cy="224817"/>
+          </a:xfrm>
+          <a:prstGeom prst="rect">
+            <a:avLst/>
+          </a:prstGeom>
+          <a:solidFill>
+            <a:srgbClr val="00B050"/>
+          </a:solidFill>
+        </p:spPr>
+        <p:style>
+          <a:lnRef idx="2">
+            <a:schemeClr val="accent1">
+              <a:shade val="50000"/>
+            </a:schemeClr>
+          </a:lnRef>
+          <a:fillRef idx="1">
+            <a:schemeClr val="accent1"/>
+          </a:fillRef>
+          <a:effectRef idx="0">
+            <a:schemeClr val="accent1"/>
+          </a:effectRef>
+          <a:fontRef idx="minor">
+            <a:schemeClr val="lt1"/>
+          </a:fontRef>
+        </p:style>
+        <p:txBody>
+          <a:bodyPr rtlCol="0" anchor="ctr"/>
+          <a:lstStyle/>
+          <a:p>
+            <a:pPr algn="ctr"/>
+            <a:endParaRPr lang="en-CO"/>
+          </a:p>
+        </p:txBody>
+      </p:sp>
+      <p:cxnSp>
+        <p:nvCxnSpPr>
+          <p:cNvPr id="63" name="Straight Arrow Connector 62">
+            <a:extLst>
+              <a:ext uri="{FF2B5EF4-FFF2-40B4-BE49-F238E27FC236}">
+                <a16:creationId xmlns:a16="http://schemas.microsoft.com/office/drawing/2014/main" id="{ADB9C977-BC77-5B46-9E2B-4087EC38C159}"/>
+              </a:ext>
+            </a:extLst>
+          </p:cNvPr>
+          <p:cNvCxnSpPr>
+            <a:cxnSpLocks/>
+            <a:stCxn id="48" idx="3"/>
+            <a:endCxn id="51" idx="2"/>
+          </p:cNvCxnSpPr>
+          <p:nvPr/>
+        </p:nvCxnSpPr>
+        <p:spPr>
+          <a:xfrm flipV="1">
+            <a:off x="3295522" y="1060426"/>
+            <a:ext cx="509996" cy="1"/>
+          </a:xfrm>
+          <a:prstGeom prst="straightConnector1">
+            <a:avLst/>
+          </a:prstGeom>
+          <a:ln w="38100">
+            <a:solidFill>
+              <a:srgbClr val="FFC000"/>
+            </a:solidFill>
+            <a:tailEnd type="triangle"/>
+          </a:ln>
+        </p:spPr>
+        <p:style>
+          <a:lnRef idx="1">
+            <a:schemeClr val="accent1"/>
+          </a:lnRef>
+          <a:fillRef idx="0">
+            <a:schemeClr val="accent1"/>
+          </a:fillRef>
+          <a:effectRef idx="0">
+            <a:schemeClr val="accent1"/>
+          </a:effectRef>
+          <a:fontRef idx="minor">
+            <a:schemeClr val="tx1"/>
+          </a:fontRef>
+        </p:style>
+      </p:cxnSp>
+      <p:cxnSp>
+        <p:nvCxnSpPr>
+          <p:cNvPr id="64" name="Straight Arrow Connector 63">
+            <a:extLst>
+              <a:ext uri="{FF2B5EF4-FFF2-40B4-BE49-F238E27FC236}">
+                <a16:creationId xmlns:a16="http://schemas.microsoft.com/office/drawing/2014/main" id="{9D8C965E-8E5C-104E-B1B0-90461154415C}"/>
+              </a:ext>
+            </a:extLst>
+          </p:cNvPr>
+          <p:cNvCxnSpPr>
+            <a:cxnSpLocks/>
+            <a:stCxn id="51" idx="6"/>
+            <a:endCxn id="54" idx="2"/>
+          </p:cNvCxnSpPr>
+          <p:nvPr/>
+        </p:nvCxnSpPr>
+        <p:spPr>
+          <a:xfrm>
+            <a:off x="4057518" y="1060426"/>
+            <a:ext cx="567281" cy="0"/>
+          </a:xfrm>
+          <a:prstGeom prst="straightConnector1">
+            <a:avLst/>
+          </a:prstGeom>
+          <a:ln w="38100">
+            <a:solidFill>
+              <a:srgbClr val="FFC000"/>
+            </a:solidFill>
+            <a:tailEnd type="triangle"/>
+          </a:ln>
+        </p:spPr>
+        <p:style>
+          <a:lnRef idx="1">
+            <a:schemeClr val="accent1"/>
+          </a:lnRef>
+          <a:fillRef idx="0">
+            <a:schemeClr val="accent1"/>
+          </a:fillRef>
+          <a:effectRef idx="0">
+            <a:schemeClr val="accent1"/>
+          </a:effectRef>
+          <a:fontRef idx="minor">
+            <a:schemeClr val="tx1"/>
+          </a:fontRef>
+        </p:style>
+      </p:cxnSp>
+      <p:cxnSp>
+        <p:nvCxnSpPr>
+          <p:cNvPr id="65" name="Straight Arrow Connector 64">
+            <a:extLst>
+              <a:ext uri="{FF2B5EF4-FFF2-40B4-BE49-F238E27FC236}">
+                <a16:creationId xmlns:a16="http://schemas.microsoft.com/office/drawing/2014/main" id="{84B819CF-6CEE-484C-A1D0-BD8E1BF41220}"/>
+              </a:ext>
+            </a:extLst>
+          </p:cNvPr>
+          <p:cNvCxnSpPr>
+            <a:cxnSpLocks/>
+            <a:stCxn id="54" idx="6"/>
+            <a:endCxn id="57" idx="2"/>
+          </p:cNvCxnSpPr>
+          <p:nvPr/>
+        </p:nvCxnSpPr>
+        <p:spPr>
+          <a:xfrm>
+            <a:off x="4876799" y="1060426"/>
+            <a:ext cx="889024" cy="4347"/>
+          </a:xfrm>
+          <a:prstGeom prst="straightConnector1">
+            <a:avLst/>
+          </a:prstGeom>
+          <a:ln w="38100">
+            <a:solidFill>
+              <a:srgbClr val="FFC000"/>
+            </a:solidFill>
+            <a:tailEnd type="triangle"/>
+          </a:ln>
+        </p:spPr>
+        <p:style>
+          <a:lnRef idx="1">
+            <a:schemeClr val="accent1"/>
+          </a:lnRef>
+          <a:fillRef idx="0">
+            <a:schemeClr val="accent1"/>
+          </a:fillRef>
+          <a:effectRef idx="0">
+            <a:schemeClr val="accent1"/>
+          </a:effectRef>
+          <a:fontRef idx="minor">
+            <a:schemeClr val="tx1"/>
+          </a:fontRef>
+        </p:style>
+      </p:cxnSp>
+      <p:cxnSp>
+        <p:nvCxnSpPr>
+          <p:cNvPr id="66" name="Straight Arrow Connector 65">
+            <a:extLst>
+              <a:ext uri="{FF2B5EF4-FFF2-40B4-BE49-F238E27FC236}">
+                <a16:creationId xmlns:a16="http://schemas.microsoft.com/office/drawing/2014/main" id="{C9953458-C3EF-8A42-8D31-5E6DF5AA22A6}"/>
+              </a:ext>
+            </a:extLst>
+          </p:cNvPr>
+          <p:cNvCxnSpPr>
+            <a:cxnSpLocks/>
+            <a:stCxn id="57" idx="6"/>
+            <a:endCxn id="60" idx="2"/>
+          </p:cNvCxnSpPr>
+          <p:nvPr/>
+        </p:nvCxnSpPr>
+        <p:spPr>
+          <a:xfrm flipV="1">
+            <a:off x="6017823" y="1060426"/>
+            <a:ext cx="269639" cy="4347"/>
+          </a:xfrm>
+          <a:prstGeom prst="straightConnector1">
+            <a:avLst/>
+          </a:prstGeom>
+          <a:ln w="38100">
+            <a:solidFill>
+              <a:srgbClr val="FFC000"/>
+            </a:solidFill>
+            <a:tailEnd type="triangle"/>
+          </a:ln>
+        </p:spPr>
+        <p:style>
+          <a:lnRef idx="1">
+            <a:schemeClr val="accent1"/>
+          </a:lnRef>
+          <a:fillRef idx="0">
+            <a:schemeClr val="accent1"/>
+          </a:fillRef>
+          <a:effectRef idx="0">
+            <a:schemeClr val="accent1"/>
+          </a:effectRef>
+          <a:fontRef idx="minor">
+            <a:schemeClr val="tx1"/>
+          </a:fontRef>
+        </p:style>
+      </p:cxnSp>
+      <p:cxnSp>
+        <p:nvCxnSpPr>
+          <p:cNvPr id="67" name="Straight Arrow Connector 66">
+            <a:extLst>
+              <a:ext uri="{FF2B5EF4-FFF2-40B4-BE49-F238E27FC236}">
+                <a16:creationId xmlns:a16="http://schemas.microsoft.com/office/drawing/2014/main" id="{9952E465-CE0A-EC4F-B2AC-DCBC3DCB00C7}"/>
+              </a:ext>
+            </a:extLst>
+          </p:cNvPr>
+          <p:cNvCxnSpPr>
+            <a:cxnSpLocks/>
+            <a:stCxn id="60" idx="6"/>
+            <a:endCxn id="62" idx="1"/>
+          </p:cNvCxnSpPr>
+          <p:nvPr/>
+        </p:nvCxnSpPr>
+        <p:spPr>
+          <a:xfrm flipV="1">
+            <a:off x="6539462" y="1058354"/>
+            <a:ext cx="585780" cy="2072"/>
+          </a:xfrm>
+          <a:prstGeom prst="straightConnector1">
+            <a:avLst/>
+          </a:prstGeom>
+          <a:ln w="38100">
+            <a:solidFill>
+              <a:srgbClr val="FFC000"/>
+            </a:solidFill>
+            <a:tailEnd type="triangle"/>
+          </a:ln>
+        </p:spPr>
+        <p:style>
+          <a:lnRef idx="1">
+            <a:schemeClr val="accent1"/>
+          </a:lnRef>
+          <a:fillRef idx="0">
+            <a:schemeClr val="accent1"/>
+          </a:fillRef>
+          <a:effectRef idx="0">
+            <a:schemeClr val="accent1"/>
+          </a:effectRef>
+          <a:fontRef idx="minor">
+            <a:schemeClr val="tx1"/>
+          </a:fontRef>
+        </p:style>
+      </p:cxnSp>
+      <p:grpSp>
+        <p:nvGrpSpPr>
+          <p:cNvPr id="68" name="Group 67">
+            <a:extLst>
+              <a:ext uri="{FF2B5EF4-FFF2-40B4-BE49-F238E27FC236}">
+                <a16:creationId xmlns:a16="http://schemas.microsoft.com/office/drawing/2014/main" id="{EE1E4B8B-887C-C240-B59A-DA7A9A38BE1F}"/>
+              </a:ext>
+            </a:extLst>
+          </p:cNvPr>
+          <p:cNvGrpSpPr/>
+          <p:nvPr/>
+        </p:nvGrpSpPr>
+        <p:grpSpPr>
+          <a:xfrm>
+            <a:off x="7955867" y="931952"/>
+            <a:ext cx="252000" cy="252000"/>
+            <a:chOff x="6350999" y="4440714"/>
+            <a:chExt cx="252000" cy="252000"/>
+          </a:xfrm>
+        </p:grpSpPr>
+        <p:sp>
+          <p:nvSpPr>
+            <p:cNvPr id="69" name="Oval 68">
+              <a:extLst>
+                <a:ext uri="{FF2B5EF4-FFF2-40B4-BE49-F238E27FC236}">
+                  <a16:creationId xmlns:a16="http://schemas.microsoft.com/office/drawing/2014/main" id="{17E68E07-33CE-ED4C-91E2-4568BC59DA61}"/>
+                </a:ext>
+              </a:extLst>
+            </p:cNvPr>
+            <p:cNvSpPr>
+              <a:spLocks/>
+            </p:cNvSpPr>
+            <p:nvPr/>
+          </p:nvSpPr>
+          <p:spPr>
+            <a:xfrm>
+              <a:off x="6350999" y="4440714"/>
+              <a:ext cx="252000" cy="252000"/>
+            </a:xfrm>
+            <a:prstGeom prst="ellipse">
+              <a:avLst/>
+            </a:prstGeom>
+            <a:solidFill>
+              <a:srgbClr val="FF0000">
+                <a:alpha val="59000"/>
+              </a:srgbClr>
+            </a:solidFill>
+            <a:ln>
+              <a:solidFill>
+                <a:srgbClr val="C00000"/>
+              </a:solidFill>
+            </a:ln>
+          </p:spPr>
+          <p:style>
+            <a:lnRef idx="2">
+              <a:schemeClr val="accent1">
+                <a:shade val="50000"/>
+              </a:schemeClr>
+            </a:lnRef>
+            <a:fillRef idx="1">
+              <a:schemeClr val="accent1"/>
+            </a:fillRef>
+            <a:effectRef idx="0">
+              <a:schemeClr val="accent1"/>
+            </a:effectRef>
+            <a:fontRef idx="minor">
+              <a:schemeClr val="lt1"/>
+            </a:fontRef>
+          </p:style>
+          <p:txBody>
+            <a:bodyPr rtlCol="0" anchor="ctr"/>
+            <a:lstStyle/>
+            <a:p>
+              <a:pPr algn="ctr"/>
+              <a:endParaRPr lang="en-CO"/>
+            </a:p>
+          </p:txBody>
+        </p:sp>
+        <p:sp>
+          <p:nvSpPr>
+            <p:cNvPr id="70" name="Oval 69">
+              <a:extLst>
+                <a:ext uri="{FF2B5EF4-FFF2-40B4-BE49-F238E27FC236}">
+                  <a16:creationId xmlns:a16="http://schemas.microsoft.com/office/drawing/2014/main" id="{DF73CCD2-C40F-2E43-9783-A062B66EFB18}"/>
+                </a:ext>
+              </a:extLst>
+            </p:cNvPr>
+            <p:cNvSpPr>
+              <a:spLocks/>
+            </p:cNvSpPr>
+            <p:nvPr/>
+          </p:nvSpPr>
+          <p:spPr>
+            <a:xfrm>
+              <a:off x="6443440" y="4530714"/>
+              <a:ext cx="72000" cy="72000"/>
+            </a:xfrm>
+            <a:prstGeom prst="ellipse">
+              <a:avLst/>
+            </a:prstGeom>
+            <a:solidFill>
+              <a:schemeClr val="tx1"/>
+            </a:solidFill>
+            <a:ln>
+              <a:solidFill>
+                <a:schemeClr val="tx1">
+                  <a:lumMod val="95000"/>
+                  <a:lumOff val="5000"/>
+                </a:schemeClr>
+              </a:solidFill>
+            </a:ln>
+          </p:spPr>
+          <p:style>
+            <a:lnRef idx="2">
+              <a:schemeClr val="accent1">
+                <a:shade val="50000"/>
+              </a:schemeClr>
+            </a:lnRef>
+            <a:fillRef idx="1">
+              <a:schemeClr val="accent1"/>
+            </a:fillRef>
+            <a:effectRef idx="0">
+              <a:schemeClr val="accent1"/>
+            </a:effectRef>
+            <a:fontRef idx="minor">
+              <a:schemeClr val="lt1"/>
+            </a:fontRef>
+          </p:style>
+          <p:txBody>
+            <a:bodyPr rtlCol="0" anchor="ctr"/>
+            <a:lstStyle/>
+            <a:p>
+              <a:pPr algn="ctr"/>
+              <a:endParaRPr lang="en-CO"/>
+            </a:p>
+          </p:txBody>
+        </p:sp>
+      </p:grpSp>
+      <p:grpSp>
+        <p:nvGrpSpPr>
+          <p:cNvPr id="71" name="Group 70">
+            <a:extLst>
+              <a:ext uri="{FF2B5EF4-FFF2-40B4-BE49-F238E27FC236}">
+                <a16:creationId xmlns:a16="http://schemas.microsoft.com/office/drawing/2014/main" id="{2F7296F0-7259-7F47-B76E-8AA935B7ED00}"/>
+              </a:ext>
+            </a:extLst>
+          </p:cNvPr>
+          <p:cNvGrpSpPr/>
+          <p:nvPr/>
+        </p:nvGrpSpPr>
+        <p:grpSpPr>
+          <a:xfrm>
+            <a:off x="8799249" y="930954"/>
+            <a:ext cx="252000" cy="252000"/>
+            <a:chOff x="6350999" y="4440714"/>
+            <a:chExt cx="252000" cy="252000"/>
+          </a:xfrm>
+        </p:grpSpPr>
+        <p:sp>
+          <p:nvSpPr>
+            <p:cNvPr id="72" name="Oval 71">
+              <a:extLst>
+                <a:ext uri="{FF2B5EF4-FFF2-40B4-BE49-F238E27FC236}">
+                  <a16:creationId xmlns:a16="http://schemas.microsoft.com/office/drawing/2014/main" id="{98ED165B-6B54-EF4C-9234-1DD10279A0F2}"/>
+                </a:ext>
+              </a:extLst>
+            </p:cNvPr>
+            <p:cNvSpPr>
+              <a:spLocks/>
+            </p:cNvSpPr>
+            <p:nvPr/>
+          </p:nvSpPr>
+          <p:spPr>
+            <a:xfrm>
+              <a:off x="6350999" y="4440714"/>
+              <a:ext cx="252000" cy="252000"/>
+            </a:xfrm>
+            <a:prstGeom prst="ellipse">
+              <a:avLst/>
+            </a:prstGeom>
+            <a:solidFill>
+              <a:srgbClr val="FF0000">
+                <a:alpha val="60000"/>
+              </a:srgbClr>
+            </a:solidFill>
+            <a:ln>
+              <a:solidFill>
+                <a:srgbClr val="C00000"/>
+              </a:solidFill>
+            </a:ln>
+          </p:spPr>
+          <p:style>
+            <a:lnRef idx="2">
+              <a:schemeClr val="accent1">
+                <a:shade val="50000"/>
+              </a:schemeClr>
+            </a:lnRef>
+            <a:fillRef idx="1">
+              <a:schemeClr val="accent1"/>
+            </a:fillRef>
+            <a:effectRef idx="0">
+              <a:schemeClr val="accent1"/>
+            </a:effectRef>
+            <a:fontRef idx="minor">
+              <a:schemeClr val="lt1"/>
+            </a:fontRef>
+          </p:style>
+          <p:txBody>
+            <a:bodyPr rtlCol="0" anchor="ctr"/>
+            <a:lstStyle/>
+            <a:p>
+              <a:pPr algn="ctr"/>
+              <a:endParaRPr lang="en-CO"/>
+            </a:p>
+          </p:txBody>
+        </p:sp>
+        <p:sp>
+          <p:nvSpPr>
+            <p:cNvPr id="73" name="Oval 72">
+              <a:extLst>
+                <a:ext uri="{FF2B5EF4-FFF2-40B4-BE49-F238E27FC236}">
+                  <a16:creationId xmlns:a16="http://schemas.microsoft.com/office/drawing/2014/main" id="{1B95AA72-06E8-594A-820B-331AAFF62A93}"/>
+                </a:ext>
+              </a:extLst>
+            </p:cNvPr>
+            <p:cNvSpPr>
+              <a:spLocks/>
+            </p:cNvSpPr>
+            <p:nvPr/>
+          </p:nvSpPr>
+          <p:spPr>
+            <a:xfrm>
+              <a:off x="6443440" y="4530714"/>
+              <a:ext cx="72000" cy="72000"/>
+            </a:xfrm>
+            <a:prstGeom prst="ellipse">
+              <a:avLst/>
+            </a:prstGeom>
+            <a:solidFill>
+              <a:schemeClr val="tx1"/>
+            </a:solidFill>
+            <a:ln>
+              <a:solidFill>
+                <a:schemeClr val="tx1">
+                  <a:lumMod val="95000"/>
+                  <a:lumOff val="5000"/>
+                </a:schemeClr>
+              </a:solidFill>
+            </a:ln>
+          </p:spPr>
+          <p:style>
+            <a:lnRef idx="2">
+              <a:schemeClr val="accent1">
+                <a:shade val="50000"/>
+              </a:schemeClr>
+            </a:lnRef>
+            <a:fillRef idx="1">
+              <a:schemeClr val="accent1"/>
+            </a:fillRef>
+            <a:effectRef idx="0">
+              <a:schemeClr val="accent1"/>
+            </a:effectRef>
+            <a:fontRef idx="minor">
+              <a:schemeClr val="lt1"/>
+            </a:fontRef>
+          </p:style>
+          <p:txBody>
+            <a:bodyPr rtlCol="0" anchor="ctr"/>
+            <a:lstStyle/>
+            <a:p>
+              <a:pPr algn="ctr"/>
+              <a:endParaRPr lang="en-CO"/>
+            </a:p>
+          </p:txBody>
+        </p:sp>
+      </p:grpSp>
+      <p:sp>
+        <p:nvSpPr>
+          <p:cNvPr id="74" name="Rectangle 73">
+            <a:extLst>
+              <a:ext uri="{FF2B5EF4-FFF2-40B4-BE49-F238E27FC236}">
+                <a16:creationId xmlns:a16="http://schemas.microsoft.com/office/drawing/2014/main" id="{5915EAED-AA12-5C4C-965F-62B8B269C343}"/>
+              </a:ext>
+            </a:extLst>
+          </p:cNvPr>
+          <p:cNvSpPr/>
+          <p:nvPr/>
+        </p:nvSpPr>
+        <p:spPr>
+          <a:xfrm>
+            <a:off x="9642631" y="935976"/>
+            <a:ext cx="235896" cy="224817"/>
+          </a:xfrm>
+          <a:prstGeom prst="rect">
+            <a:avLst/>
+          </a:prstGeom>
+          <a:solidFill>
+            <a:srgbClr val="00B050"/>
+          </a:solidFill>
+        </p:spPr>
+        <p:style>
+          <a:lnRef idx="2">
+            <a:schemeClr val="accent1">
+              <a:shade val="50000"/>
+            </a:schemeClr>
+          </a:lnRef>
+          <a:fillRef idx="1">
+            <a:schemeClr val="accent1"/>
+          </a:fillRef>
+          <a:effectRef idx="0">
+            <a:schemeClr val="accent1"/>
+          </a:effectRef>
+          <a:fontRef idx="minor">
+            <a:schemeClr val="lt1"/>
+          </a:fontRef>
+        </p:style>
+        <p:txBody>
+          <a:bodyPr rtlCol="0" anchor="ctr"/>
+          <a:lstStyle/>
+          <a:p>
+            <a:pPr algn="ctr"/>
+            <a:endParaRPr lang="en-CO"/>
+          </a:p>
+        </p:txBody>
+      </p:sp>
+      <p:cxnSp>
+        <p:nvCxnSpPr>
+          <p:cNvPr id="75" name="Straight Arrow Connector 74">
+            <a:extLst>
+              <a:ext uri="{FF2B5EF4-FFF2-40B4-BE49-F238E27FC236}">
+                <a16:creationId xmlns:a16="http://schemas.microsoft.com/office/drawing/2014/main" id="{5B153106-31A8-6248-9F1E-2AD02FDD92EA}"/>
+              </a:ext>
+            </a:extLst>
+          </p:cNvPr>
+          <p:cNvCxnSpPr>
+            <a:cxnSpLocks/>
+            <a:stCxn id="62" idx="3"/>
+            <a:endCxn id="69" idx="2"/>
+          </p:cNvCxnSpPr>
+          <p:nvPr/>
+        </p:nvCxnSpPr>
+        <p:spPr>
+          <a:xfrm flipV="1">
+            <a:off x="7361138" y="1057952"/>
+            <a:ext cx="594729" cy="402"/>
+          </a:xfrm>
+          <a:prstGeom prst="straightConnector1">
+            <a:avLst/>
+          </a:prstGeom>
+          <a:ln w="38100">
+            <a:solidFill>
+              <a:srgbClr val="FFC000"/>
+            </a:solidFill>
+            <a:tailEnd type="triangle"/>
+          </a:ln>
+        </p:spPr>
+        <p:style>
+          <a:lnRef idx="1">
+            <a:schemeClr val="accent1"/>
+          </a:lnRef>
+          <a:fillRef idx="0">
+            <a:schemeClr val="accent1"/>
+          </a:fillRef>
+          <a:effectRef idx="0">
+            <a:schemeClr val="accent1"/>
+          </a:effectRef>
+          <a:fontRef idx="minor">
+            <a:schemeClr val="tx1"/>
+          </a:fontRef>
+        </p:style>
+      </p:cxnSp>
+      <p:cxnSp>
+        <p:nvCxnSpPr>
+          <p:cNvPr id="76" name="Straight Arrow Connector 75">
+            <a:extLst>
+              <a:ext uri="{FF2B5EF4-FFF2-40B4-BE49-F238E27FC236}">
+                <a16:creationId xmlns:a16="http://schemas.microsoft.com/office/drawing/2014/main" id="{3097E70B-07F6-594C-978F-E59C9EFBCB51}"/>
+              </a:ext>
+            </a:extLst>
+          </p:cNvPr>
+          <p:cNvCxnSpPr>
+            <a:cxnSpLocks/>
+            <a:stCxn id="69" idx="6"/>
+            <a:endCxn id="72" idx="2"/>
+          </p:cNvCxnSpPr>
+          <p:nvPr/>
+        </p:nvCxnSpPr>
+        <p:spPr>
+          <a:xfrm flipV="1">
+            <a:off x="8207867" y="1056954"/>
+            <a:ext cx="591382" cy="998"/>
+          </a:xfrm>
+          <a:prstGeom prst="straightConnector1">
+            <a:avLst/>
+          </a:prstGeom>
+          <a:ln w="38100">
+            <a:solidFill>
+              <a:srgbClr val="FFC000"/>
+            </a:solidFill>
+            <a:tailEnd type="triangle"/>
+          </a:ln>
+        </p:spPr>
+        <p:style>
+          <a:lnRef idx="1">
+            <a:schemeClr val="accent1"/>
+          </a:lnRef>
+          <a:fillRef idx="0">
+            <a:schemeClr val="accent1"/>
+          </a:fillRef>
+          <a:effectRef idx="0">
+            <a:schemeClr val="accent1"/>
+          </a:effectRef>
+          <a:fontRef idx="minor">
+            <a:schemeClr val="tx1"/>
+          </a:fontRef>
+        </p:style>
+      </p:cxnSp>
+      <p:cxnSp>
+        <p:nvCxnSpPr>
+          <p:cNvPr id="77" name="Straight Arrow Connector 76">
+            <a:extLst>
+              <a:ext uri="{FF2B5EF4-FFF2-40B4-BE49-F238E27FC236}">
+                <a16:creationId xmlns:a16="http://schemas.microsoft.com/office/drawing/2014/main" id="{3CF0A6BF-DAB4-FC49-8CAC-19BDE8A2A2A0}"/>
+              </a:ext>
+            </a:extLst>
+          </p:cNvPr>
+          <p:cNvCxnSpPr>
+            <a:cxnSpLocks/>
+            <a:stCxn id="72" idx="6"/>
+            <a:endCxn id="74" idx="1"/>
+          </p:cNvCxnSpPr>
+          <p:nvPr/>
+        </p:nvCxnSpPr>
+        <p:spPr>
+          <a:xfrm flipV="1">
+            <a:off x="9051249" y="1048385"/>
+            <a:ext cx="591382" cy="8569"/>
+          </a:xfrm>
+          <a:prstGeom prst="straightConnector1">
+            <a:avLst/>
+          </a:prstGeom>
+          <a:ln w="38100">
+            <a:solidFill>
+              <a:srgbClr val="FFC000"/>
+            </a:solidFill>
+            <a:tailEnd type="triangle"/>
+          </a:ln>
+        </p:spPr>
+        <p:style>
+          <a:lnRef idx="1">
+            <a:schemeClr val="accent1"/>
+          </a:lnRef>
+          <a:fillRef idx="0">
+            <a:schemeClr val="accent1"/>
+          </a:fillRef>
+          <a:effectRef idx="0">
+            <a:schemeClr val="accent1"/>
+          </a:effectRef>
+          <a:fontRef idx="minor">
+            <a:schemeClr val="tx1"/>
+          </a:fontRef>
+        </p:style>
+      </p:cxnSp>
+      <p:cxnSp>
+        <p:nvCxnSpPr>
+          <p:cNvPr id="86" name="Straight Arrow Connector 85">
+            <a:extLst>
+              <a:ext uri="{FF2B5EF4-FFF2-40B4-BE49-F238E27FC236}">
+                <a16:creationId xmlns:a16="http://schemas.microsoft.com/office/drawing/2014/main" id="{B269EE97-0D34-294F-9E5B-1CBE64751822}"/>
+              </a:ext>
+            </a:extLst>
+          </p:cNvPr>
+          <p:cNvCxnSpPr>
+            <a:cxnSpLocks/>
+          </p:cNvCxnSpPr>
+          <p:nvPr/>
+        </p:nvCxnSpPr>
+        <p:spPr>
+          <a:xfrm>
+            <a:off x="2410318" y="2722248"/>
+            <a:ext cx="7860865" cy="0"/>
+          </a:xfrm>
+          <a:prstGeom prst="straightConnector1">
+            <a:avLst/>
+          </a:prstGeom>
+          <a:ln>
+            <a:headEnd type="none" w="med" len="med"/>
+            <a:tailEnd type="arrow" w="med" len="med"/>
+          </a:ln>
+        </p:spPr>
+        <p:style>
+          <a:lnRef idx="3">
+            <a:schemeClr val="accent2"/>
+          </a:lnRef>
+          <a:fillRef idx="0">
+            <a:schemeClr val="accent2"/>
+          </a:fillRef>
+          <a:effectRef idx="2">
+            <a:schemeClr val="accent2"/>
+          </a:effectRef>
+          <a:fontRef idx="minor">
+            <a:schemeClr val="tx1"/>
+          </a:fontRef>
+        </p:style>
+      </p:cxnSp>
+      <p:cxnSp>
+        <p:nvCxnSpPr>
+          <p:cNvPr id="87" name="Straight Connector 86">
+            <a:extLst>
+              <a:ext uri="{FF2B5EF4-FFF2-40B4-BE49-F238E27FC236}">
+                <a16:creationId xmlns:a16="http://schemas.microsoft.com/office/drawing/2014/main" id="{718CECF5-D0C6-6A40-AB25-B80B89C32180}"/>
+              </a:ext>
+            </a:extLst>
+          </p:cNvPr>
+          <p:cNvCxnSpPr>
+            <a:cxnSpLocks/>
+          </p:cNvCxnSpPr>
+          <p:nvPr/>
+        </p:nvCxnSpPr>
+        <p:spPr>
+          <a:xfrm flipH="1" flipV="1">
+            <a:off x="2410318" y="948018"/>
+            <a:ext cx="2" cy="1801036"/>
+          </a:xfrm>
+          <a:prstGeom prst="line">
+            <a:avLst/>
+          </a:prstGeom>
+          <a:ln>
+            <a:headEnd type="none" w="med" len="med"/>
+            <a:tailEnd type="arrow" w="med" len="med"/>
+          </a:ln>
+        </p:spPr>
+        <p:style>
+          <a:lnRef idx="3">
+            <a:schemeClr val="accent2"/>
+          </a:lnRef>
+          <a:fillRef idx="0">
+            <a:schemeClr val="accent2"/>
+          </a:fillRef>
+          <a:effectRef idx="2">
+            <a:schemeClr val="accent2"/>
+          </a:effectRef>
+          <a:fontRef idx="minor">
+            <a:schemeClr val="tx1"/>
+          </a:fontRef>
+        </p:style>
+      </p:cxnSp>
+      <p:grpSp>
+        <p:nvGrpSpPr>
+          <p:cNvPr id="29" name="Group 28">
+            <a:extLst>
+              <a:ext uri="{FF2B5EF4-FFF2-40B4-BE49-F238E27FC236}">
+                <a16:creationId xmlns:a16="http://schemas.microsoft.com/office/drawing/2014/main" id="{3EBF87E8-C45F-174B-A100-61D805C9AC6C}"/>
+              </a:ext>
+            </a:extLst>
+          </p:cNvPr>
+          <p:cNvGrpSpPr/>
+          <p:nvPr/>
+        </p:nvGrpSpPr>
+        <p:grpSpPr>
+          <a:xfrm>
+            <a:off x="3684510" y="2535467"/>
+            <a:ext cx="5709903" cy="373333"/>
+            <a:chOff x="5342120" y="1334598"/>
+            <a:chExt cx="4789935" cy="373333"/>
+          </a:xfrm>
+        </p:grpSpPr>
+        <p:cxnSp>
+          <p:nvCxnSpPr>
+            <p:cNvPr id="79" name="Straight Connector 78">
+              <a:extLst>
+                <a:ext uri="{FF2B5EF4-FFF2-40B4-BE49-F238E27FC236}">
+                  <a16:creationId xmlns:a16="http://schemas.microsoft.com/office/drawing/2014/main" id="{0CB143F7-61D7-A445-B94B-28FFB5B5B591}"/>
+                </a:ext>
+              </a:extLst>
+            </p:cNvPr>
+            <p:cNvCxnSpPr>
+              <a:cxnSpLocks/>
+            </p:cNvCxnSpPr>
+            <p:nvPr/>
+          </p:nvCxnSpPr>
+          <p:spPr>
+            <a:xfrm>
+              <a:off x="5468615" y="1525051"/>
+              <a:ext cx="4663440" cy="2650"/>
+            </a:xfrm>
+            <a:prstGeom prst="line">
+              <a:avLst/>
+            </a:prstGeom>
+            <a:ln w="57150">
+              <a:solidFill>
+                <a:srgbClr val="92D050"/>
+              </a:solidFill>
+              <a:prstDash val="dash"/>
+            </a:ln>
+          </p:spPr>
+          <p:style>
+            <a:lnRef idx="1">
+              <a:schemeClr val="accent1"/>
+            </a:lnRef>
+            <a:fillRef idx="0">
+              <a:schemeClr val="accent1"/>
+            </a:fillRef>
+            <a:effectRef idx="0">
+              <a:schemeClr val="accent1"/>
+            </a:effectRef>
+            <a:fontRef idx="minor">
+              <a:schemeClr val="tx1"/>
+            </a:fontRef>
+          </p:style>
+        </p:cxnSp>
+        <p:cxnSp>
+          <p:nvCxnSpPr>
+            <p:cNvPr id="81" name="Straight Connector 80">
+              <a:extLst>
+                <a:ext uri="{FF2B5EF4-FFF2-40B4-BE49-F238E27FC236}">
+                  <a16:creationId xmlns:a16="http://schemas.microsoft.com/office/drawing/2014/main" id="{7E0A6E64-2B78-664C-B2D4-BA55314605FE}"/>
+                </a:ext>
+              </a:extLst>
+            </p:cNvPr>
+            <p:cNvCxnSpPr>
+              <a:cxnSpLocks/>
+            </p:cNvCxnSpPr>
+            <p:nvPr/>
+          </p:nvCxnSpPr>
+          <p:spPr>
+            <a:xfrm>
+              <a:off x="10123903" y="1334598"/>
+              <a:ext cx="0" cy="365760"/>
+            </a:xfrm>
+            <a:prstGeom prst="line">
+              <a:avLst/>
+            </a:prstGeom>
+            <a:ln w="57150">
+              <a:solidFill>
+                <a:srgbClr val="92D050"/>
+              </a:solidFill>
+            </a:ln>
+          </p:spPr>
+          <p:style>
+            <a:lnRef idx="1">
+              <a:schemeClr val="accent1"/>
+            </a:lnRef>
+            <a:fillRef idx="0">
+              <a:schemeClr val="accent1"/>
+            </a:fillRef>
+            <a:effectRef idx="0">
+              <a:schemeClr val="accent1"/>
+            </a:effectRef>
+            <a:fontRef idx="minor">
+              <a:schemeClr val="tx1"/>
+            </a:fontRef>
+          </p:style>
+        </p:cxnSp>
+        <p:cxnSp>
+          <p:nvCxnSpPr>
+            <p:cNvPr id="80" name="Straight Connector 79">
+              <a:extLst>
+                <a:ext uri="{FF2B5EF4-FFF2-40B4-BE49-F238E27FC236}">
+                  <a16:creationId xmlns:a16="http://schemas.microsoft.com/office/drawing/2014/main" id="{DAE65F40-2CD3-484E-9BEB-130D8D3123A0}"/>
+                </a:ext>
+              </a:extLst>
+            </p:cNvPr>
+            <p:cNvCxnSpPr>
+              <a:cxnSpLocks/>
+            </p:cNvCxnSpPr>
+            <p:nvPr/>
+          </p:nvCxnSpPr>
+          <p:spPr>
+            <a:xfrm>
+              <a:off x="5342120" y="1342171"/>
+              <a:ext cx="0" cy="365760"/>
+            </a:xfrm>
+            <a:prstGeom prst="line">
+              <a:avLst/>
+            </a:prstGeom>
+            <a:ln w="57150">
+              <a:solidFill>
+                <a:srgbClr val="92D050"/>
+              </a:solidFill>
+            </a:ln>
+          </p:spPr>
+          <p:style>
+            <a:lnRef idx="1">
+              <a:schemeClr val="accent1"/>
+            </a:lnRef>
+            <a:fillRef idx="0">
+              <a:schemeClr val="accent1"/>
+            </a:fillRef>
+            <a:effectRef idx="0">
+              <a:schemeClr val="accent1"/>
+            </a:effectRef>
+            <a:fontRef idx="minor">
+              <a:schemeClr val="tx1"/>
+            </a:fontRef>
+          </p:style>
+        </p:cxnSp>
+      </p:grpSp>
+      <p:cxnSp>
+        <p:nvCxnSpPr>
+          <p:cNvPr id="95" name="Straight Connector 94">
+            <a:extLst>
+              <a:ext uri="{FF2B5EF4-FFF2-40B4-BE49-F238E27FC236}">
+                <a16:creationId xmlns:a16="http://schemas.microsoft.com/office/drawing/2014/main" id="{233105DD-7622-FF4B-BD86-BE6DA857B4FE}"/>
+              </a:ext>
+            </a:extLst>
+          </p:cNvPr>
+          <p:cNvCxnSpPr>
+            <a:cxnSpLocks/>
+            <a:stCxn id="52" idx="4"/>
+          </p:cNvCxnSpPr>
+          <p:nvPr/>
+        </p:nvCxnSpPr>
+        <p:spPr>
+          <a:xfrm>
+            <a:off x="3933959" y="1096426"/>
+            <a:ext cx="0" cy="1610033"/>
+          </a:xfrm>
+          <a:prstGeom prst="line">
+            <a:avLst/>
+          </a:prstGeom>
+          <a:ln>
+            <a:prstDash val="dash"/>
+          </a:ln>
+        </p:spPr>
+        <p:style>
+          <a:lnRef idx="1">
+            <a:schemeClr val="dk1"/>
+          </a:lnRef>
+          <a:fillRef idx="0">
+            <a:schemeClr val="dk1"/>
+          </a:fillRef>
+          <a:effectRef idx="0">
+            <a:schemeClr val="dk1"/>
+          </a:effectRef>
+          <a:fontRef idx="minor">
+            <a:schemeClr val="tx1"/>
+          </a:fontRef>
+        </p:style>
+      </p:cxnSp>
+      <p:cxnSp>
+        <p:nvCxnSpPr>
+          <p:cNvPr id="100" name="Straight Connector 99">
+            <a:extLst>
+              <a:ext uri="{FF2B5EF4-FFF2-40B4-BE49-F238E27FC236}">
+                <a16:creationId xmlns:a16="http://schemas.microsoft.com/office/drawing/2014/main" id="{ADEA82C8-1E80-2741-9770-90D980EA92B1}"/>
+              </a:ext>
+            </a:extLst>
+          </p:cNvPr>
+          <p:cNvCxnSpPr>
+            <a:cxnSpLocks/>
+          </p:cNvCxnSpPr>
+          <p:nvPr/>
+        </p:nvCxnSpPr>
+        <p:spPr>
+          <a:xfrm>
+            <a:off x="3177574" y="1115887"/>
+            <a:ext cx="0" cy="1610033"/>
+          </a:xfrm>
+          <a:prstGeom prst="line">
+            <a:avLst/>
+          </a:prstGeom>
+          <a:ln>
+            <a:prstDash val="dash"/>
+          </a:ln>
+        </p:spPr>
+        <p:style>
+          <a:lnRef idx="1">
+            <a:schemeClr val="dk1"/>
+          </a:lnRef>
+          <a:fillRef idx="0">
+            <a:schemeClr val="dk1"/>
+          </a:fillRef>
+          <a:effectRef idx="0">
+            <a:schemeClr val="dk1"/>
+          </a:effectRef>
+          <a:fontRef idx="minor">
+            <a:schemeClr val="tx1"/>
+          </a:fontRef>
+        </p:style>
+      </p:cxnSp>
+      <p:cxnSp>
+        <p:nvCxnSpPr>
+          <p:cNvPr id="103" name="Straight Connector 102">
+            <a:extLst>
+              <a:ext uri="{FF2B5EF4-FFF2-40B4-BE49-F238E27FC236}">
+                <a16:creationId xmlns:a16="http://schemas.microsoft.com/office/drawing/2014/main" id="{315C68CE-62E0-1542-B756-3E18F290F514}"/>
+              </a:ext>
+            </a:extLst>
+          </p:cNvPr>
+          <p:cNvCxnSpPr/>
+          <p:nvPr/>
+        </p:nvCxnSpPr>
+        <p:spPr>
+          <a:xfrm>
+            <a:off x="3177574" y="1283485"/>
+            <a:ext cx="767256" cy="0"/>
+          </a:xfrm>
+          <a:prstGeom prst="line">
+            <a:avLst/>
+          </a:prstGeom>
+          <a:ln w="28575"/>
+        </p:spPr>
+        <p:style>
+          <a:lnRef idx="1">
+            <a:schemeClr val="dk1"/>
+          </a:lnRef>
+          <a:fillRef idx="0">
+            <a:schemeClr val="dk1"/>
+          </a:fillRef>
+          <a:effectRef idx="0">
+            <a:schemeClr val="dk1"/>
+          </a:effectRef>
+          <a:fontRef idx="minor">
+            <a:schemeClr val="tx1"/>
+          </a:fontRef>
+        </p:style>
+      </p:cxnSp>
+      <p:cxnSp>
+        <p:nvCxnSpPr>
+          <p:cNvPr id="104" name="Straight Connector 103">
+            <a:extLst>
+              <a:ext uri="{FF2B5EF4-FFF2-40B4-BE49-F238E27FC236}">
+                <a16:creationId xmlns:a16="http://schemas.microsoft.com/office/drawing/2014/main" id="{76E5C2EE-D824-6F45-9D96-07AAE48D2783}"/>
+              </a:ext>
+            </a:extLst>
+          </p:cNvPr>
+          <p:cNvCxnSpPr>
+            <a:cxnSpLocks/>
+          </p:cNvCxnSpPr>
+          <p:nvPr/>
+        </p:nvCxnSpPr>
+        <p:spPr>
+          <a:xfrm>
+            <a:off x="3931518" y="1530478"/>
+            <a:ext cx="830411" cy="0"/>
+          </a:xfrm>
+          <a:prstGeom prst="line">
+            <a:avLst/>
+          </a:prstGeom>
+          <a:ln w="28575"/>
+        </p:spPr>
+        <p:style>
+          <a:lnRef idx="1">
+            <a:schemeClr val="dk1"/>
+          </a:lnRef>
+          <a:fillRef idx="0">
+            <a:schemeClr val="dk1"/>
+          </a:fillRef>
+          <a:effectRef idx="0">
+            <a:schemeClr val="dk1"/>
+          </a:effectRef>
+          <a:fontRef idx="minor">
+            <a:schemeClr val="tx1"/>
+          </a:fontRef>
+        </p:style>
+      </p:cxnSp>
+      <p:cxnSp>
+        <p:nvCxnSpPr>
+          <p:cNvPr id="105" name="Straight Connector 104">
+            <a:extLst>
+              <a:ext uri="{FF2B5EF4-FFF2-40B4-BE49-F238E27FC236}">
+                <a16:creationId xmlns:a16="http://schemas.microsoft.com/office/drawing/2014/main" id="{681DD6D7-153A-3144-BF94-F6468547E82A}"/>
+              </a:ext>
+            </a:extLst>
+          </p:cNvPr>
+          <p:cNvCxnSpPr>
+            <a:cxnSpLocks/>
+          </p:cNvCxnSpPr>
+          <p:nvPr/>
+        </p:nvCxnSpPr>
+        <p:spPr>
+          <a:xfrm>
+            <a:off x="4761929" y="1115886"/>
+            <a:ext cx="0" cy="1610033"/>
+          </a:xfrm>
+          <a:prstGeom prst="line">
+            <a:avLst/>
+          </a:prstGeom>
+          <a:ln>
+            <a:prstDash val="dash"/>
+          </a:ln>
+        </p:spPr>
+        <p:style>
+          <a:lnRef idx="1">
+            <a:schemeClr val="dk1"/>
+          </a:lnRef>
+          <a:fillRef idx="0">
+            <a:schemeClr val="dk1"/>
+          </a:fillRef>
+          <a:effectRef idx="0">
+            <a:schemeClr val="dk1"/>
+          </a:effectRef>
+          <a:fontRef idx="minor">
+            <a:schemeClr val="tx1"/>
+          </a:fontRef>
+        </p:style>
+      </p:cxnSp>
+      <p:cxnSp>
+        <p:nvCxnSpPr>
+          <p:cNvPr id="108" name="Straight Connector 107">
+            <a:extLst>
+              <a:ext uri="{FF2B5EF4-FFF2-40B4-BE49-F238E27FC236}">
+                <a16:creationId xmlns:a16="http://schemas.microsoft.com/office/drawing/2014/main" id="{B62B8E55-A75F-6D4B-8B57-98D5E63B6EF0}"/>
+              </a:ext>
+            </a:extLst>
+          </p:cNvPr>
+          <p:cNvCxnSpPr>
+            <a:cxnSpLocks/>
+          </p:cNvCxnSpPr>
+          <p:nvPr/>
+        </p:nvCxnSpPr>
+        <p:spPr>
+          <a:xfrm>
+            <a:off x="5891823" y="1108314"/>
+            <a:ext cx="0" cy="1610033"/>
+          </a:xfrm>
+          <a:prstGeom prst="line">
+            <a:avLst/>
+          </a:prstGeom>
+          <a:ln>
+            <a:prstDash val="dash"/>
+          </a:ln>
+        </p:spPr>
+        <p:style>
+          <a:lnRef idx="1">
+            <a:schemeClr val="dk1"/>
+          </a:lnRef>
+          <a:fillRef idx="0">
+            <a:schemeClr val="dk1"/>
+          </a:fillRef>
+          <a:effectRef idx="0">
+            <a:schemeClr val="dk1"/>
+          </a:effectRef>
+          <a:fontRef idx="minor">
+            <a:schemeClr val="tx1"/>
+          </a:fontRef>
+        </p:style>
+      </p:cxnSp>
+      <p:cxnSp>
+        <p:nvCxnSpPr>
+          <p:cNvPr id="109" name="Straight Connector 108">
+            <a:extLst>
+              <a:ext uri="{FF2B5EF4-FFF2-40B4-BE49-F238E27FC236}">
+                <a16:creationId xmlns:a16="http://schemas.microsoft.com/office/drawing/2014/main" id="{DDD71FA5-94BA-5846-B220-45D5F4B946B6}"/>
+              </a:ext>
+            </a:extLst>
+          </p:cNvPr>
+          <p:cNvCxnSpPr>
+            <a:cxnSpLocks/>
+          </p:cNvCxnSpPr>
+          <p:nvPr/>
+        </p:nvCxnSpPr>
+        <p:spPr>
+          <a:xfrm>
+            <a:off x="4756436" y="2015387"/>
+            <a:ext cx="1135387" cy="0"/>
+          </a:xfrm>
+          <a:prstGeom prst="line">
+            <a:avLst/>
+          </a:prstGeom>
+          <a:ln w="28575"/>
+        </p:spPr>
+        <p:style>
+          <a:lnRef idx="1">
+            <a:schemeClr val="dk1"/>
+          </a:lnRef>
+          <a:fillRef idx="0">
+            <a:schemeClr val="dk1"/>
+          </a:fillRef>
+          <a:effectRef idx="0">
+            <a:schemeClr val="dk1"/>
+          </a:effectRef>
+          <a:fontRef idx="minor">
+            <a:schemeClr val="tx1"/>
+          </a:fontRef>
+        </p:style>
+      </p:cxnSp>
+      <p:cxnSp>
+        <p:nvCxnSpPr>
+          <p:cNvPr id="111" name="Straight Connector 110">
+            <a:extLst>
+              <a:ext uri="{FF2B5EF4-FFF2-40B4-BE49-F238E27FC236}">
+                <a16:creationId xmlns:a16="http://schemas.microsoft.com/office/drawing/2014/main" id="{635B96E0-3D18-AC45-BA75-8FA8D2A83F26}"/>
+              </a:ext>
+            </a:extLst>
+          </p:cNvPr>
+          <p:cNvCxnSpPr>
+            <a:cxnSpLocks/>
+          </p:cNvCxnSpPr>
+          <p:nvPr/>
+        </p:nvCxnSpPr>
+        <p:spPr>
+          <a:xfrm>
+            <a:off x="6413742" y="1108313"/>
+            <a:ext cx="0" cy="1610033"/>
+          </a:xfrm>
+          <a:prstGeom prst="line">
+            <a:avLst/>
+          </a:prstGeom>
+          <a:ln>
+            <a:prstDash val="dash"/>
+          </a:ln>
+        </p:spPr>
+        <p:style>
+          <a:lnRef idx="1">
+            <a:schemeClr val="dk1"/>
+          </a:lnRef>
+          <a:fillRef idx="0">
+            <a:schemeClr val="dk1"/>
+          </a:fillRef>
+          <a:effectRef idx="0">
+            <a:schemeClr val="dk1"/>
+          </a:effectRef>
+          <a:fontRef idx="minor">
+            <a:schemeClr val="tx1"/>
+          </a:fontRef>
+        </p:style>
+      </p:cxnSp>
+      <p:cxnSp>
+        <p:nvCxnSpPr>
+          <p:cNvPr id="112" name="Straight Connector 111">
+            <a:extLst>
+              <a:ext uri="{FF2B5EF4-FFF2-40B4-BE49-F238E27FC236}">
+                <a16:creationId xmlns:a16="http://schemas.microsoft.com/office/drawing/2014/main" id="{A092C8A1-7236-7048-AC62-BFE3D8C3292F}"/>
+              </a:ext>
+            </a:extLst>
+          </p:cNvPr>
+          <p:cNvCxnSpPr>
+            <a:cxnSpLocks/>
+          </p:cNvCxnSpPr>
+          <p:nvPr/>
+        </p:nvCxnSpPr>
+        <p:spPr>
+          <a:xfrm>
+            <a:off x="5884556" y="2398012"/>
+            <a:ext cx="528906" cy="0"/>
+          </a:xfrm>
+          <a:prstGeom prst="line">
+            <a:avLst/>
+          </a:prstGeom>
+          <a:ln w="28575"/>
+        </p:spPr>
+        <p:style>
+          <a:lnRef idx="1">
+            <a:schemeClr val="dk1"/>
+          </a:lnRef>
+          <a:fillRef idx="0">
+            <a:schemeClr val="dk1"/>
+          </a:fillRef>
+          <a:effectRef idx="0">
+            <a:schemeClr val="dk1"/>
+          </a:effectRef>
+          <a:fontRef idx="minor">
+            <a:schemeClr val="tx1"/>
+          </a:fontRef>
+        </p:style>
+      </p:cxnSp>
+      <p:cxnSp>
+        <p:nvCxnSpPr>
+          <p:cNvPr id="114" name="Straight Connector 113">
+            <a:extLst>
+              <a:ext uri="{FF2B5EF4-FFF2-40B4-BE49-F238E27FC236}">
+                <a16:creationId xmlns:a16="http://schemas.microsoft.com/office/drawing/2014/main" id="{026ED8BA-FFFE-654A-BADF-D22C4C5480C2}"/>
+              </a:ext>
+            </a:extLst>
+          </p:cNvPr>
+          <p:cNvCxnSpPr>
+            <a:cxnSpLocks/>
+          </p:cNvCxnSpPr>
+          <p:nvPr/>
+        </p:nvCxnSpPr>
+        <p:spPr>
+          <a:xfrm>
+            <a:off x="7248792" y="1096426"/>
+            <a:ext cx="0" cy="1610033"/>
+          </a:xfrm>
+          <a:prstGeom prst="line">
+            <a:avLst/>
+          </a:prstGeom>
+          <a:ln>
+            <a:prstDash val="dash"/>
+          </a:ln>
+        </p:spPr>
+        <p:style>
+          <a:lnRef idx="1">
+            <a:schemeClr val="dk1"/>
+          </a:lnRef>
+          <a:fillRef idx="0">
+            <a:schemeClr val="dk1"/>
+          </a:fillRef>
+          <a:effectRef idx="0">
+            <a:schemeClr val="dk1"/>
+          </a:effectRef>
+          <a:fontRef idx="minor">
+            <a:schemeClr val="tx1"/>
+          </a:fontRef>
+        </p:style>
+      </p:cxnSp>
+      <p:cxnSp>
+        <p:nvCxnSpPr>
+          <p:cNvPr id="115" name="Straight Connector 114">
+            <a:extLst>
+              <a:ext uri="{FF2B5EF4-FFF2-40B4-BE49-F238E27FC236}">
+                <a16:creationId xmlns:a16="http://schemas.microsoft.com/office/drawing/2014/main" id="{0F7FDD73-B7A7-C145-B7BD-1EA3C6D34BBE}"/>
+              </a:ext>
+            </a:extLst>
+          </p:cNvPr>
+          <p:cNvCxnSpPr>
+            <a:cxnSpLocks/>
+          </p:cNvCxnSpPr>
+          <p:nvPr/>
+        </p:nvCxnSpPr>
+        <p:spPr>
+          <a:xfrm>
+            <a:off x="6413462" y="2587832"/>
+            <a:ext cx="835330" cy="0"/>
+          </a:xfrm>
+          <a:prstGeom prst="line">
+            <a:avLst/>
+          </a:prstGeom>
+          <a:ln w="28575"/>
+        </p:spPr>
+        <p:style>
+          <a:lnRef idx="1">
+            <a:schemeClr val="dk1"/>
+          </a:lnRef>
+          <a:fillRef idx="0">
+            <a:schemeClr val="dk1"/>
+          </a:fillRef>
+          <a:effectRef idx="0">
+            <a:schemeClr val="dk1"/>
+          </a:effectRef>
+          <a:fontRef idx="minor">
+            <a:schemeClr val="tx1"/>
+          </a:fontRef>
+        </p:style>
+      </p:cxnSp>
+      <p:cxnSp>
+        <p:nvCxnSpPr>
+          <p:cNvPr id="117" name="Straight Connector 116">
+            <a:extLst>
+              <a:ext uri="{FF2B5EF4-FFF2-40B4-BE49-F238E27FC236}">
+                <a16:creationId xmlns:a16="http://schemas.microsoft.com/office/drawing/2014/main" id="{1DE99CC0-9744-ED42-AEAB-15E4C2584FDA}"/>
+              </a:ext>
+            </a:extLst>
+          </p:cNvPr>
+          <p:cNvCxnSpPr>
+            <a:cxnSpLocks/>
+          </p:cNvCxnSpPr>
+          <p:nvPr/>
+        </p:nvCxnSpPr>
+        <p:spPr>
+          <a:xfrm>
+            <a:off x="7258011" y="1283485"/>
+            <a:ext cx="823856" cy="0"/>
+          </a:xfrm>
+          <a:prstGeom prst="line">
+            <a:avLst/>
+          </a:prstGeom>
+          <a:ln w="28575"/>
+        </p:spPr>
+        <p:style>
+          <a:lnRef idx="1">
+            <a:schemeClr val="dk1"/>
+          </a:lnRef>
+          <a:fillRef idx="0">
+            <a:schemeClr val="dk1"/>
+          </a:fillRef>
+          <a:effectRef idx="0">
+            <a:schemeClr val="dk1"/>
+          </a:effectRef>
+          <a:fontRef idx="minor">
+            <a:schemeClr val="tx1"/>
+          </a:fontRef>
+        </p:style>
+      </p:cxnSp>
+      <p:cxnSp>
+        <p:nvCxnSpPr>
+          <p:cNvPr id="118" name="Straight Connector 117">
+            <a:extLst>
+              <a:ext uri="{FF2B5EF4-FFF2-40B4-BE49-F238E27FC236}">
+                <a16:creationId xmlns:a16="http://schemas.microsoft.com/office/drawing/2014/main" id="{A6D58867-F3E1-D745-A2B8-005FDD529C7D}"/>
+              </a:ext>
+            </a:extLst>
+          </p:cNvPr>
+          <p:cNvCxnSpPr>
+            <a:cxnSpLocks/>
+          </p:cNvCxnSpPr>
+          <p:nvPr/>
+        </p:nvCxnSpPr>
+        <p:spPr>
+          <a:xfrm>
+            <a:off x="8081867" y="1080762"/>
+            <a:ext cx="0" cy="1610033"/>
+          </a:xfrm>
+          <a:prstGeom prst="line">
+            <a:avLst/>
+          </a:prstGeom>
+          <a:ln>
+            <a:prstDash val="dash"/>
+          </a:ln>
+        </p:spPr>
+        <p:style>
+          <a:lnRef idx="1">
+            <a:schemeClr val="dk1"/>
+          </a:lnRef>
+          <a:fillRef idx="0">
+            <a:schemeClr val="dk1"/>
+          </a:fillRef>
+          <a:effectRef idx="0">
+            <a:schemeClr val="dk1"/>
+          </a:effectRef>
+          <a:fontRef idx="minor">
+            <a:schemeClr val="tx1"/>
+          </a:fontRef>
+        </p:style>
+      </p:cxnSp>
+      <p:cxnSp>
+        <p:nvCxnSpPr>
+          <p:cNvPr id="120" name="Straight Connector 119">
+            <a:extLst>
+              <a:ext uri="{FF2B5EF4-FFF2-40B4-BE49-F238E27FC236}">
+                <a16:creationId xmlns:a16="http://schemas.microsoft.com/office/drawing/2014/main" id="{C89607BF-98D4-8643-89D7-E2410A8E237E}"/>
+              </a:ext>
+            </a:extLst>
+          </p:cNvPr>
+          <p:cNvCxnSpPr>
+            <a:cxnSpLocks/>
+          </p:cNvCxnSpPr>
+          <p:nvPr/>
+        </p:nvCxnSpPr>
+        <p:spPr>
+          <a:xfrm>
+            <a:off x="8081867" y="1697142"/>
+            <a:ext cx="871743" cy="0"/>
+          </a:xfrm>
+          <a:prstGeom prst="line">
+            <a:avLst/>
+          </a:prstGeom>
+          <a:ln w="28575"/>
+        </p:spPr>
+        <p:style>
+          <a:lnRef idx="1">
+            <a:schemeClr val="dk1"/>
+          </a:lnRef>
+          <a:fillRef idx="0">
+            <a:schemeClr val="dk1"/>
+          </a:fillRef>
+          <a:effectRef idx="0">
+            <a:schemeClr val="dk1"/>
+          </a:effectRef>
+          <a:fontRef idx="minor">
+            <a:schemeClr val="tx1"/>
+          </a:fontRef>
+        </p:style>
+      </p:cxnSp>
+      <p:cxnSp>
+        <p:nvCxnSpPr>
+          <p:cNvPr id="121" name="Straight Connector 120">
+            <a:extLst>
+              <a:ext uri="{FF2B5EF4-FFF2-40B4-BE49-F238E27FC236}">
+                <a16:creationId xmlns:a16="http://schemas.microsoft.com/office/drawing/2014/main" id="{BDE41316-7069-E240-991B-FD692134D904}"/>
+              </a:ext>
+            </a:extLst>
+          </p:cNvPr>
+          <p:cNvCxnSpPr>
+            <a:cxnSpLocks/>
+          </p:cNvCxnSpPr>
+          <p:nvPr/>
+        </p:nvCxnSpPr>
+        <p:spPr>
+          <a:xfrm>
+            <a:off x="8919648" y="1051856"/>
+            <a:ext cx="0" cy="1610033"/>
+          </a:xfrm>
+          <a:prstGeom prst="line">
+            <a:avLst/>
+          </a:prstGeom>
+          <a:ln>
+            <a:prstDash val="dash"/>
+          </a:ln>
+        </p:spPr>
+        <p:style>
+          <a:lnRef idx="1">
+            <a:schemeClr val="dk1"/>
+          </a:lnRef>
+          <a:fillRef idx="0">
+            <a:schemeClr val="dk1"/>
+          </a:fillRef>
+          <a:effectRef idx="0">
+            <a:schemeClr val="dk1"/>
+          </a:effectRef>
+          <a:fontRef idx="minor">
+            <a:schemeClr val="tx1"/>
+          </a:fontRef>
+        </p:style>
+      </p:cxnSp>
+      <p:cxnSp>
+        <p:nvCxnSpPr>
+          <p:cNvPr id="123" name="Straight Connector 122">
+            <a:extLst>
+              <a:ext uri="{FF2B5EF4-FFF2-40B4-BE49-F238E27FC236}">
+                <a16:creationId xmlns:a16="http://schemas.microsoft.com/office/drawing/2014/main" id="{DA9F2639-0953-E947-A91C-A20521B36E18}"/>
+              </a:ext>
+            </a:extLst>
+          </p:cNvPr>
+          <p:cNvCxnSpPr>
+            <a:cxnSpLocks/>
+          </p:cNvCxnSpPr>
+          <p:nvPr/>
+        </p:nvCxnSpPr>
+        <p:spPr>
+          <a:xfrm>
+            <a:off x="8919648" y="2151620"/>
+            <a:ext cx="871743" cy="0"/>
+          </a:xfrm>
+          <a:prstGeom prst="line">
+            <a:avLst/>
+          </a:prstGeom>
+          <a:ln w="28575"/>
+        </p:spPr>
+        <p:style>
+          <a:lnRef idx="1">
+            <a:schemeClr val="dk1"/>
+          </a:lnRef>
+          <a:fillRef idx="0">
+            <a:schemeClr val="dk1"/>
+          </a:fillRef>
+          <a:effectRef idx="0">
+            <a:schemeClr val="dk1"/>
+          </a:effectRef>
+          <a:fontRef idx="minor">
+            <a:schemeClr val="tx1"/>
+          </a:fontRef>
+        </p:style>
+      </p:cxnSp>
+      <p:cxnSp>
+        <p:nvCxnSpPr>
+          <p:cNvPr id="124" name="Straight Connector 123">
+            <a:extLst>
+              <a:ext uri="{FF2B5EF4-FFF2-40B4-BE49-F238E27FC236}">
+                <a16:creationId xmlns:a16="http://schemas.microsoft.com/office/drawing/2014/main" id="{CDAD2207-C4C9-A448-A4BB-6DDA6D8815BA}"/>
+              </a:ext>
+            </a:extLst>
+          </p:cNvPr>
+          <p:cNvCxnSpPr>
+            <a:cxnSpLocks/>
+          </p:cNvCxnSpPr>
+          <p:nvPr/>
+        </p:nvCxnSpPr>
+        <p:spPr>
+          <a:xfrm>
+            <a:off x="9784757" y="1096425"/>
+            <a:ext cx="0" cy="1610033"/>
+          </a:xfrm>
+          <a:prstGeom prst="line">
+            <a:avLst/>
+          </a:prstGeom>
+          <a:ln>
+            <a:prstDash val="dash"/>
+          </a:ln>
+        </p:spPr>
+        <p:style>
+          <a:lnRef idx="1">
+            <a:schemeClr val="dk1"/>
+          </a:lnRef>
+          <a:fillRef idx="0">
+            <a:schemeClr val="dk1"/>
+          </a:fillRef>
+          <a:effectRef idx="0">
+            <a:schemeClr val="dk1"/>
+          </a:effectRef>
+          <a:fontRef idx="minor">
+            <a:schemeClr val="tx1"/>
+          </a:fontRef>
+        </p:style>
+      </p:cxnSp>
+      <p:pic>
+        <p:nvPicPr>
+          <p:cNvPr id="128" name="Picture 127">
+            <a:extLst>
+              <a:ext uri="{FF2B5EF4-FFF2-40B4-BE49-F238E27FC236}">
+                <a16:creationId xmlns:a16="http://schemas.microsoft.com/office/drawing/2014/main" id="{628CC6CB-0D53-E944-9D81-CF63BE7BEEF1}"/>
+              </a:ext>
+            </a:extLst>
+          </p:cNvPr>
+          <p:cNvPicPr>
+            <a:picLocks noChangeAspect="1"/>
+          </p:cNvPicPr>
+          <p:nvPr/>
+        </p:nvPicPr>
+        <p:blipFill>
+          <a:blip r:embed="rId5"/>
+          <a:stretch>
+            <a:fillRect/>
+          </a:stretch>
+        </p:blipFill>
+        <p:spPr>
+          <a:xfrm>
+            <a:off x="9784757" y="2843024"/>
+            <a:ext cx="586085" cy="586085"/>
+          </a:xfrm>
+          <a:prstGeom prst="rect">
+            <a:avLst/>
+          </a:prstGeom>
+        </p:spPr>
+      </p:pic>
+      <p:sp>
+        <p:nvSpPr>
+          <p:cNvPr id="134" name="Rectangle 133">
+            <a:extLst>
+              <a:ext uri="{FF2B5EF4-FFF2-40B4-BE49-F238E27FC236}">
+                <a16:creationId xmlns:a16="http://schemas.microsoft.com/office/drawing/2014/main" id="{D13CBED5-69AF-4545-AA31-5BE24812089A}"/>
+              </a:ext>
+            </a:extLst>
+          </p:cNvPr>
+          <p:cNvSpPr/>
+          <p:nvPr/>
+        </p:nvSpPr>
+        <p:spPr>
+          <a:xfrm>
+            <a:off x="3794825" y="377616"/>
+            <a:ext cx="167991" cy="125929"/>
+          </a:xfrm>
+          <a:prstGeom prst="rect">
+            <a:avLst/>
+          </a:prstGeom>
+          <a:ln>
+            <a:noFill/>
+          </a:ln>
+        </p:spPr>
+        <p:style>
+          <a:lnRef idx="2">
+            <a:schemeClr val="accent6"/>
+          </a:lnRef>
+          <a:fillRef idx="1">
+            <a:schemeClr val="lt1"/>
+          </a:fillRef>
+          <a:effectRef idx="0">
+            <a:schemeClr val="accent6"/>
+          </a:effectRef>
+          <a:fontRef idx="minor">
+            <a:schemeClr val="dk1"/>
+          </a:fontRef>
+        </p:style>
+        <p:txBody>
+          <a:bodyPr rtlCol="0" anchor="ctr"/>
+          <a:lstStyle/>
+          <a:p>
+            <a:pPr algn="ctr"/>
+            <a:endParaRPr lang="en-CO"/>
+          </a:p>
+        </p:txBody>
+      </p:sp>
+      <p:pic>
+        <p:nvPicPr>
+          <p:cNvPr id="137" name="Picture 136">
+            <a:extLst>
+              <a:ext uri="{FF2B5EF4-FFF2-40B4-BE49-F238E27FC236}">
+                <a16:creationId xmlns:a16="http://schemas.microsoft.com/office/drawing/2014/main" id="{FFB860F1-8F5A-0043-B79A-0E6062EA7813}"/>
+              </a:ext>
+            </a:extLst>
+          </p:cNvPr>
+          <p:cNvPicPr>
+            <a:picLocks noChangeAspect="1"/>
+          </p:cNvPicPr>
+          <p:nvPr/>
+        </p:nvPicPr>
+        <p:blipFill>
+          <a:blip r:embed="rId6"/>
+          <a:stretch>
+            <a:fillRect/>
+          </a:stretch>
+        </p:blipFill>
+        <p:spPr>
+          <a:xfrm>
+            <a:off x="2930874" y="420889"/>
+            <a:ext cx="468000" cy="468000"/>
+          </a:xfrm>
+          <a:prstGeom prst="rect">
+            <a:avLst/>
+          </a:prstGeom>
+        </p:spPr>
+      </p:pic>
+      <p:grpSp>
+        <p:nvGrpSpPr>
+          <p:cNvPr id="139" name="Group 138">
+            <a:extLst>
+              <a:ext uri="{FF2B5EF4-FFF2-40B4-BE49-F238E27FC236}">
+                <a16:creationId xmlns:a16="http://schemas.microsoft.com/office/drawing/2014/main" id="{E4153E9A-DCC6-0740-88B2-EC4E73BEC958}"/>
+              </a:ext>
+            </a:extLst>
+          </p:cNvPr>
+          <p:cNvGrpSpPr>
+            <a:grpSpLocks noChangeAspect="1"/>
+          </p:cNvGrpSpPr>
+          <p:nvPr/>
+        </p:nvGrpSpPr>
+        <p:grpSpPr>
+          <a:xfrm>
+            <a:off x="3684510" y="419708"/>
+            <a:ext cx="468000" cy="468000"/>
+            <a:chOff x="551636" y="2758642"/>
+            <a:chExt cx="720000" cy="720000"/>
+          </a:xfrm>
+        </p:grpSpPr>
+        <p:pic>
+          <p:nvPicPr>
+            <p:cNvPr id="140" name="Picture 139">
+              <a:extLst>
+                <a:ext uri="{FF2B5EF4-FFF2-40B4-BE49-F238E27FC236}">
+                  <a16:creationId xmlns:a16="http://schemas.microsoft.com/office/drawing/2014/main" id="{6F7E425C-969B-2249-8698-6434F13DBA3C}"/>
+                </a:ext>
+              </a:extLst>
+            </p:cNvPr>
+            <p:cNvPicPr>
+              <a:picLocks noChangeAspect="1"/>
+            </p:cNvPicPr>
+            <p:nvPr/>
+          </p:nvPicPr>
+          <p:blipFill>
+            <a:blip r:embed="rId6"/>
+            <a:stretch>
+              <a:fillRect/>
+            </a:stretch>
+          </p:blipFill>
+          <p:spPr>
+            <a:xfrm>
+              <a:off x="551636" y="2758642"/>
+              <a:ext cx="720000" cy="720000"/>
+            </a:xfrm>
+            <a:prstGeom prst="rect">
+              <a:avLst/>
+            </a:prstGeom>
+          </p:spPr>
+        </p:pic>
+        <p:sp>
+          <p:nvSpPr>
+            <p:cNvPr id="141" name="Rectangle 140">
+              <a:extLst>
+                <a:ext uri="{FF2B5EF4-FFF2-40B4-BE49-F238E27FC236}">
+                  <a16:creationId xmlns:a16="http://schemas.microsoft.com/office/drawing/2014/main" id="{481BA16D-BEFA-7243-B213-39550B52F6CD}"/>
+                </a:ext>
+              </a:extLst>
+            </p:cNvPr>
+            <p:cNvSpPr/>
+            <p:nvPr/>
+          </p:nvSpPr>
+          <p:spPr>
+            <a:xfrm>
+              <a:off x="728730" y="2758642"/>
+              <a:ext cx="310403" cy="145789"/>
+            </a:xfrm>
+            <a:prstGeom prst="rect">
+              <a:avLst/>
+            </a:prstGeom>
+            <a:ln>
+              <a:noFill/>
+            </a:ln>
+          </p:spPr>
+          <p:style>
+            <a:lnRef idx="2">
+              <a:schemeClr val="accent6"/>
+            </a:lnRef>
+            <a:fillRef idx="1">
+              <a:schemeClr val="lt1"/>
+            </a:fillRef>
+            <a:effectRef idx="0">
+              <a:schemeClr val="accent6"/>
+            </a:effectRef>
+            <a:fontRef idx="minor">
+              <a:schemeClr val="dk1"/>
+            </a:fontRef>
+          </p:style>
+          <p:txBody>
+            <a:bodyPr rtlCol="0" anchor="ctr"/>
+            <a:lstStyle/>
+            <a:p>
+              <a:pPr algn="ctr"/>
+              <a:endParaRPr lang="en-CO"/>
+            </a:p>
+          </p:txBody>
+        </p:sp>
+      </p:grpSp>
+      <p:grpSp>
+        <p:nvGrpSpPr>
+          <p:cNvPr id="142" name="Group 141">
+            <a:extLst>
+              <a:ext uri="{FF2B5EF4-FFF2-40B4-BE49-F238E27FC236}">
+                <a16:creationId xmlns:a16="http://schemas.microsoft.com/office/drawing/2014/main" id="{023B098F-D81F-7140-9AC1-45F90C5923E7}"/>
+              </a:ext>
+            </a:extLst>
+          </p:cNvPr>
+          <p:cNvGrpSpPr>
+            <a:grpSpLocks noChangeAspect="1"/>
+          </p:cNvGrpSpPr>
+          <p:nvPr/>
+        </p:nvGrpSpPr>
+        <p:grpSpPr>
+          <a:xfrm>
+            <a:off x="4516036" y="384746"/>
+            <a:ext cx="468000" cy="506910"/>
+            <a:chOff x="551636" y="2698780"/>
+            <a:chExt cx="720000" cy="779862"/>
+          </a:xfrm>
+        </p:grpSpPr>
+        <p:pic>
+          <p:nvPicPr>
+            <p:cNvPr id="143" name="Picture 142">
+              <a:extLst>
+                <a:ext uri="{FF2B5EF4-FFF2-40B4-BE49-F238E27FC236}">
+                  <a16:creationId xmlns:a16="http://schemas.microsoft.com/office/drawing/2014/main" id="{5CA1D1EF-8AA0-C345-991D-656833A2DC5C}"/>
+                </a:ext>
+              </a:extLst>
+            </p:cNvPr>
+            <p:cNvPicPr>
+              <a:picLocks noChangeAspect="1"/>
+            </p:cNvPicPr>
+            <p:nvPr/>
+          </p:nvPicPr>
+          <p:blipFill>
+            <a:blip r:embed="rId6"/>
+            <a:stretch>
+              <a:fillRect/>
+            </a:stretch>
+          </p:blipFill>
+          <p:spPr>
+            <a:xfrm>
+              <a:off x="551636" y="2758642"/>
+              <a:ext cx="720000" cy="720000"/>
+            </a:xfrm>
+            <a:prstGeom prst="rect">
+              <a:avLst/>
+            </a:prstGeom>
+          </p:spPr>
+        </p:pic>
+        <p:sp>
+          <p:nvSpPr>
+            <p:cNvPr id="144" name="Rectangle 143">
+              <a:extLst>
+                <a:ext uri="{FF2B5EF4-FFF2-40B4-BE49-F238E27FC236}">
+                  <a16:creationId xmlns:a16="http://schemas.microsoft.com/office/drawing/2014/main" id="{6CA84472-F691-1247-957C-17955BC6EB50}"/>
+                </a:ext>
+              </a:extLst>
+            </p:cNvPr>
+            <p:cNvSpPr/>
+            <p:nvPr/>
+          </p:nvSpPr>
+          <p:spPr>
+            <a:xfrm>
+              <a:off x="551636" y="2698780"/>
+              <a:ext cx="487497" cy="197148"/>
+            </a:xfrm>
+            <a:prstGeom prst="rect">
+              <a:avLst/>
+            </a:prstGeom>
+            <a:ln>
+              <a:noFill/>
+            </a:ln>
+          </p:spPr>
+          <p:style>
+            <a:lnRef idx="2">
+              <a:schemeClr val="accent6"/>
+            </a:lnRef>
+            <a:fillRef idx="1">
+              <a:schemeClr val="lt1"/>
+            </a:fillRef>
+            <a:effectRef idx="0">
+              <a:schemeClr val="accent6"/>
+            </a:effectRef>
+            <a:fontRef idx="minor">
+              <a:schemeClr val="dk1"/>
+            </a:fontRef>
+          </p:style>
+          <p:txBody>
+            <a:bodyPr rtlCol="0" anchor="ctr"/>
+            <a:lstStyle/>
+            <a:p>
+              <a:pPr algn="ctr"/>
+              <a:endParaRPr lang="en-CO"/>
+            </a:p>
+          </p:txBody>
+        </p:sp>
+      </p:grpSp>
+      <p:grpSp>
+        <p:nvGrpSpPr>
+          <p:cNvPr id="152" name="Group 151">
+            <a:extLst>
+              <a:ext uri="{FF2B5EF4-FFF2-40B4-BE49-F238E27FC236}">
+                <a16:creationId xmlns:a16="http://schemas.microsoft.com/office/drawing/2014/main" id="{E871064D-9B4B-3D48-9216-1757CF7DDA81}"/>
+              </a:ext>
+            </a:extLst>
+          </p:cNvPr>
+          <p:cNvGrpSpPr/>
+          <p:nvPr/>
+        </p:nvGrpSpPr>
+        <p:grpSpPr>
+          <a:xfrm>
+            <a:off x="5650556" y="379590"/>
+            <a:ext cx="468000" cy="506910"/>
+            <a:chOff x="5650556" y="379590"/>
+            <a:chExt cx="468000" cy="506910"/>
+          </a:xfrm>
+        </p:grpSpPr>
+        <p:grpSp>
+          <p:nvGrpSpPr>
+            <p:cNvPr id="145" name="Group 144">
+              <a:extLst>
+                <a:ext uri="{FF2B5EF4-FFF2-40B4-BE49-F238E27FC236}">
+                  <a16:creationId xmlns:a16="http://schemas.microsoft.com/office/drawing/2014/main" id="{2D4761DC-0E8F-AE4A-A25B-8DAD1847A4AF}"/>
+                </a:ext>
+              </a:extLst>
+            </p:cNvPr>
+            <p:cNvGrpSpPr>
+              <a:grpSpLocks noChangeAspect="1"/>
+            </p:cNvGrpSpPr>
+            <p:nvPr/>
+          </p:nvGrpSpPr>
+          <p:grpSpPr>
+            <a:xfrm>
+              <a:off x="5650556" y="379590"/>
+              <a:ext cx="468000" cy="506910"/>
+              <a:chOff x="551636" y="2698780"/>
+              <a:chExt cx="720000" cy="779862"/>
+            </a:xfrm>
+          </p:grpSpPr>
+          <p:pic>
+            <p:nvPicPr>
+              <p:cNvPr id="146" name="Picture 145">
+                <a:extLst>
+                  <a:ext uri="{FF2B5EF4-FFF2-40B4-BE49-F238E27FC236}">
+                    <a16:creationId xmlns:a16="http://schemas.microsoft.com/office/drawing/2014/main" id="{D9EF28DC-010C-7E4A-9A10-D340C06A6E2A}"/>
+                  </a:ext>
+                </a:extLst>
+              </p:cNvPr>
+              <p:cNvPicPr>
+                <a:picLocks noChangeAspect="1"/>
+              </p:cNvPicPr>
+              <p:nvPr/>
+            </p:nvPicPr>
+            <p:blipFill>
+              <a:blip r:embed="rId6"/>
+              <a:stretch>
+                <a:fillRect/>
+              </a:stretch>
+            </p:blipFill>
+            <p:spPr>
+              <a:xfrm>
+                <a:off x="551636" y="2758642"/>
+                <a:ext cx="720000" cy="720000"/>
+              </a:xfrm>
+              <a:prstGeom prst="rect">
+                <a:avLst/>
+              </a:prstGeom>
+            </p:spPr>
+          </p:pic>
+          <p:sp>
+            <p:nvSpPr>
+              <p:cNvPr id="147" name="Rectangle 146">
+                <a:extLst>
+                  <a:ext uri="{FF2B5EF4-FFF2-40B4-BE49-F238E27FC236}">
+                    <a16:creationId xmlns:a16="http://schemas.microsoft.com/office/drawing/2014/main" id="{40589708-8274-D64A-A930-38E1E99849DA}"/>
+                  </a:ext>
+                </a:extLst>
+              </p:cNvPr>
+              <p:cNvSpPr/>
+              <p:nvPr/>
+            </p:nvSpPr>
+            <p:spPr>
+              <a:xfrm>
+                <a:off x="551636" y="2698780"/>
+                <a:ext cx="487497" cy="197148"/>
+              </a:xfrm>
+              <a:prstGeom prst="rect">
+                <a:avLst/>
+              </a:prstGeom>
+              <a:ln>
+                <a:noFill/>
+              </a:ln>
+            </p:spPr>
+            <p:style>
+              <a:lnRef idx="2">
+                <a:schemeClr val="accent6"/>
+              </a:lnRef>
+              <a:fillRef idx="1">
+                <a:schemeClr val="lt1"/>
+              </a:fillRef>
+              <a:effectRef idx="0">
+                <a:schemeClr val="accent6"/>
+              </a:effectRef>
+              <a:fontRef idx="minor">
+                <a:schemeClr val="dk1"/>
+              </a:fontRef>
+            </p:style>
+            <p:txBody>
+              <a:bodyPr rtlCol="0" anchor="ctr"/>
+              <a:lstStyle/>
+              <a:p>
+                <a:pPr algn="ctr"/>
+                <a:endParaRPr lang="en-CO"/>
+              </a:p>
+            </p:txBody>
+          </p:sp>
+        </p:grpSp>
+        <p:sp>
+          <p:nvSpPr>
+            <p:cNvPr id="148" name="Rectangle 147">
+              <a:extLst>
+                <a:ext uri="{FF2B5EF4-FFF2-40B4-BE49-F238E27FC236}">
+                  <a16:creationId xmlns:a16="http://schemas.microsoft.com/office/drawing/2014/main" id="{4C012521-3731-CB47-97AC-25D6D418B16F}"/>
+                </a:ext>
+              </a:extLst>
+            </p:cNvPr>
+            <p:cNvSpPr/>
+            <p:nvPr/>
+          </p:nvSpPr>
+          <p:spPr>
+            <a:xfrm>
+              <a:off x="5763075" y="491387"/>
+              <a:ext cx="173539" cy="128146"/>
+            </a:xfrm>
+            <a:prstGeom prst="rect">
+              <a:avLst/>
+            </a:prstGeom>
+            <a:ln>
+              <a:noFill/>
+            </a:ln>
+          </p:spPr>
+          <p:style>
+            <a:lnRef idx="2">
+              <a:schemeClr val="accent6"/>
+            </a:lnRef>
+            <a:fillRef idx="1">
+              <a:schemeClr val="lt1"/>
+            </a:fillRef>
+            <a:effectRef idx="0">
+              <a:schemeClr val="accent6"/>
+            </a:effectRef>
+            <a:fontRef idx="minor">
+              <a:schemeClr val="dk1"/>
+            </a:fontRef>
+          </p:style>
+          <p:txBody>
+            <a:bodyPr rtlCol="0" anchor="ctr"/>
+            <a:lstStyle/>
+            <a:p>
+              <a:pPr algn="ctr"/>
+              <a:endParaRPr lang="en-CO"/>
+            </a:p>
+          </p:txBody>
+        </p:sp>
+      </p:grpSp>
+      <p:grpSp>
+        <p:nvGrpSpPr>
+          <p:cNvPr id="153" name="Group 152">
+            <a:extLst>
+              <a:ext uri="{FF2B5EF4-FFF2-40B4-BE49-F238E27FC236}">
+                <a16:creationId xmlns:a16="http://schemas.microsoft.com/office/drawing/2014/main" id="{E6456473-51E7-D145-8D16-66ABB776353F}"/>
+              </a:ext>
+            </a:extLst>
+          </p:cNvPr>
+          <p:cNvGrpSpPr/>
+          <p:nvPr/>
+        </p:nvGrpSpPr>
+        <p:grpSpPr>
+          <a:xfrm>
+            <a:off x="6207404" y="379588"/>
+            <a:ext cx="468000" cy="506911"/>
+            <a:chOff x="5650556" y="379588"/>
+            <a:chExt cx="468000" cy="506911"/>
+          </a:xfrm>
+        </p:grpSpPr>
+        <p:grpSp>
+          <p:nvGrpSpPr>
+            <p:cNvPr id="154" name="Group 153">
+              <a:extLst>
+                <a:ext uri="{FF2B5EF4-FFF2-40B4-BE49-F238E27FC236}">
+                  <a16:creationId xmlns:a16="http://schemas.microsoft.com/office/drawing/2014/main" id="{08671880-F48E-C44C-83A1-5D364E8CA733}"/>
+                </a:ext>
+              </a:extLst>
+            </p:cNvPr>
+            <p:cNvGrpSpPr>
+              <a:grpSpLocks noChangeAspect="1"/>
+            </p:cNvGrpSpPr>
+            <p:nvPr/>
+          </p:nvGrpSpPr>
+          <p:grpSpPr>
+            <a:xfrm>
+              <a:off x="5650556" y="379588"/>
+              <a:ext cx="468000" cy="506911"/>
+              <a:chOff x="551636" y="2698778"/>
+              <a:chExt cx="720000" cy="779864"/>
+            </a:xfrm>
+          </p:grpSpPr>
+          <p:pic>
+            <p:nvPicPr>
+              <p:cNvPr id="156" name="Picture 155">
+                <a:extLst>
+                  <a:ext uri="{FF2B5EF4-FFF2-40B4-BE49-F238E27FC236}">
+                    <a16:creationId xmlns:a16="http://schemas.microsoft.com/office/drawing/2014/main" id="{B39E2BC9-32B4-1043-91E6-BD626BBD579B}"/>
+                  </a:ext>
+                </a:extLst>
+              </p:cNvPr>
+              <p:cNvPicPr>
+                <a:picLocks noChangeAspect="1"/>
+              </p:cNvPicPr>
+              <p:nvPr/>
+            </p:nvPicPr>
+            <p:blipFill>
+              <a:blip r:embed="rId6"/>
+              <a:stretch>
+                <a:fillRect/>
+              </a:stretch>
+            </p:blipFill>
+            <p:spPr>
+              <a:xfrm>
+                <a:off x="551636" y="2758642"/>
+                <a:ext cx="720000" cy="720000"/>
+              </a:xfrm>
+              <a:prstGeom prst="rect">
+                <a:avLst/>
+              </a:prstGeom>
+            </p:spPr>
+          </p:pic>
+          <p:sp>
+            <p:nvSpPr>
+              <p:cNvPr id="157" name="Rectangle 156">
+                <a:extLst>
+                  <a:ext uri="{FF2B5EF4-FFF2-40B4-BE49-F238E27FC236}">
+                    <a16:creationId xmlns:a16="http://schemas.microsoft.com/office/drawing/2014/main" id="{D50A006D-B023-474B-B2C9-BBC6F1A113B1}"/>
+                  </a:ext>
+                </a:extLst>
+              </p:cNvPr>
+              <p:cNvSpPr/>
+              <p:nvPr/>
+            </p:nvSpPr>
+            <p:spPr>
+              <a:xfrm>
+                <a:off x="588053" y="2698778"/>
+                <a:ext cx="403672" cy="369144"/>
+              </a:xfrm>
+              <a:prstGeom prst="rect">
+                <a:avLst/>
+              </a:prstGeom>
+              <a:ln>
+                <a:noFill/>
+              </a:ln>
+            </p:spPr>
+            <p:style>
+              <a:lnRef idx="2">
+                <a:schemeClr val="accent6"/>
+              </a:lnRef>
+              <a:fillRef idx="1">
+                <a:schemeClr val="lt1"/>
+              </a:fillRef>
+              <a:effectRef idx="0">
+                <a:schemeClr val="accent6"/>
+              </a:effectRef>
+              <a:fontRef idx="minor">
+                <a:schemeClr val="dk1"/>
+              </a:fontRef>
+            </p:style>
+            <p:txBody>
+              <a:bodyPr rtlCol="0" anchor="ctr"/>
+              <a:lstStyle/>
+              <a:p>
+                <a:pPr algn="ctr"/>
+                <a:endParaRPr lang="en-CO"/>
+              </a:p>
+            </p:txBody>
+          </p:sp>
+        </p:grpSp>
+        <p:sp>
+          <p:nvSpPr>
+            <p:cNvPr id="155" name="Rectangle 154">
+              <a:extLst>
+                <a:ext uri="{FF2B5EF4-FFF2-40B4-BE49-F238E27FC236}">
+                  <a16:creationId xmlns:a16="http://schemas.microsoft.com/office/drawing/2014/main" id="{2A2B5528-E158-E545-863E-B1959FB6F9DB}"/>
+                </a:ext>
+              </a:extLst>
+            </p:cNvPr>
+            <p:cNvSpPr/>
+            <p:nvPr/>
+          </p:nvSpPr>
+          <p:spPr>
+            <a:xfrm>
+              <a:off x="5766580" y="491386"/>
+              <a:ext cx="170034" cy="236435"/>
+            </a:xfrm>
+            <a:prstGeom prst="rect">
+              <a:avLst/>
+            </a:prstGeom>
+            <a:ln>
+              <a:noFill/>
+            </a:ln>
+          </p:spPr>
+          <p:style>
+            <a:lnRef idx="2">
+              <a:schemeClr val="accent6"/>
+            </a:lnRef>
+            <a:fillRef idx="1">
+              <a:schemeClr val="lt1"/>
+            </a:fillRef>
+            <a:effectRef idx="0">
+              <a:schemeClr val="accent6"/>
+            </a:effectRef>
+            <a:fontRef idx="minor">
+              <a:schemeClr val="dk1"/>
+            </a:fontRef>
+          </p:style>
+          <p:txBody>
+            <a:bodyPr rtlCol="0" anchor="ctr"/>
+            <a:lstStyle/>
+            <a:p>
+              <a:pPr algn="ctr"/>
+              <a:endParaRPr lang="en-CO"/>
+            </a:p>
+          </p:txBody>
+        </p:sp>
+      </p:grpSp>
+      <p:pic>
+        <p:nvPicPr>
+          <p:cNvPr id="158" name="Picture 157">
+            <a:extLst>
+              <a:ext uri="{FF2B5EF4-FFF2-40B4-BE49-F238E27FC236}">
+                <a16:creationId xmlns:a16="http://schemas.microsoft.com/office/drawing/2014/main" id="{8724A3F3-D389-0F42-A4F8-FEF9A4E4D8FB}"/>
+              </a:ext>
+            </a:extLst>
+          </p:cNvPr>
+          <p:cNvPicPr>
+            <a:picLocks noChangeAspect="1"/>
+          </p:cNvPicPr>
+          <p:nvPr/>
+        </p:nvPicPr>
+        <p:blipFill>
+          <a:blip r:embed="rId6"/>
+          <a:stretch>
+            <a:fillRect/>
+          </a:stretch>
+        </p:blipFill>
+        <p:spPr>
+          <a:xfrm>
+            <a:off x="7009190" y="416258"/>
+            <a:ext cx="468000" cy="468000"/>
+          </a:xfrm>
+          <a:prstGeom prst="rect">
+            <a:avLst/>
+          </a:prstGeom>
+        </p:spPr>
+      </p:pic>
+      <p:grpSp>
+        <p:nvGrpSpPr>
+          <p:cNvPr id="159" name="Group 158">
+            <a:extLst>
+              <a:ext uri="{FF2B5EF4-FFF2-40B4-BE49-F238E27FC236}">
+                <a16:creationId xmlns:a16="http://schemas.microsoft.com/office/drawing/2014/main" id="{D964F488-6D21-194A-A40B-5B02736D7812}"/>
+              </a:ext>
+            </a:extLst>
+          </p:cNvPr>
+          <p:cNvGrpSpPr>
+            <a:grpSpLocks noChangeAspect="1"/>
+          </p:cNvGrpSpPr>
+          <p:nvPr/>
+        </p:nvGrpSpPr>
+        <p:grpSpPr>
+          <a:xfrm>
+            <a:off x="7847867" y="412639"/>
+            <a:ext cx="468000" cy="468000"/>
+            <a:chOff x="551636" y="2758642"/>
+            <a:chExt cx="720000" cy="720000"/>
+          </a:xfrm>
+        </p:grpSpPr>
+        <p:pic>
+          <p:nvPicPr>
+            <p:cNvPr id="160" name="Picture 159">
+              <a:extLst>
+                <a:ext uri="{FF2B5EF4-FFF2-40B4-BE49-F238E27FC236}">
+                  <a16:creationId xmlns:a16="http://schemas.microsoft.com/office/drawing/2014/main" id="{34DDF6A4-D9CB-4247-A9F7-D81C5FAA563D}"/>
+                </a:ext>
+              </a:extLst>
+            </p:cNvPr>
+            <p:cNvPicPr>
+              <a:picLocks noChangeAspect="1"/>
+            </p:cNvPicPr>
+            <p:nvPr/>
+          </p:nvPicPr>
+          <p:blipFill>
+            <a:blip r:embed="rId6"/>
+            <a:stretch>
+              <a:fillRect/>
+            </a:stretch>
+          </p:blipFill>
+          <p:spPr>
+            <a:xfrm>
+              <a:off x="551636" y="2758642"/>
+              <a:ext cx="720000" cy="720000"/>
+            </a:xfrm>
+            <a:prstGeom prst="rect">
+              <a:avLst/>
+            </a:prstGeom>
+          </p:spPr>
+        </p:pic>
+        <p:sp>
+          <p:nvSpPr>
+            <p:cNvPr id="161" name="Rectangle 160">
+              <a:extLst>
+                <a:ext uri="{FF2B5EF4-FFF2-40B4-BE49-F238E27FC236}">
+                  <a16:creationId xmlns:a16="http://schemas.microsoft.com/office/drawing/2014/main" id="{55E1C4D7-EC89-7842-99BD-333ADC74DB1B}"/>
+                </a:ext>
+              </a:extLst>
+            </p:cNvPr>
+            <p:cNvSpPr/>
+            <p:nvPr/>
+          </p:nvSpPr>
+          <p:spPr>
+            <a:xfrm>
+              <a:off x="728730" y="2758642"/>
+              <a:ext cx="310403" cy="145789"/>
+            </a:xfrm>
+            <a:prstGeom prst="rect">
+              <a:avLst/>
+            </a:prstGeom>
+            <a:ln>
+              <a:noFill/>
+            </a:ln>
+          </p:spPr>
+          <p:style>
+            <a:lnRef idx="2">
+              <a:schemeClr val="accent6"/>
+            </a:lnRef>
+            <a:fillRef idx="1">
+              <a:schemeClr val="lt1"/>
+            </a:fillRef>
+            <a:effectRef idx="0">
+              <a:schemeClr val="accent6"/>
+            </a:effectRef>
+            <a:fontRef idx="minor">
+              <a:schemeClr val="dk1"/>
+            </a:fontRef>
+          </p:style>
+          <p:txBody>
+            <a:bodyPr rtlCol="0" anchor="ctr"/>
+            <a:lstStyle/>
+            <a:p>
+              <a:pPr algn="ctr"/>
+              <a:endParaRPr lang="en-CO"/>
+            </a:p>
+          </p:txBody>
+        </p:sp>
+      </p:grpSp>
+      <p:grpSp>
+        <p:nvGrpSpPr>
+          <p:cNvPr id="166" name="Group 165">
+            <a:extLst>
+              <a:ext uri="{FF2B5EF4-FFF2-40B4-BE49-F238E27FC236}">
+                <a16:creationId xmlns:a16="http://schemas.microsoft.com/office/drawing/2014/main" id="{08659AF7-81B0-DB41-B987-7AFBED8CA9EF}"/>
+              </a:ext>
+            </a:extLst>
+          </p:cNvPr>
+          <p:cNvGrpSpPr/>
+          <p:nvPr/>
+        </p:nvGrpSpPr>
+        <p:grpSpPr>
+          <a:xfrm>
+            <a:off x="8709663" y="379044"/>
+            <a:ext cx="468000" cy="506910"/>
+            <a:chOff x="8709663" y="379044"/>
+            <a:chExt cx="468000" cy="506910"/>
+          </a:xfrm>
+        </p:grpSpPr>
+        <p:grpSp>
+          <p:nvGrpSpPr>
+            <p:cNvPr id="162" name="Group 161">
+              <a:extLst>
+                <a:ext uri="{FF2B5EF4-FFF2-40B4-BE49-F238E27FC236}">
+                  <a16:creationId xmlns:a16="http://schemas.microsoft.com/office/drawing/2014/main" id="{17832C05-078E-4D48-9866-D2347FDF5719}"/>
+                </a:ext>
+              </a:extLst>
+            </p:cNvPr>
+            <p:cNvGrpSpPr>
+              <a:grpSpLocks noChangeAspect="1"/>
+            </p:cNvGrpSpPr>
+            <p:nvPr/>
+          </p:nvGrpSpPr>
+          <p:grpSpPr>
+            <a:xfrm>
+              <a:off x="8709663" y="379044"/>
+              <a:ext cx="468000" cy="506910"/>
+              <a:chOff x="551636" y="2698780"/>
+              <a:chExt cx="720000" cy="779862"/>
+            </a:xfrm>
+          </p:grpSpPr>
+          <p:pic>
+            <p:nvPicPr>
+              <p:cNvPr id="163" name="Picture 162">
+                <a:extLst>
+                  <a:ext uri="{FF2B5EF4-FFF2-40B4-BE49-F238E27FC236}">
+                    <a16:creationId xmlns:a16="http://schemas.microsoft.com/office/drawing/2014/main" id="{BCB84052-BE0C-0144-8483-33CE6F32BD62}"/>
+                  </a:ext>
+                </a:extLst>
+              </p:cNvPr>
+              <p:cNvPicPr>
+                <a:picLocks noChangeAspect="1"/>
+              </p:cNvPicPr>
+              <p:nvPr/>
+            </p:nvPicPr>
+            <p:blipFill>
+              <a:blip r:embed="rId6"/>
+              <a:stretch>
+                <a:fillRect/>
+              </a:stretch>
+            </p:blipFill>
+            <p:spPr>
+              <a:xfrm>
+                <a:off x="551636" y="2758642"/>
+                <a:ext cx="720000" cy="720000"/>
+              </a:xfrm>
+              <a:prstGeom prst="rect">
+                <a:avLst/>
+              </a:prstGeom>
+            </p:spPr>
+          </p:pic>
+          <p:sp>
+            <p:nvSpPr>
+              <p:cNvPr id="164" name="Rectangle 163">
+                <a:extLst>
+                  <a:ext uri="{FF2B5EF4-FFF2-40B4-BE49-F238E27FC236}">
+                    <a16:creationId xmlns:a16="http://schemas.microsoft.com/office/drawing/2014/main" id="{92B338CF-A4DB-D544-BFEE-453756448BA5}"/>
+                  </a:ext>
+                </a:extLst>
+              </p:cNvPr>
+              <p:cNvSpPr/>
+              <p:nvPr/>
+            </p:nvSpPr>
+            <p:spPr>
+              <a:xfrm>
+                <a:off x="551636" y="2698780"/>
+                <a:ext cx="487497" cy="197148"/>
+              </a:xfrm>
+              <a:prstGeom prst="rect">
+                <a:avLst/>
+              </a:prstGeom>
+              <a:ln>
+                <a:noFill/>
+              </a:ln>
+            </p:spPr>
+            <p:style>
+              <a:lnRef idx="2">
+                <a:schemeClr val="accent6"/>
+              </a:lnRef>
+              <a:fillRef idx="1">
+                <a:schemeClr val="lt1"/>
+              </a:fillRef>
+              <a:effectRef idx="0">
+                <a:schemeClr val="accent6"/>
+              </a:effectRef>
+              <a:fontRef idx="minor">
+                <a:schemeClr val="dk1"/>
+              </a:fontRef>
+            </p:style>
+            <p:txBody>
+              <a:bodyPr rtlCol="0" anchor="ctr"/>
+              <a:lstStyle/>
+              <a:p>
+                <a:pPr algn="ctr"/>
+                <a:endParaRPr lang="en-CO"/>
+              </a:p>
+            </p:txBody>
+          </p:sp>
+        </p:grpSp>
+        <p:sp>
+          <p:nvSpPr>
+            <p:cNvPr id="165" name="Rectangle 164">
+              <a:extLst>
+                <a:ext uri="{FF2B5EF4-FFF2-40B4-BE49-F238E27FC236}">
+                  <a16:creationId xmlns:a16="http://schemas.microsoft.com/office/drawing/2014/main" id="{1EE464FB-9782-374D-B3AA-74465E59A57E}"/>
+                </a:ext>
+              </a:extLst>
+            </p:cNvPr>
+            <p:cNvSpPr/>
+            <p:nvPr/>
+          </p:nvSpPr>
+          <p:spPr>
+            <a:xfrm>
+              <a:off x="8825117" y="520391"/>
+              <a:ext cx="172833" cy="94763"/>
+            </a:xfrm>
+            <a:prstGeom prst="rect">
+              <a:avLst/>
+            </a:prstGeom>
+            <a:ln>
+              <a:noFill/>
+            </a:ln>
+          </p:spPr>
+          <p:style>
+            <a:lnRef idx="2">
+              <a:schemeClr val="accent6"/>
+            </a:lnRef>
+            <a:fillRef idx="1">
+              <a:schemeClr val="lt1"/>
+            </a:fillRef>
+            <a:effectRef idx="0">
+              <a:schemeClr val="accent6"/>
+            </a:effectRef>
+            <a:fontRef idx="minor">
+              <a:schemeClr val="dk1"/>
+            </a:fontRef>
+          </p:style>
+          <p:txBody>
+            <a:bodyPr rtlCol="0" anchor="ctr"/>
+            <a:lstStyle/>
+            <a:p>
+              <a:pPr algn="ctr"/>
+              <a:endParaRPr lang="en-CO"/>
+            </a:p>
+          </p:txBody>
+        </p:sp>
+      </p:grpSp>
+    </p:spTree>
+    <p:extLst>
+      <p:ext uri="{BB962C8B-B14F-4D97-AF65-F5344CB8AC3E}">
+        <p14:creationId xmlns:p14="http://schemas.microsoft.com/office/powerpoint/2010/main" val="1049047876"/>
+      </p:ext>
+    </p:extLst>
+  </p:cSld>
+  <p:clrMapOvr>
+    <a:masterClrMapping/>
+  </p:clrMapOvr>
+</p:sld>
+</file>
+
+<file path=ppt/slides/slide13.xml><?xml version="1.0" encoding="utf-8"?>
+<p:sld xmlns:a="http://schemas.openxmlformats.org/drawingml/2006/main" xmlns:r="http://schemas.openxmlformats.org/officeDocument/2006/relationships" xmlns:p="http://schemas.openxmlformats.org/presentationml/2006/main">
+  <p:cSld>
+    <p:spTree>
+      <p:nvGrpSpPr>
+        <p:cNvPr id="1" name=""/>
+        <p:cNvGrpSpPr/>
+        <p:nvPr/>
+      </p:nvGrpSpPr>
+      <p:grpSpPr>
+        <a:xfrm>
+          <a:off x="0" y="0"/>
+          <a:ext cx="0" cy="0"/>
+          <a:chOff x="0" y="0"/>
+          <a:chExt cx="0" cy="0"/>
+        </a:xfrm>
+      </p:grpSpPr>
       <p:sp>
         <p:nvSpPr>
           <p:cNvPr id="2" name="Title 1">
@@ -12088,7 +16287,7 @@
 </p:sld>
 </file>
 
-<file path=ppt/slides/slide13.xml><?xml version="1.0" encoding="utf-8"?>
+<file path=ppt/slides/slide14.xml><?xml version="1.0" encoding="utf-8"?>
 <p:sld xmlns:a="http://schemas.openxmlformats.org/drawingml/2006/main" xmlns:r="http://schemas.openxmlformats.org/officeDocument/2006/relationships" xmlns:p="http://schemas.openxmlformats.org/presentationml/2006/main">
   <p:cSld>
     <p:spTree>
@@ -12167,7 +16366,7 @@
 </p:sld>
 </file>
 
-<file path=ppt/slides/slide14.xml><?xml version="1.0" encoding="utf-8"?>
+<file path=ppt/slides/slide15.xml><?xml version="1.0" encoding="utf-8"?>
 <p:sld xmlns:a="http://schemas.openxmlformats.org/drawingml/2006/main" xmlns:r="http://schemas.openxmlformats.org/officeDocument/2006/relationships" xmlns:p="http://schemas.openxmlformats.org/presentationml/2006/main">
   <p:cSld>
     <p:spTree>
@@ -12430,7 +16629,7 @@
 </p:sld>
 </file>
 
-<file path=ppt/slides/slide15.xml><?xml version="1.0" encoding="utf-8"?>
+<file path=ppt/slides/slide16.xml><?xml version="1.0" encoding="utf-8"?>
 <p:sld xmlns:a="http://schemas.openxmlformats.org/drawingml/2006/main" xmlns:r="http://schemas.openxmlformats.org/officeDocument/2006/relationships" xmlns:p="http://schemas.openxmlformats.org/presentationml/2006/main">
   <p:cSld>
     <p:spTree>
@@ -12509,7 +16708,7 @@
 </p:sld>
 </file>
 
-<file path=ppt/slides/slide16.xml><?xml version="1.0" encoding="utf-8"?>
+<file path=ppt/slides/slide17.xml><?xml version="1.0" encoding="utf-8"?>
 <p:sld xmlns:a="http://schemas.openxmlformats.org/drawingml/2006/main" xmlns:r="http://schemas.openxmlformats.org/officeDocument/2006/relationships" xmlns:p="http://schemas.openxmlformats.org/presentationml/2006/main">
   <p:cSld>
     <p:spTree>
@@ -13061,7 +17260,7 @@
 </p:sld>
 </file>
 
-<file path=ppt/slides/slide17.xml><?xml version="1.0" encoding="utf-8"?>
+<file path=ppt/slides/slide18.xml><?xml version="1.0" encoding="utf-8"?>
 <p:sld xmlns:a="http://schemas.openxmlformats.org/drawingml/2006/main" xmlns:r="http://schemas.openxmlformats.org/officeDocument/2006/relationships" xmlns:p="http://schemas.openxmlformats.org/presentationml/2006/main">
   <p:cSld>
     <p:spTree>
@@ -13862,8 +18061,8 @@
           </a:prstGeom>
         </p:spPr>
       </p:pic>
-      <mc:AlternateContent xmlns:mc="http://schemas.openxmlformats.org/markup-compatibility/2006">
-        <mc:Choice xmlns:a14="http://schemas.microsoft.com/office/drawing/2010/main" Requires="a14">
+      <mc:AlternateContent xmlns:mc="http://schemas.openxmlformats.org/markup-compatibility/2006" xmlns:a14="http://schemas.microsoft.com/office/drawing/2010/main">
+        <mc:Choice Requires="a14">
           <p:sp>
             <p:nvSpPr>
               <p:cNvPr id="8" name="TextBox 7">
@@ -14017,7 +18216,7 @@
             </p:txBody>
           </p:sp>
         </mc:Choice>
-        <mc:Fallback>
+        <mc:Fallback xmlns="">
           <p:sp>
             <p:nvSpPr>
               <p:cNvPr id="8" name="TextBox 7">
@@ -14298,8 +18497,8 @@
           </a:prstGeom>
         </p:spPr>
       </p:pic>
-      <mc:AlternateContent xmlns:mc="http://schemas.openxmlformats.org/markup-compatibility/2006">
-        <mc:Choice xmlns:a14="http://schemas.microsoft.com/office/drawing/2010/main" Requires="a14">
+      <mc:AlternateContent xmlns:mc="http://schemas.openxmlformats.org/markup-compatibility/2006" xmlns:a14="http://schemas.microsoft.com/office/drawing/2010/main">
+        <mc:Choice Requires="a14">
           <p:sp>
             <p:nvSpPr>
               <p:cNvPr id="7" name="TextBox 6">
@@ -14489,7 +18688,7 @@
             </p:txBody>
           </p:sp>
         </mc:Choice>
-        <mc:Fallback>
+        <mc:Fallback xmlns="">
           <p:sp>
             <p:nvSpPr>
               <p:cNvPr id="7" name="TextBox 6">
@@ -14534,8 +18733,8 @@
           </p:sp>
         </mc:Fallback>
       </mc:AlternateContent>
-      <mc:AlternateContent xmlns:mc="http://schemas.openxmlformats.org/markup-compatibility/2006">
-        <mc:Choice xmlns:a14="http://schemas.microsoft.com/office/drawing/2010/main" Requires="a14">
+      <mc:AlternateContent xmlns:mc="http://schemas.openxmlformats.org/markup-compatibility/2006" xmlns:a14="http://schemas.microsoft.com/office/drawing/2010/main">
+        <mc:Choice Requires="a14">
           <p:sp>
             <p:nvSpPr>
               <p:cNvPr id="13" name="TextBox 12">
@@ -14564,7 +18763,6 @@
               </a:bodyPr>
               <a:lstStyle/>
               <a:p>
-                <a:pPr/>
                 <a:r>
                   <a:rPr lang="en-US" b="1" dirty="0"/>
                   <a:t>Day</a:t>
@@ -14590,7 +18788,7 @@
             </p:txBody>
           </p:sp>
         </mc:Choice>
-        <mc:Fallback>
+        <mc:Fallback xmlns="">
           <p:sp>
             <p:nvSpPr>
               <p:cNvPr id="13" name="TextBox 12">
@@ -14736,8 +18934,8 @@
           </a:prstGeom>
         </p:spPr>
       </p:pic>
-      <mc:AlternateContent xmlns:mc="http://schemas.openxmlformats.org/markup-compatibility/2006">
-        <mc:Choice xmlns:a14="http://schemas.microsoft.com/office/drawing/2010/main" Requires="a14">
+      <mc:AlternateContent xmlns:mc="http://schemas.openxmlformats.org/markup-compatibility/2006" xmlns:a14="http://schemas.microsoft.com/office/drawing/2010/main">
+        <mc:Choice Requires="a14">
           <p:sp>
             <p:nvSpPr>
               <p:cNvPr id="7" name="TextBox 6">
@@ -14883,7 +19081,7 @@
             </p:txBody>
           </p:sp>
         </mc:Choice>
-        <mc:Fallback>
+        <mc:Fallback xmlns="">
           <p:sp>
             <p:nvSpPr>
               <p:cNvPr id="7" name="TextBox 6">
@@ -15026,8 +19224,8 @@
           </a:p>
         </p:txBody>
       </p:sp>
-      <mc:AlternateContent xmlns:mc="http://schemas.openxmlformats.org/markup-compatibility/2006">
-        <mc:Choice xmlns:a14="http://schemas.microsoft.com/office/drawing/2010/main" Requires="a14">
+      <mc:AlternateContent xmlns:mc="http://schemas.openxmlformats.org/markup-compatibility/2006" xmlns:a14="http://schemas.microsoft.com/office/drawing/2010/main">
+        <mc:Choice Requires="a14">
           <p:sp>
             <p:nvSpPr>
               <p:cNvPr id="13" name="TextBox 12">
@@ -15056,7 +19254,6 @@
               </a:bodyPr>
               <a:lstStyle/>
               <a:p>
-                <a:pPr/>
                 <a:r>
                   <a:rPr lang="en-US" b="1" dirty="0"/>
                   <a:t>Day</a:t>
@@ -15082,7 +19279,7 @@
             </p:txBody>
           </p:sp>
         </mc:Choice>
-        <mc:Fallback>
+        <mc:Fallback xmlns="">
           <p:sp>
             <p:nvSpPr>
               <p:cNvPr id="13" name="TextBox 12">
@@ -15228,8 +19425,8 @@
           </a:prstGeom>
         </p:spPr>
       </p:pic>
-      <mc:AlternateContent xmlns:mc="http://schemas.openxmlformats.org/markup-compatibility/2006">
-        <mc:Choice xmlns:a14="http://schemas.microsoft.com/office/drawing/2010/main" Requires="a14">
+      <mc:AlternateContent xmlns:mc="http://schemas.openxmlformats.org/markup-compatibility/2006" xmlns:a14="http://schemas.microsoft.com/office/drawing/2010/main">
+        <mc:Choice Requires="a14">
           <p:sp>
             <p:nvSpPr>
               <p:cNvPr id="7" name="TextBox 6">
@@ -15378,7 +19575,7 @@
             </p:txBody>
           </p:sp>
         </mc:Choice>
-        <mc:Fallback>
+        <mc:Fallback xmlns="">
           <p:sp>
             <p:nvSpPr>
               <p:cNvPr id="7" name="TextBox 6">
@@ -15521,122 +19718,8 @@
           </a:p>
         </p:txBody>
       </p:sp>
-      <p:pic>
-        <p:nvPicPr>
-          <p:cNvPr id="10" name="Picture 9">
-            <a:extLst>
-              <a:ext uri="{FF2B5EF4-FFF2-40B4-BE49-F238E27FC236}">
-                <a16:creationId xmlns:a16="http://schemas.microsoft.com/office/drawing/2014/main" id="{18394571-7BDE-3C4A-830E-ACEBB3FDDCBB}"/>
-              </a:ext>
-            </a:extLst>
-          </p:cNvPr>
-          <p:cNvPicPr>
-            <a:picLocks noChangeAspect="1"/>
-          </p:cNvPicPr>
-          <p:nvPr/>
-        </p:nvPicPr>
-        <p:blipFill>
-          <a:blip r:embed="rId5">
-            <a:duotone>
-              <a:schemeClr val="accent5">
-                <a:shade val="45000"/>
-                <a:satMod val="135000"/>
-              </a:schemeClr>
-              <a:prstClr val="white"/>
-            </a:duotone>
-          </a:blip>
-          <a:stretch>
-            <a:fillRect/>
-          </a:stretch>
-        </p:blipFill>
-        <p:spPr>
-          <a:xfrm>
-            <a:off x="7427863" y="1591523"/>
-            <a:ext cx="330515" cy="330515"/>
-          </a:xfrm>
-          <a:prstGeom prst="rect">
-            <a:avLst/>
-          </a:prstGeom>
-        </p:spPr>
-      </p:pic>
-      <p:pic>
-        <p:nvPicPr>
-          <p:cNvPr id="11" name="Picture 10">
-            <a:extLst>
-              <a:ext uri="{FF2B5EF4-FFF2-40B4-BE49-F238E27FC236}">
-                <a16:creationId xmlns:a16="http://schemas.microsoft.com/office/drawing/2014/main" id="{5A025A28-7FF6-CF4C-B8E8-6D4C90CC81D4}"/>
-              </a:ext>
-            </a:extLst>
-          </p:cNvPr>
-          <p:cNvPicPr>
-            <a:picLocks noChangeAspect="1"/>
-          </p:cNvPicPr>
-          <p:nvPr/>
-        </p:nvPicPr>
-        <p:blipFill>
-          <a:blip r:embed="rId5">
-            <a:duotone>
-              <a:schemeClr val="accent5">
-                <a:shade val="45000"/>
-                <a:satMod val="135000"/>
-              </a:schemeClr>
-              <a:prstClr val="white"/>
-            </a:duotone>
-          </a:blip>
-          <a:stretch>
-            <a:fillRect/>
-          </a:stretch>
-        </p:blipFill>
-        <p:spPr>
-          <a:xfrm flipH="1">
-            <a:off x="8466517" y="3791731"/>
-            <a:ext cx="330515" cy="330515"/>
-          </a:xfrm>
-          <a:prstGeom prst="rect">
-            <a:avLst/>
-          </a:prstGeom>
-        </p:spPr>
-      </p:pic>
-      <p:pic>
-        <p:nvPicPr>
-          <p:cNvPr id="12" name="Picture 11">
-            <a:extLst>
-              <a:ext uri="{FF2B5EF4-FFF2-40B4-BE49-F238E27FC236}">
-                <a16:creationId xmlns:a16="http://schemas.microsoft.com/office/drawing/2014/main" id="{3050A6A0-62C4-8845-8B8D-B6406FBB7040}"/>
-              </a:ext>
-            </a:extLst>
-          </p:cNvPr>
-          <p:cNvPicPr>
-            <a:picLocks noChangeAspect="1"/>
-          </p:cNvPicPr>
-          <p:nvPr/>
-        </p:nvPicPr>
-        <p:blipFill>
-          <a:blip r:embed="rId5">
-            <a:duotone>
-              <a:schemeClr val="accent5">
-                <a:shade val="45000"/>
-                <a:satMod val="135000"/>
-              </a:schemeClr>
-              <a:prstClr val="white"/>
-            </a:duotone>
-          </a:blip>
-          <a:stretch>
-            <a:fillRect/>
-          </a:stretch>
-        </p:blipFill>
-        <p:spPr>
-          <a:xfrm>
-            <a:off x="8898063" y="3791731"/>
-            <a:ext cx="330515" cy="330515"/>
-          </a:xfrm>
-          <a:prstGeom prst="rect">
-            <a:avLst/>
-          </a:prstGeom>
-        </p:spPr>
-      </p:pic>
-      <mc:AlternateContent xmlns:mc="http://schemas.openxmlformats.org/markup-compatibility/2006">
-        <mc:Choice xmlns:a14="http://schemas.microsoft.com/office/drawing/2010/main" Requires="a14">
+      <mc:AlternateContent xmlns:mc="http://schemas.openxmlformats.org/markup-compatibility/2006" xmlns:a14="http://schemas.microsoft.com/office/drawing/2010/main">
+        <mc:Choice Requires="a14">
           <p:sp>
             <p:nvSpPr>
               <p:cNvPr id="13" name="TextBox 12">
@@ -15665,7 +19748,6 @@
               </a:bodyPr>
               <a:lstStyle/>
               <a:p>
-                <a:pPr/>
                 <a:r>
                   <a:rPr lang="en-US" b="1" dirty="0"/>
                   <a:t>Day</a:t>
@@ -15691,7 +19773,7 @@
             </p:txBody>
           </p:sp>
         </mc:Choice>
-        <mc:Fallback>
+        <mc:Fallback xmlns="">
           <p:sp>
             <p:nvSpPr>
               <p:cNvPr id="13" name="TextBox 12">
@@ -15736,6 +19818,82 @@
           </p:sp>
         </mc:Fallback>
       </mc:AlternateContent>
+      <p:pic>
+        <p:nvPicPr>
+          <p:cNvPr id="14" name="Picture 13">
+            <a:extLst>
+              <a:ext uri="{FF2B5EF4-FFF2-40B4-BE49-F238E27FC236}">
+                <a16:creationId xmlns:a16="http://schemas.microsoft.com/office/drawing/2014/main" id="{4E15BB85-82D3-0F4C-8A0C-C86F1AE93FCE}"/>
+              </a:ext>
+            </a:extLst>
+          </p:cNvPr>
+          <p:cNvPicPr>
+            <a:picLocks noChangeAspect="1"/>
+          </p:cNvPicPr>
+          <p:nvPr/>
+        </p:nvPicPr>
+        <p:blipFill>
+          <a:blip r:embed="rId7">
+            <a:duotone>
+              <a:schemeClr val="accent5">
+                <a:shade val="45000"/>
+                <a:satMod val="135000"/>
+              </a:schemeClr>
+              <a:prstClr val="white"/>
+            </a:duotone>
+          </a:blip>
+          <a:stretch>
+            <a:fillRect/>
+          </a:stretch>
+        </p:blipFill>
+        <p:spPr>
+          <a:xfrm flipH="1">
+            <a:off x="7386644" y="1547217"/>
+            <a:ext cx="338760" cy="330515"/>
+          </a:xfrm>
+          <a:prstGeom prst="rect">
+            <a:avLst/>
+          </a:prstGeom>
+        </p:spPr>
+      </p:pic>
+      <p:pic>
+        <p:nvPicPr>
+          <p:cNvPr id="15" name="Picture 14">
+            <a:extLst>
+              <a:ext uri="{FF2B5EF4-FFF2-40B4-BE49-F238E27FC236}">
+                <a16:creationId xmlns:a16="http://schemas.microsoft.com/office/drawing/2014/main" id="{E28A902A-B754-A747-B7B2-3E0ACCFCEEDF}"/>
+              </a:ext>
+            </a:extLst>
+          </p:cNvPr>
+          <p:cNvPicPr>
+            <a:picLocks noChangeAspect="1"/>
+          </p:cNvPicPr>
+          <p:nvPr/>
+        </p:nvPicPr>
+        <p:blipFill>
+          <a:blip r:embed="rId7">
+            <a:duotone>
+              <a:schemeClr val="accent5">
+                <a:shade val="45000"/>
+                <a:satMod val="135000"/>
+              </a:schemeClr>
+              <a:prstClr val="white"/>
+            </a:duotone>
+          </a:blip>
+          <a:stretch>
+            <a:fillRect/>
+          </a:stretch>
+        </p:blipFill>
+        <p:spPr>
+          <a:xfrm flipH="1">
+            <a:off x="8660692" y="3791731"/>
+            <a:ext cx="330515" cy="330515"/>
+          </a:xfrm>
+          <a:prstGeom prst="rect">
+            <a:avLst/>
+          </a:prstGeom>
+        </p:spPr>
+      </p:pic>
     </p:spTree>
     <p:extLst>
       <p:ext uri="{BB962C8B-B14F-4D97-AF65-F5344CB8AC3E}">
@@ -15935,122 +20093,8 @@
           </a:p>
         </p:txBody>
       </p:sp>
-      <p:pic>
-        <p:nvPicPr>
-          <p:cNvPr id="10" name="Picture 9">
-            <a:extLst>
-              <a:ext uri="{FF2B5EF4-FFF2-40B4-BE49-F238E27FC236}">
-                <a16:creationId xmlns:a16="http://schemas.microsoft.com/office/drawing/2014/main" id="{18394571-7BDE-3C4A-830E-ACEBB3FDDCBB}"/>
-              </a:ext>
-            </a:extLst>
-          </p:cNvPr>
-          <p:cNvPicPr>
-            <a:picLocks noChangeAspect="1"/>
-          </p:cNvPicPr>
-          <p:nvPr/>
-        </p:nvPicPr>
-        <p:blipFill>
-          <a:blip r:embed="rId4">
-            <a:duotone>
-              <a:schemeClr val="accent5">
-                <a:shade val="45000"/>
-                <a:satMod val="135000"/>
-              </a:schemeClr>
-              <a:prstClr val="white"/>
-            </a:duotone>
-          </a:blip>
-          <a:stretch>
-            <a:fillRect/>
-          </a:stretch>
-        </p:blipFill>
-        <p:spPr>
-          <a:xfrm>
-            <a:off x="7545289" y="1478685"/>
-            <a:ext cx="330515" cy="330515"/>
-          </a:xfrm>
-          <a:prstGeom prst="rect">
-            <a:avLst/>
-          </a:prstGeom>
-        </p:spPr>
-      </p:pic>
-      <p:pic>
-        <p:nvPicPr>
-          <p:cNvPr id="11" name="Picture 10">
-            <a:extLst>
-              <a:ext uri="{FF2B5EF4-FFF2-40B4-BE49-F238E27FC236}">
-                <a16:creationId xmlns:a16="http://schemas.microsoft.com/office/drawing/2014/main" id="{5A025A28-7FF6-CF4C-B8E8-6D4C90CC81D4}"/>
-              </a:ext>
-            </a:extLst>
-          </p:cNvPr>
-          <p:cNvPicPr>
-            <a:picLocks noChangeAspect="1"/>
-          </p:cNvPicPr>
-          <p:nvPr/>
-        </p:nvPicPr>
-        <p:blipFill>
-          <a:blip r:embed="rId4">
-            <a:duotone>
-              <a:schemeClr val="accent5">
-                <a:shade val="45000"/>
-                <a:satMod val="135000"/>
-              </a:schemeClr>
-              <a:prstClr val="white"/>
-            </a:duotone>
-          </a:blip>
-          <a:stretch>
-            <a:fillRect/>
-          </a:stretch>
-        </p:blipFill>
-        <p:spPr>
-          <a:xfrm flipH="1">
-            <a:off x="8668222" y="3838795"/>
-            <a:ext cx="330515" cy="330515"/>
-          </a:xfrm>
-          <a:prstGeom prst="rect">
-            <a:avLst/>
-          </a:prstGeom>
-        </p:spPr>
-      </p:pic>
-      <p:pic>
-        <p:nvPicPr>
-          <p:cNvPr id="12" name="Picture 11">
-            <a:extLst>
-              <a:ext uri="{FF2B5EF4-FFF2-40B4-BE49-F238E27FC236}">
-                <a16:creationId xmlns:a16="http://schemas.microsoft.com/office/drawing/2014/main" id="{3050A6A0-62C4-8845-8B8D-B6406FBB7040}"/>
-              </a:ext>
-            </a:extLst>
-          </p:cNvPr>
-          <p:cNvPicPr>
-            <a:picLocks noChangeAspect="1"/>
-          </p:cNvPicPr>
-          <p:nvPr/>
-        </p:nvPicPr>
-        <p:blipFill>
-          <a:blip r:embed="rId4">
-            <a:duotone>
-              <a:schemeClr val="accent5">
-                <a:shade val="45000"/>
-                <a:satMod val="135000"/>
-              </a:schemeClr>
-              <a:prstClr val="white"/>
-            </a:duotone>
-          </a:blip>
-          <a:stretch>
-            <a:fillRect/>
-          </a:stretch>
-        </p:blipFill>
-        <p:spPr>
-          <a:xfrm>
-            <a:off x="9099768" y="3838795"/>
-            <a:ext cx="330515" cy="330515"/>
-          </a:xfrm>
-          <a:prstGeom prst="rect">
-            <a:avLst/>
-          </a:prstGeom>
-        </p:spPr>
-      </p:pic>
-      <mc:AlternateContent xmlns:mc="http://schemas.openxmlformats.org/markup-compatibility/2006">
-        <mc:Choice xmlns:a14="http://schemas.microsoft.com/office/drawing/2010/main" Requires="a14">
+      <mc:AlternateContent xmlns:mc="http://schemas.openxmlformats.org/markup-compatibility/2006" xmlns:a14="http://schemas.microsoft.com/office/drawing/2010/main">
+        <mc:Choice Requires="a14">
           <p:sp>
             <p:nvSpPr>
               <p:cNvPr id="13" name="TextBox 12">
@@ -16079,7 +20123,6 @@
               </a:bodyPr>
               <a:lstStyle/>
               <a:p>
-                <a:pPr/>
                 <a:r>
                   <a:rPr lang="en-US" b="1" dirty="0"/>
                   <a:t>Day</a:t>
@@ -16105,7 +20148,7 @@
             </p:txBody>
           </p:sp>
         </mc:Choice>
-        <mc:Fallback>
+        <mc:Fallback xmlns="">
           <p:sp>
             <p:nvSpPr>
               <p:cNvPr id="13" name="TextBox 12">
@@ -16150,8 +20193,8 @@
           </p:sp>
         </mc:Fallback>
       </mc:AlternateContent>
-      <mc:AlternateContent xmlns:mc="http://schemas.openxmlformats.org/markup-compatibility/2006">
-        <mc:Choice xmlns:a14="http://schemas.microsoft.com/office/drawing/2010/main" Requires="a14">
+      <mc:AlternateContent xmlns:mc="http://schemas.openxmlformats.org/markup-compatibility/2006" xmlns:a14="http://schemas.microsoft.com/office/drawing/2010/main">
+        <mc:Choice Requires="a14">
           <p:sp>
             <p:nvSpPr>
               <p:cNvPr id="16" name="TextBox 15">
@@ -16326,7 +20369,7 @@
             </p:txBody>
           </p:sp>
         </mc:Choice>
-        <mc:Fallback>
+        <mc:Fallback xmlns="">
           <p:sp>
             <p:nvSpPr>
               <p:cNvPr id="16" name="TextBox 15">
@@ -16371,6 +20414,82 @@
           </p:sp>
         </mc:Fallback>
       </mc:AlternateContent>
+      <p:pic>
+        <p:nvPicPr>
+          <p:cNvPr id="14" name="Picture 13">
+            <a:extLst>
+              <a:ext uri="{FF2B5EF4-FFF2-40B4-BE49-F238E27FC236}">
+                <a16:creationId xmlns:a16="http://schemas.microsoft.com/office/drawing/2014/main" id="{962C92C6-CA2E-254D-B088-36FC03305642}"/>
+              </a:ext>
+            </a:extLst>
+          </p:cNvPr>
+          <p:cNvPicPr>
+            <a:picLocks noChangeAspect="1"/>
+          </p:cNvPicPr>
+          <p:nvPr/>
+        </p:nvPicPr>
+        <p:blipFill>
+          <a:blip r:embed="rId7">
+            <a:duotone>
+              <a:schemeClr val="accent5">
+                <a:shade val="45000"/>
+                <a:satMod val="135000"/>
+              </a:schemeClr>
+              <a:prstClr val="white"/>
+            </a:duotone>
+          </a:blip>
+          <a:stretch>
+            <a:fillRect/>
+          </a:stretch>
+        </p:blipFill>
+        <p:spPr>
+          <a:xfrm flipH="1">
+            <a:off x="7465670" y="1418749"/>
+            <a:ext cx="338760" cy="330515"/>
+          </a:xfrm>
+          <a:prstGeom prst="rect">
+            <a:avLst/>
+          </a:prstGeom>
+        </p:spPr>
+      </p:pic>
+      <p:pic>
+        <p:nvPicPr>
+          <p:cNvPr id="17" name="Picture 16">
+            <a:extLst>
+              <a:ext uri="{FF2B5EF4-FFF2-40B4-BE49-F238E27FC236}">
+                <a16:creationId xmlns:a16="http://schemas.microsoft.com/office/drawing/2014/main" id="{5622768C-2B2F-DF48-89BF-E8D7692EDC7E}"/>
+              </a:ext>
+            </a:extLst>
+          </p:cNvPr>
+          <p:cNvPicPr>
+            <a:picLocks noChangeAspect="1"/>
+          </p:cNvPicPr>
+          <p:nvPr/>
+        </p:nvPicPr>
+        <p:blipFill>
+          <a:blip r:embed="rId7">
+            <a:duotone>
+              <a:schemeClr val="accent5">
+                <a:shade val="45000"/>
+                <a:satMod val="135000"/>
+              </a:schemeClr>
+              <a:prstClr val="white"/>
+            </a:duotone>
+          </a:blip>
+          <a:stretch>
+            <a:fillRect/>
+          </a:stretch>
+        </p:blipFill>
+        <p:spPr>
+          <a:xfrm flipH="1">
+            <a:off x="8806996" y="3791731"/>
+            <a:ext cx="330515" cy="330515"/>
+          </a:xfrm>
+          <a:prstGeom prst="rect">
+            <a:avLst/>
+          </a:prstGeom>
+        </p:spPr>
+      </p:pic>
     </p:spTree>
     <p:extLst>
       <p:ext uri="{BB962C8B-B14F-4D97-AF65-F5344CB8AC3E}">
@@ -16648,122 +20767,8 @@
           </a:p>
         </p:txBody>
       </p:sp>
-      <p:pic>
-        <p:nvPicPr>
-          <p:cNvPr id="10" name="Picture 9">
-            <a:extLst>
-              <a:ext uri="{FF2B5EF4-FFF2-40B4-BE49-F238E27FC236}">
-                <a16:creationId xmlns:a16="http://schemas.microsoft.com/office/drawing/2014/main" id="{18394571-7BDE-3C4A-830E-ACEBB3FDDCBB}"/>
-              </a:ext>
-            </a:extLst>
-          </p:cNvPr>
-          <p:cNvPicPr>
-            <a:picLocks noChangeAspect="1"/>
-          </p:cNvPicPr>
-          <p:nvPr/>
-        </p:nvPicPr>
-        <p:blipFill>
-          <a:blip r:embed="rId4">
-            <a:duotone>
-              <a:schemeClr val="accent5">
-                <a:shade val="45000"/>
-                <a:satMod val="135000"/>
-              </a:schemeClr>
-              <a:prstClr val="white"/>
-            </a:duotone>
-          </a:blip>
-          <a:stretch>
-            <a:fillRect/>
-          </a:stretch>
-        </p:blipFill>
-        <p:spPr>
-          <a:xfrm>
-            <a:off x="7504948" y="1424897"/>
-            <a:ext cx="330515" cy="330515"/>
-          </a:xfrm>
-          <a:prstGeom prst="rect">
-            <a:avLst/>
-          </a:prstGeom>
-        </p:spPr>
-      </p:pic>
-      <p:pic>
-        <p:nvPicPr>
-          <p:cNvPr id="11" name="Picture 10">
-            <a:extLst>
-              <a:ext uri="{FF2B5EF4-FFF2-40B4-BE49-F238E27FC236}">
-                <a16:creationId xmlns:a16="http://schemas.microsoft.com/office/drawing/2014/main" id="{5A025A28-7FF6-CF4C-B8E8-6D4C90CC81D4}"/>
-              </a:ext>
-            </a:extLst>
-          </p:cNvPr>
-          <p:cNvPicPr>
-            <a:picLocks noChangeAspect="1"/>
-          </p:cNvPicPr>
-          <p:nvPr/>
-        </p:nvPicPr>
-        <p:blipFill>
-          <a:blip r:embed="rId4">
-            <a:duotone>
-              <a:schemeClr val="accent5">
-                <a:shade val="45000"/>
-                <a:satMod val="135000"/>
-              </a:schemeClr>
-              <a:prstClr val="white"/>
-            </a:duotone>
-          </a:blip>
-          <a:stretch>
-            <a:fillRect/>
-          </a:stretch>
-        </p:blipFill>
-        <p:spPr>
-          <a:xfrm flipH="1">
-            <a:off x="8587540" y="3791731"/>
-            <a:ext cx="330515" cy="330515"/>
-          </a:xfrm>
-          <a:prstGeom prst="rect">
-            <a:avLst/>
-          </a:prstGeom>
-        </p:spPr>
-      </p:pic>
-      <p:pic>
-        <p:nvPicPr>
-          <p:cNvPr id="12" name="Picture 11">
-            <a:extLst>
-              <a:ext uri="{FF2B5EF4-FFF2-40B4-BE49-F238E27FC236}">
-                <a16:creationId xmlns:a16="http://schemas.microsoft.com/office/drawing/2014/main" id="{3050A6A0-62C4-8845-8B8D-B6406FBB7040}"/>
-              </a:ext>
-            </a:extLst>
-          </p:cNvPr>
-          <p:cNvPicPr>
-            <a:picLocks noChangeAspect="1"/>
-          </p:cNvPicPr>
-          <p:nvPr/>
-        </p:nvPicPr>
-        <p:blipFill>
-          <a:blip r:embed="rId4">
-            <a:duotone>
-              <a:schemeClr val="accent5">
-                <a:shade val="45000"/>
-                <a:satMod val="135000"/>
-              </a:schemeClr>
-              <a:prstClr val="white"/>
-            </a:duotone>
-          </a:blip>
-          <a:stretch>
-            <a:fillRect/>
-          </a:stretch>
-        </p:blipFill>
-        <p:spPr>
-          <a:xfrm>
-            <a:off x="9019086" y="3791731"/>
-            <a:ext cx="330515" cy="330515"/>
-          </a:xfrm>
-          <a:prstGeom prst="rect">
-            <a:avLst/>
-          </a:prstGeom>
-        </p:spPr>
-      </p:pic>
-      <mc:AlternateContent xmlns:mc="http://schemas.openxmlformats.org/markup-compatibility/2006">
-        <mc:Choice xmlns:a14="http://schemas.microsoft.com/office/drawing/2010/main" Requires="a14">
+      <mc:AlternateContent xmlns:mc="http://schemas.openxmlformats.org/markup-compatibility/2006" xmlns:a14="http://schemas.microsoft.com/office/drawing/2010/main">
+        <mc:Choice Requires="a14">
           <p:sp>
             <p:nvSpPr>
               <p:cNvPr id="13" name="TextBox 12">
@@ -16792,7 +20797,6 @@
               </a:bodyPr>
               <a:lstStyle/>
               <a:p>
-                <a:pPr/>
                 <a:r>
                   <a:rPr lang="en-US" b="1" dirty="0"/>
                   <a:t>Day</a:t>
@@ -16818,7 +20822,7 @@
             </p:txBody>
           </p:sp>
         </mc:Choice>
-        <mc:Fallback>
+        <mc:Fallback xmlns="">
           <p:sp>
             <p:nvSpPr>
               <p:cNvPr id="13" name="TextBox 12">
@@ -16863,8 +20867,8 @@
           </p:sp>
         </mc:Fallback>
       </mc:AlternateContent>
-      <mc:AlternateContent xmlns:mc="http://schemas.openxmlformats.org/markup-compatibility/2006">
-        <mc:Choice xmlns:a14="http://schemas.microsoft.com/office/drawing/2010/main" Requires="a14">
+      <mc:AlternateContent xmlns:mc="http://schemas.openxmlformats.org/markup-compatibility/2006" xmlns:a14="http://schemas.microsoft.com/office/drawing/2010/main">
+        <mc:Choice Requires="a14">
           <p:sp>
             <p:nvSpPr>
               <p:cNvPr id="16" name="TextBox 15">
@@ -17039,7 +21043,7 @@
             </p:txBody>
           </p:sp>
         </mc:Choice>
-        <mc:Fallback>
+        <mc:Fallback xmlns="">
           <p:sp>
             <p:nvSpPr>
               <p:cNvPr id="16" name="TextBox 15">
@@ -17084,6 +21088,82 @@
           </p:sp>
         </mc:Fallback>
       </mc:AlternateContent>
+      <p:pic>
+        <p:nvPicPr>
+          <p:cNvPr id="15" name="Picture 14">
+            <a:extLst>
+              <a:ext uri="{FF2B5EF4-FFF2-40B4-BE49-F238E27FC236}">
+                <a16:creationId xmlns:a16="http://schemas.microsoft.com/office/drawing/2014/main" id="{FA6E41CB-7301-9548-8E96-02494D202665}"/>
+              </a:ext>
+            </a:extLst>
+          </p:cNvPr>
+          <p:cNvPicPr>
+            <a:picLocks noChangeAspect="1"/>
+          </p:cNvPicPr>
+          <p:nvPr/>
+        </p:nvPicPr>
+        <p:blipFill>
+          <a:blip r:embed="rId7">
+            <a:duotone>
+              <a:schemeClr val="accent5">
+                <a:shade val="45000"/>
+                <a:satMod val="135000"/>
+              </a:schemeClr>
+              <a:prstClr val="white"/>
+            </a:duotone>
+          </a:blip>
+          <a:stretch>
+            <a:fillRect/>
+          </a:stretch>
+        </p:blipFill>
+        <p:spPr>
+          <a:xfrm flipH="1">
+            <a:off x="7465670" y="1418749"/>
+            <a:ext cx="338760" cy="330515"/>
+          </a:xfrm>
+          <a:prstGeom prst="rect">
+            <a:avLst/>
+          </a:prstGeom>
+        </p:spPr>
+      </p:pic>
+      <p:pic>
+        <p:nvPicPr>
+          <p:cNvPr id="17" name="Picture 16">
+            <a:extLst>
+              <a:ext uri="{FF2B5EF4-FFF2-40B4-BE49-F238E27FC236}">
+                <a16:creationId xmlns:a16="http://schemas.microsoft.com/office/drawing/2014/main" id="{2CB875FE-E5C5-2E49-BED4-6535152FBAFE}"/>
+              </a:ext>
+            </a:extLst>
+          </p:cNvPr>
+          <p:cNvPicPr>
+            <a:picLocks noChangeAspect="1"/>
+          </p:cNvPicPr>
+          <p:nvPr/>
+        </p:nvPicPr>
+        <p:blipFill>
+          <a:blip r:embed="rId7">
+            <a:duotone>
+              <a:schemeClr val="accent5">
+                <a:shade val="45000"/>
+                <a:satMod val="135000"/>
+              </a:schemeClr>
+              <a:prstClr val="white"/>
+            </a:duotone>
+          </a:blip>
+          <a:stretch>
+            <a:fillRect/>
+          </a:stretch>
+        </p:blipFill>
+        <p:spPr>
+          <a:xfrm flipH="1">
+            <a:off x="8806996" y="3791731"/>
+            <a:ext cx="330515" cy="330515"/>
+          </a:xfrm>
+          <a:prstGeom prst="rect">
+            <a:avLst/>
+          </a:prstGeom>
+        </p:spPr>
+      </p:pic>
     </p:spTree>
     <p:extLst>
       <p:ext uri="{BB962C8B-B14F-4D97-AF65-F5344CB8AC3E}">
@@ -17361,122 +21441,8 @@
           </a:p>
         </p:txBody>
       </p:sp>
-      <p:pic>
-        <p:nvPicPr>
-          <p:cNvPr id="10" name="Picture 9">
-            <a:extLst>
-              <a:ext uri="{FF2B5EF4-FFF2-40B4-BE49-F238E27FC236}">
-                <a16:creationId xmlns:a16="http://schemas.microsoft.com/office/drawing/2014/main" id="{18394571-7BDE-3C4A-830E-ACEBB3FDDCBB}"/>
-              </a:ext>
-            </a:extLst>
-          </p:cNvPr>
-          <p:cNvPicPr>
-            <a:picLocks noChangeAspect="1"/>
-          </p:cNvPicPr>
-          <p:nvPr/>
-        </p:nvPicPr>
-        <p:blipFill>
-          <a:blip r:embed="rId4">
-            <a:duotone>
-              <a:schemeClr val="accent5">
-                <a:shade val="45000"/>
-                <a:satMod val="135000"/>
-              </a:schemeClr>
-              <a:prstClr val="white"/>
-            </a:duotone>
-          </a:blip>
-          <a:stretch>
-            <a:fillRect/>
-          </a:stretch>
-        </p:blipFill>
-        <p:spPr>
-          <a:xfrm>
-            <a:off x="7504948" y="1424897"/>
-            <a:ext cx="330515" cy="330515"/>
-          </a:xfrm>
-          <a:prstGeom prst="rect">
-            <a:avLst/>
-          </a:prstGeom>
-        </p:spPr>
-      </p:pic>
-      <p:pic>
-        <p:nvPicPr>
-          <p:cNvPr id="11" name="Picture 10">
-            <a:extLst>
-              <a:ext uri="{FF2B5EF4-FFF2-40B4-BE49-F238E27FC236}">
-                <a16:creationId xmlns:a16="http://schemas.microsoft.com/office/drawing/2014/main" id="{5A025A28-7FF6-CF4C-B8E8-6D4C90CC81D4}"/>
-              </a:ext>
-            </a:extLst>
-          </p:cNvPr>
-          <p:cNvPicPr>
-            <a:picLocks noChangeAspect="1"/>
-          </p:cNvPicPr>
-          <p:nvPr/>
-        </p:nvPicPr>
-        <p:blipFill>
-          <a:blip r:embed="rId4">
-            <a:duotone>
-              <a:schemeClr val="accent5">
-                <a:shade val="45000"/>
-                <a:satMod val="135000"/>
-              </a:schemeClr>
-              <a:prstClr val="white"/>
-            </a:duotone>
-          </a:blip>
-          <a:stretch>
-            <a:fillRect/>
-          </a:stretch>
-        </p:blipFill>
-        <p:spPr>
-          <a:xfrm flipH="1">
-            <a:off x="8587540" y="3791731"/>
-            <a:ext cx="330515" cy="330515"/>
-          </a:xfrm>
-          <a:prstGeom prst="rect">
-            <a:avLst/>
-          </a:prstGeom>
-        </p:spPr>
-      </p:pic>
-      <p:pic>
-        <p:nvPicPr>
-          <p:cNvPr id="12" name="Picture 11">
-            <a:extLst>
-              <a:ext uri="{FF2B5EF4-FFF2-40B4-BE49-F238E27FC236}">
-                <a16:creationId xmlns:a16="http://schemas.microsoft.com/office/drawing/2014/main" id="{3050A6A0-62C4-8845-8B8D-B6406FBB7040}"/>
-              </a:ext>
-            </a:extLst>
-          </p:cNvPr>
-          <p:cNvPicPr>
-            <a:picLocks noChangeAspect="1"/>
-          </p:cNvPicPr>
-          <p:nvPr/>
-        </p:nvPicPr>
-        <p:blipFill>
-          <a:blip r:embed="rId4">
-            <a:duotone>
-              <a:schemeClr val="accent5">
-                <a:shade val="45000"/>
-                <a:satMod val="135000"/>
-              </a:schemeClr>
-              <a:prstClr val="white"/>
-            </a:duotone>
-          </a:blip>
-          <a:stretch>
-            <a:fillRect/>
-          </a:stretch>
-        </p:blipFill>
-        <p:spPr>
-          <a:xfrm>
-            <a:off x="9019086" y="3791731"/>
-            <a:ext cx="330515" cy="330515"/>
-          </a:xfrm>
-          <a:prstGeom prst="rect">
-            <a:avLst/>
-          </a:prstGeom>
-        </p:spPr>
-      </p:pic>
-      <mc:AlternateContent xmlns:mc="http://schemas.openxmlformats.org/markup-compatibility/2006">
-        <mc:Choice xmlns:a14="http://schemas.microsoft.com/office/drawing/2010/main" Requires="a14">
+      <mc:AlternateContent xmlns:mc="http://schemas.openxmlformats.org/markup-compatibility/2006" xmlns:a14="http://schemas.microsoft.com/office/drawing/2010/main">
+        <mc:Choice Requires="a14">
           <p:sp>
             <p:nvSpPr>
               <p:cNvPr id="13" name="TextBox 12">
@@ -17505,7 +21471,6 @@
               </a:bodyPr>
               <a:lstStyle/>
               <a:p>
-                <a:pPr/>
                 <a:r>
                   <a:rPr lang="en-US" b="1" dirty="0"/>
                   <a:t>Day</a:t>
@@ -17531,7 +21496,7 @@
             </p:txBody>
           </p:sp>
         </mc:Choice>
-        <mc:Fallback>
+        <mc:Fallback xmlns="">
           <p:sp>
             <p:nvSpPr>
               <p:cNvPr id="13" name="TextBox 12">
@@ -17928,8 +21893,8 @@
           </a:fontRef>
         </p:style>
       </p:cxnSp>
-      <mc:AlternateContent xmlns:mc="http://schemas.openxmlformats.org/markup-compatibility/2006">
-        <mc:Choice xmlns:a14="http://schemas.microsoft.com/office/drawing/2010/main" Requires="a14">
+      <mc:AlternateContent xmlns:mc="http://schemas.openxmlformats.org/markup-compatibility/2006" xmlns:a14="http://schemas.microsoft.com/office/drawing/2010/main">
+        <mc:Choice Requires="a14">
           <p:sp>
             <p:nvSpPr>
               <p:cNvPr id="38" name="TextBox 37">
@@ -18104,7 +22069,7 @@
             </p:txBody>
           </p:sp>
         </mc:Choice>
-        <mc:Fallback>
+        <mc:Fallback xmlns="">
           <p:sp>
             <p:nvSpPr>
               <p:cNvPr id="38" name="TextBox 37">
@@ -18149,6 +22114,82 @@
           </p:sp>
         </mc:Fallback>
       </mc:AlternateContent>
+      <p:pic>
+        <p:nvPicPr>
+          <p:cNvPr id="19" name="Picture 18">
+            <a:extLst>
+              <a:ext uri="{FF2B5EF4-FFF2-40B4-BE49-F238E27FC236}">
+                <a16:creationId xmlns:a16="http://schemas.microsoft.com/office/drawing/2014/main" id="{3FD76F1F-A2F2-E241-838B-A088F497F1F1}"/>
+              </a:ext>
+            </a:extLst>
+          </p:cNvPr>
+          <p:cNvPicPr>
+            <a:picLocks noChangeAspect="1"/>
+          </p:cNvPicPr>
+          <p:nvPr/>
+        </p:nvPicPr>
+        <p:blipFill>
+          <a:blip r:embed="rId7">
+            <a:duotone>
+              <a:schemeClr val="accent5">
+                <a:shade val="45000"/>
+                <a:satMod val="135000"/>
+              </a:schemeClr>
+              <a:prstClr val="white"/>
+            </a:duotone>
+          </a:blip>
+          <a:stretch>
+            <a:fillRect/>
+          </a:stretch>
+        </p:blipFill>
+        <p:spPr>
+          <a:xfrm flipH="1">
+            <a:off x="7465670" y="1418749"/>
+            <a:ext cx="338760" cy="330515"/>
+          </a:xfrm>
+          <a:prstGeom prst="rect">
+            <a:avLst/>
+          </a:prstGeom>
+        </p:spPr>
+      </p:pic>
+      <p:pic>
+        <p:nvPicPr>
+          <p:cNvPr id="20" name="Picture 19">
+            <a:extLst>
+              <a:ext uri="{FF2B5EF4-FFF2-40B4-BE49-F238E27FC236}">
+                <a16:creationId xmlns:a16="http://schemas.microsoft.com/office/drawing/2014/main" id="{B395D66E-8E51-3041-BA4F-F4A2FE98F98F}"/>
+              </a:ext>
+            </a:extLst>
+          </p:cNvPr>
+          <p:cNvPicPr>
+            <a:picLocks noChangeAspect="1"/>
+          </p:cNvPicPr>
+          <p:nvPr/>
+        </p:nvPicPr>
+        <p:blipFill>
+          <a:blip r:embed="rId7">
+            <a:duotone>
+              <a:schemeClr val="accent5">
+                <a:shade val="45000"/>
+                <a:satMod val="135000"/>
+              </a:schemeClr>
+              <a:prstClr val="white"/>
+            </a:duotone>
+          </a:blip>
+          <a:stretch>
+            <a:fillRect/>
+          </a:stretch>
+        </p:blipFill>
+        <p:spPr>
+          <a:xfrm flipH="1">
+            <a:off x="8806996" y="3791731"/>
+            <a:ext cx="330515" cy="330515"/>
+          </a:xfrm>
+          <a:prstGeom prst="rect">
+            <a:avLst/>
+          </a:prstGeom>
+        </p:spPr>
+      </p:pic>
     </p:spTree>
     <p:extLst>
       <p:ext uri="{BB962C8B-B14F-4D97-AF65-F5344CB8AC3E}">
@@ -18831,18 +22872,18 @@
 </file>
 
 <file path=customXml/item1.xml><?xml version="1.0" encoding="utf-8"?>
+<p:properties xmlns:p="http://schemas.microsoft.com/office/2006/metadata/properties" xmlns:xsi="http://www.w3.org/2001/XMLSchema-instance" xmlns:pc="http://schemas.microsoft.com/office/infopath/2007/PartnerControls">
+  <documentManagement/>
+</p:properties>
+</file>
+
+<file path=customXml/item2.xml><?xml version="1.0" encoding="utf-8"?>
 <?mso-contentType ?>
 <FormTemplates xmlns="http://schemas.microsoft.com/sharepoint/v3/contenttype/forms">
   <Display>DocumentLibraryForm</Display>
   <Edit>DocumentLibraryForm</Edit>
   <New>DocumentLibraryForm</New>
 </FormTemplates>
-</file>
-
-<file path=customXml/item2.xml><?xml version="1.0" encoding="utf-8"?>
-<p:properties xmlns:p="http://schemas.microsoft.com/office/2006/metadata/properties" xmlns:xsi="http://www.w3.org/2001/XMLSchema-instance" xmlns:pc="http://schemas.microsoft.com/office/infopath/2007/PartnerControls">
-  <documentManagement/>
-</p:properties>
 </file>
 
 <file path=customXml/item3.xml><?xml version="1.0" encoding="utf-8"?>
@@ -19024,14 +23065,6 @@
 </file>
 
 <file path=customXml/itemProps1.xml><?xml version="1.0" encoding="utf-8"?>
-<ds:datastoreItem xmlns:ds="http://schemas.openxmlformats.org/officeDocument/2006/customXml" ds:itemID="{90B8E264-86A9-4B23-86C3-2E3EAF2076B7}">
-  <ds:schemaRefs>
-    <ds:schemaRef ds:uri="http://schemas.microsoft.com/sharepoint/v3/contenttype/forms"/>
-  </ds:schemaRefs>
-</ds:datastoreItem>
-</file>
-
-<file path=customXml/itemProps2.xml><?xml version="1.0" encoding="utf-8"?>
 <ds:datastoreItem xmlns:ds="http://schemas.openxmlformats.org/officeDocument/2006/customXml" ds:itemID="{1F2D7D86-A661-4D2A-A57D-9B15F941786B}">
   <ds:schemaRefs>
     <ds:schemaRef ds:uri="http://schemas.microsoft.com/office/2006/documentManagement/types"/>
@@ -19043,6 +23076,14 @@
     <ds:schemaRef ds:uri="http://purl.org/dc/elements/1.1/"/>
     <ds:schemaRef ds:uri="http://schemas.microsoft.com/office/2006/metadata/properties"/>
     <ds:schemaRef ds:uri="http://www.w3.org/XML/1998/namespace"/>
+  </ds:schemaRefs>
+</ds:datastoreItem>
+</file>
+
+<file path=customXml/itemProps2.xml><?xml version="1.0" encoding="utf-8"?>
+<ds:datastoreItem xmlns:ds="http://schemas.openxmlformats.org/officeDocument/2006/customXml" ds:itemID="{90B8E264-86A9-4B23-86C3-2E3EAF2076B7}">
+  <ds:schemaRefs>
+    <ds:schemaRef ds:uri="http://schemas.microsoft.com/sharepoint/v3/contenttype/forms"/>
   </ds:schemaRefs>
 </ds:datastoreItem>
 </file>
